--- a/Documents/Building Modern RESTFul API's With ASP.NET Core - Architectural Overview.pptx
+++ b/Documents/Building Modern RESTFul API's With ASP.NET Core - Architectural Overview.pptx
@@ -8,14 +8,19 @@
     <p:sldId id="256" r:id="rId2"/>
     <p:sldId id="258" r:id="rId3"/>
     <p:sldId id="259" r:id="rId4"/>
-    <p:sldId id="260" r:id="rId5"/>
-    <p:sldId id="261" r:id="rId6"/>
-    <p:sldId id="262" r:id="rId7"/>
-    <p:sldId id="263" r:id="rId8"/>
-    <p:sldId id="264" r:id="rId9"/>
-    <p:sldId id="265" r:id="rId10"/>
-    <p:sldId id="266" r:id="rId11"/>
-    <p:sldId id="267" r:id="rId12"/>
+    <p:sldId id="270" r:id="rId5"/>
+    <p:sldId id="260" r:id="rId6"/>
+    <p:sldId id="261" r:id="rId7"/>
+    <p:sldId id="271" r:id="rId8"/>
+    <p:sldId id="262" r:id="rId9"/>
+    <p:sldId id="263" r:id="rId10"/>
+    <p:sldId id="264" r:id="rId11"/>
+    <p:sldId id="265" r:id="rId12"/>
+    <p:sldId id="272" r:id="rId13"/>
+    <p:sldId id="268" r:id="rId14"/>
+    <p:sldId id="266" r:id="rId15"/>
+    <p:sldId id="267" r:id="rId16"/>
+    <p:sldId id="269" r:id="rId17"/>
   </p:sldIdLst>
   <p:sldSz cx="12192000" cy="6858000"/>
   <p:notesSz cx="6858000" cy="9144000"/>
@@ -5874,6 +5879,416 @@
         </p:spPr>
         <p:txBody>
           <a:bodyPr>
+            <a:normAutofit/>
+          </a:bodyPr>
+          <a:lstStyle/>
+          <a:p>
+            <a:pPr algn="ctr"/>
+            <a:r>
+              <a:rPr lang="pt-BR" dirty="0" err="1" smtClean="0"/>
+              <a:t>Generic</a:t>
+            </a:r>
+            <a:r>
+              <a:rPr lang="pt-BR" dirty="0" smtClean="0"/>
+              <a:t> </a:t>
+            </a:r>
+            <a:r>
+              <a:rPr lang="pt-BR" dirty="0" err="1" smtClean="0"/>
+              <a:t>Repository</a:t>
+            </a:r>
+            <a:endParaRPr lang="pt-BR" dirty="0"/>
+          </a:p>
+        </p:txBody>
+      </p:sp>
+    </p:spTree>
+    <p:extLst>
+      <p:ext uri="{BB962C8B-B14F-4D97-AF65-F5344CB8AC3E}">
+        <p14:creationId xmlns:p14="http://schemas.microsoft.com/office/powerpoint/2010/main" val="1549041027"/>
+      </p:ext>
+    </p:extLst>
+  </p:cSld>
+  <p:clrMapOvr>
+    <a:masterClrMapping/>
+  </p:clrMapOvr>
+  <p:timing>
+    <p:tnLst>
+      <p:par>
+        <p:cTn id="1" dur="indefinite" restart="never" nodeType="tmRoot"/>
+      </p:par>
+    </p:tnLst>
+  </p:timing>
+</p:sld>
+</file>
+
+<file path=ppt/slides/slide11.xml><?xml version="1.0" encoding="utf-8"?>
+<p:sld xmlns:a="http://schemas.openxmlformats.org/drawingml/2006/main" xmlns:r="http://schemas.openxmlformats.org/officeDocument/2006/relationships" xmlns:p="http://schemas.openxmlformats.org/presentationml/2006/main">
+  <p:cSld>
+    <p:spTree>
+      <p:nvGrpSpPr>
+        <p:cNvPr id="1" name=""/>
+        <p:cNvGrpSpPr/>
+        <p:nvPr/>
+      </p:nvGrpSpPr>
+      <p:grpSpPr>
+        <a:xfrm>
+          <a:off x="0" y="0"/>
+          <a:ext cx="0" cy="0"/>
+          <a:chOff x="0" y="0"/>
+          <a:chExt cx="0" cy="0"/>
+        </a:xfrm>
+      </p:grpSpPr>
+      <p:pic>
+        <p:nvPicPr>
+          <p:cNvPr id="1026" name="Picture 2" descr="Resultado de imagem para Generic Repository pattern"/>
+          <p:cNvPicPr>
+            <a:picLocks noChangeAspect="1" noChangeArrowheads="1"/>
+          </p:cNvPicPr>
+          <p:nvPr/>
+        </p:nvPicPr>
+        <p:blipFill>
+          <a:blip r:embed="rId2">
+            <a:extLst>
+              <a:ext uri="{28A0092B-C50C-407E-A947-70E740481C1C}">
+                <a14:useLocalDpi xmlns:a14="http://schemas.microsoft.com/office/drawing/2010/main" val="0"/>
+              </a:ext>
+            </a:extLst>
+          </a:blip>
+          <a:srcRect/>
+          <a:stretch>
+            <a:fillRect/>
+          </a:stretch>
+        </p:blipFill>
+        <p:spPr bwMode="auto">
+          <a:xfrm>
+            <a:off x="641712" y="1480113"/>
+            <a:ext cx="10391775" cy="3581400"/>
+          </a:xfrm>
+          <a:prstGeom prst="rect">
+            <a:avLst/>
+          </a:prstGeom>
+          <a:noFill/>
+          <a:extLst>
+            <a:ext uri="{909E8E84-426E-40DD-AFC4-6F175D3DCCD1}">
+              <a14:hiddenFill xmlns:a14="http://schemas.microsoft.com/office/drawing/2010/main">
+                <a:solidFill>
+                  <a:srgbClr val="FFFFFF"/>
+                </a:solidFill>
+              </a14:hiddenFill>
+            </a:ext>
+          </a:extLst>
+        </p:spPr>
+      </p:pic>
+    </p:spTree>
+    <p:extLst>
+      <p:ext uri="{BB962C8B-B14F-4D97-AF65-F5344CB8AC3E}">
+        <p14:creationId xmlns:p14="http://schemas.microsoft.com/office/powerpoint/2010/main" val="2309341346"/>
+      </p:ext>
+    </p:extLst>
+  </p:cSld>
+  <p:clrMapOvr>
+    <a:masterClrMapping/>
+  </p:clrMapOvr>
+  <p:timing>
+    <p:tnLst>
+      <p:par>
+        <p:cTn id="1" dur="indefinite" restart="never" nodeType="tmRoot"/>
+      </p:par>
+    </p:tnLst>
+  </p:timing>
+</p:sld>
+</file>
+
+<file path=ppt/slides/slide12.xml><?xml version="1.0" encoding="utf-8"?>
+<p:sld xmlns:a="http://schemas.openxmlformats.org/drawingml/2006/main" xmlns:r="http://schemas.openxmlformats.org/officeDocument/2006/relationships" xmlns:p="http://schemas.openxmlformats.org/presentationml/2006/main">
+  <p:cSld>
+    <p:spTree>
+      <p:nvGrpSpPr>
+        <p:cNvPr id="1" name=""/>
+        <p:cNvGrpSpPr/>
+        <p:nvPr/>
+      </p:nvGrpSpPr>
+      <p:grpSpPr>
+        <a:xfrm>
+          <a:off x="0" y="0"/>
+          <a:ext cx="0" cy="0"/>
+          <a:chOff x="0" y="0"/>
+          <a:chExt cx="0" cy="0"/>
+        </a:xfrm>
+      </p:grpSpPr>
+      <p:sp>
+        <p:nvSpPr>
+          <p:cNvPr id="2" name="Título 1"/>
+          <p:cNvSpPr>
+            <a:spLocks noGrp="1"/>
+          </p:cNvSpPr>
+          <p:nvPr>
+            <p:ph type="title"/>
+          </p:nvPr>
+        </p:nvSpPr>
+        <p:spPr/>
+        <p:txBody>
+          <a:bodyPr/>
+          <a:lstStyle/>
+          <a:p>
+            <a:endParaRPr lang="pt-BR"/>
+          </a:p>
+        </p:txBody>
+      </p:sp>
+      <p:pic>
+        <p:nvPicPr>
+          <p:cNvPr id="4" name="Espaço Reservado para Conteúdo 3"/>
+          <p:cNvPicPr>
+            <a:picLocks noGrp="1" noChangeAspect="1"/>
+          </p:cNvPicPr>
+          <p:nvPr>
+            <p:ph idx="1"/>
+          </p:nvPr>
+        </p:nvPicPr>
+        <p:blipFill>
+          <a:blip r:embed="rId2">
+            <a:extLst>
+              <a:ext uri="{28A0092B-C50C-407E-A947-70E740481C1C}">
+                <a14:useLocalDpi xmlns:a14="http://schemas.microsoft.com/office/drawing/2010/main" val="0"/>
+              </a:ext>
+            </a:extLst>
+          </a:blip>
+          <a:stretch>
+            <a:fillRect/>
+          </a:stretch>
+        </p:blipFill>
+        <p:spPr>
+          <a:xfrm>
+            <a:off x="-162046" y="-1053296"/>
+            <a:ext cx="12576585" cy="9528466"/>
+          </a:xfrm>
+        </p:spPr>
+      </p:pic>
+    </p:spTree>
+    <p:extLst>
+      <p:ext uri="{BB962C8B-B14F-4D97-AF65-F5344CB8AC3E}">
+        <p14:creationId xmlns:p14="http://schemas.microsoft.com/office/powerpoint/2010/main" val="1735659003"/>
+      </p:ext>
+    </p:extLst>
+  </p:cSld>
+  <p:clrMapOvr>
+    <a:masterClrMapping/>
+  </p:clrMapOvr>
+  <p:timing>
+    <p:tnLst>
+      <p:par>
+        <p:cTn id="1" dur="indefinite" restart="never" nodeType="tmRoot"/>
+      </p:par>
+    </p:tnLst>
+  </p:timing>
+</p:sld>
+</file>
+
+<file path=ppt/slides/slide13.xml><?xml version="1.0" encoding="utf-8"?>
+<p:sld xmlns:a="http://schemas.openxmlformats.org/drawingml/2006/main" xmlns:r="http://schemas.openxmlformats.org/officeDocument/2006/relationships" xmlns:p="http://schemas.openxmlformats.org/presentationml/2006/main">
+  <p:cSld>
+    <p:spTree>
+      <p:nvGrpSpPr>
+        <p:cNvPr id="1" name=""/>
+        <p:cNvGrpSpPr/>
+        <p:nvPr/>
+      </p:nvGrpSpPr>
+      <p:grpSpPr>
+        <a:xfrm>
+          <a:off x="0" y="0"/>
+          <a:ext cx="0" cy="0"/>
+          <a:chOff x="0" y="0"/>
+          <a:chExt cx="0" cy="0"/>
+        </a:xfrm>
+      </p:grpSpPr>
+      <p:sp>
+        <p:nvSpPr>
+          <p:cNvPr id="2" name="Título 1"/>
+          <p:cNvSpPr>
+            <a:spLocks noGrp="1"/>
+          </p:cNvSpPr>
+          <p:nvPr>
+            <p:ph type="title"/>
+          </p:nvPr>
+        </p:nvSpPr>
+        <p:spPr/>
+        <p:txBody>
+          <a:bodyPr/>
+          <a:lstStyle/>
+          <a:p>
+            <a:r>
+              <a:rPr lang="pt-BR" dirty="0" smtClean="0"/>
+              <a:t>Referências</a:t>
+            </a:r>
+            <a:endParaRPr lang="pt-BR" dirty="0"/>
+          </a:p>
+        </p:txBody>
+      </p:sp>
+      <p:sp>
+        <p:nvSpPr>
+          <p:cNvPr id="3" name="Espaço Reservado para Conteúdo 2"/>
+          <p:cNvSpPr>
+            <a:spLocks noGrp="1"/>
+          </p:cNvSpPr>
+          <p:nvPr>
+            <p:ph idx="1"/>
+          </p:nvPr>
+        </p:nvSpPr>
+        <p:spPr/>
+        <p:txBody>
+          <a:bodyPr>
+            <a:normAutofit fontScale="92500" lnSpcReduction="20000"/>
+          </a:bodyPr>
+          <a:lstStyle/>
+          <a:p>
+            <a:r>
+              <a:rPr lang="pt-BR" dirty="0">
+                <a:hlinkClick r:id="rId2"/>
+              </a:rPr>
+              <a:t>http://</a:t>
+            </a:r>
+            <a:r>
+              <a:rPr lang="pt-BR" dirty="0" smtClean="0">
+                <a:hlinkClick r:id="rId2"/>
+              </a:rPr>
+              <a:t>www.dotnetcurry.com/aspnet-mvc/1155/aspnet-mvc-repository-pattern-perform-database-operations</a:t>
+            </a:r>
+            <a:endParaRPr lang="pt-BR" dirty="0" smtClean="0"/>
+          </a:p>
+          <a:p>
+            <a:endParaRPr lang="pt-BR" dirty="0"/>
+          </a:p>
+          <a:p>
+            <a:r>
+              <a:rPr lang="pt-BR" dirty="0">
+                <a:hlinkClick r:id="rId3"/>
+              </a:rPr>
+              <a:t>https://www.c-sharpcorner.com/UploadFile/8a67c0/repository-pattern-and-generic-repository-pattern</a:t>
+            </a:r>
+            <a:r>
+              <a:rPr lang="pt-BR" dirty="0" smtClean="0">
+                <a:hlinkClick r:id="rId3"/>
+              </a:rPr>
+              <a:t>/</a:t>
+            </a:r>
+            <a:endParaRPr lang="pt-BR" dirty="0" smtClean="0"/>
+          </a:p>
+          <a:p>
+            <a:endParaRPr lang="pt-BR" dirty="0"/>
+          </a:p>
+          <a:p>
+            <a:r>
+              <a:rPr lang="pt-BR" dirty="0">
+                <a:hlinkClick r:id="rId4"/>
+              </a:rPr>
+              <a:t>http://</a:t>
+            </a:r>
+            <a:r>
+              <a:rPr lang="pt-BR" dirty="0" smtClean="0">
+                <a:hlinkClick r:id="rId4"/>
+              </a:rPr>
+              <a:t>www.tugberkugurlu.com/archive/generic-repository-pattern-entity-framework-asp-net-mvc-and-unit-testing-triangle</a:t>
+            </a:r>
+            <a:endParaRPr lang="pt-BR" dirty="0" smtClean="0"/>
+          </a:p>
+          <a:p>
+            <a:endParaRPr lang="pt-BR" dirty="0"/>
+          </a:p>
+          <a:p>
+            <a:r>
+              <a:rPr lang="pt-BR" dirty="0">
+                <a:hlinkClick r:id="rId5"/>
+              </a:rPr>
+              <a:t>https://</a:t>
+            </a:r>
+            <a:r>
+              <a:rPr lang="pt-BR" dirty="0" smtClean="0">
+                <a:hlinkClick r:id="rId5"/>
+              </a:rPr>
+              <a:t>www.codeproject.com/Articles/814768/CRUD-Operations-Using-the-Generic-Repository-Patte</a:t>
+            </a:r>
+            <a:endParaRPr lang="pt-BR" dirty="0" smtClean="0"/>
+          </a:p>
+          <a:p>
+            <a:endParaRPr lang="pt-BR" dirty="0"/>
+          </a:p>
+          <a:p>
+            <a:r>
+              <a:rPr lang="pt-BR" dirty="0">
+                <a:hlinkClick r:id="rId6"/>
+              </a:rPr>
+              <a:t>http://</a:t>
+            </a:r>
+            <a:r>
+              <a:rPr lang="pt-BR" dirty="0" smtClean="0">
+                <a:hlinkClick r:id="rId6"/>
+              </a:rPr>
+              <a:t>hannesdorfmann.com/android/evolution-of-the-repository-pattern</a:t>
+            </a:r>
+            <a:endParaRPr lang="pt-BR" dirty="0" smtClean="0"/>
+          </a:p>
+          <a:p>
+            <a:endParaRPr lang="pt-BR" dirty="0" smtClean="0"/>
+          </a:p>
+          <a:p>
+            <a:endParaRPr lang="pt-BR" dirty="0"/>
+          </a:p>
+        </p:txBody>
+      </p:sp>
+    </p:spTree>
+    <p:extLst>
+      <p:ext uri="{BB962C8B-B14F-4D97-AF65-F5344CB8AC3E}">
+        <p14:creationId xmlns:p14="http://schemas.microsoft.com/office/powerpoint/2010/main" val="109744129"/>
+      </p:ext>
+    </p:extLst>
+  </p:cSld>
+  <p:clrMapOvr>
+    <a:masterClrMapping/>
+  </p:clrMapOvr>
+  <p:timing>
+    <p:tnLst>
+      <p:par>
+        <p:cTn id="1" dur="indefinite" restart="never" nodeType="tmRoot"/>
+      </p:par>
+    </p:tnLst>
+  </p:timing>
+</p:sld>
+</file>
+
+<file path=ppt/slides/slide14.xml><?xml version="1.0" encoding="utf-8"?>
+<p:sld xmlns:a="http://schemas.openxmlformats.org/drawingml/2006/main" xmlns:r="http://schemas.openxmlformats.org/officeDocument/2006/relationships" xmlns:p="http://schemas.openxmlformats.org/presentationml/2006/main">
+  <p:cSld>
+    <p:spTree>
+      <p:nvGrpSpPr>
+        <p:cNvPr id="1" name=""/>
+        <p:cNvGrpSpPr/>
+        <p:nvPr/>
+      </p:nvGrpSpPr>
+      <p:grpSpPr>
+        <a:xfrm>
+          <a:off x="0" y="0"/>
+          <a:ext cx="0" cy="0"/>
+          <a:chOff x="0" y="0"/>
+          <a:chExt cx="0" cy="0"/>
+        </a:xfrm>
+      </p:grpSpPr>
+      <p:sp>
+        <p:nvSpPr>
+          <p:cNvPr id="2" name="Título 1"/>
+          <p:cNvSpPr>
+            <a:spLocks noGrp="1"/>
+          </p:cNvSpPr>
+          <p:nvPr>
+            <p:ph type="title"/>
+          </p:nvPr>
+        </p:nvSpPr>
+        <p:spPr>
+          <a:xfrm>
+            <a:off x="2207568" y="2924944"/>
+            <a:ext cx="8229600" cy="990600"/>
+          </a:xfrm>
+        </p:spPr>
+        <p:txBody>
+          <a:bodyPr>
             <a:normAutofit fontScale="90000"/>
           </a:bodyPr>
           <a:lstStyle/>
@@ -5919,7 +6334,7 @@
 </p:sld>
 </file>
 
-<file path=ppt/slides/slide11.xml><?xml version="1.0" encoding="utf-8"?>
+<file path=ppt/slides/slide15.xml><?xml version="1.0" encoding="utf-8"?>
 <p:sld xmlns:a="http://schemas.openxmlformats.org/drawingml/2006/main" xmlns:r="http://schemas.openxmlformats.org/officeDocument/2006/relationships" xmlns:p="http://schemas.openxmlformats.org/presentationml/2006/main">
   <p:cSld>
     <p:spTree>
@@ -5997,6 +6412,158 @@
 </p:sld>
 </file>
 
+<file path=ppt/slides/slide16.xml><?xml version="1.0" encoding="utf-8"?>
+<p:sld xmlns:a="http://schemas.openxmlformats.org/drawingml/2006/main" xmlns:r="http://schemas.openxmlformats.org/officeDocument/2006/relationships" xmlns:p="http://schemas.openxmlformats.org/presentationml/2006/main">
+  <p:cSld>
+    <p:spTree>
+      <p:nvGrpSpPr>
+        <p:cNvPr id="1" name=""/>
+        <p:cNvGrpSpPr/>
+        <p:nvPr/>
+      </p:nvGrpSpPr>
+      <p:grpSpPr>
+        <a:xfrm>
+          <a:off x="0" y="0"/>
+          <a:ext cx="0" cy="0"/>
+          <a:chOff x="0" y="0"/>
+          <a:chExt cx="0" cy="0"/>
+        </a:xfrm>
+      </p:grpSpPr>
+      <p:sp>
+        <p:nvSpPr>
+          <p:cNvPr id="2" name="Título 1"/>
+          <p:cNvSpPr>
+            <a:spLocks noGrp="1"/>
+          </p:cNvSpPr>
+          <p:nvPr>
+            <p:ph type="title"/>
+          </p:nvPr>
+        </p:nvSpPr>
+        <p:spPr/>
+        <p:txBody>
+          <a:bodyPr/>
+          <a:lstStyle/>
+          <a:p>
+            <a:r>
+              <a:rPr lang="pt-BR" dirty="0" smtClean="0"/>
+              <a:t>Referências</a:t>
+            </a:r>
+            <a:endParaRPr lang="pt-BR" dirty="0"/>
+          </a:p>
+        </p:txBody>
+      </p:sp>
+      <p:sp>
+        <p:nvSpPr>
+          <p:cNvPr id="3" name="Espaço Reservado para Conteúdo 2"/>
+          <p:cNvSpPr>
+            <a:spLocks noGrp="1"/>
+          </p:cNvSpPr>
+          <p:nvPr>
+            <p:ph idx="1"/>
+          </p:nvPr>
+        </p:nvSpPr>
+        <p:spPr/>
+        <p:txBody>
+          <a:bodyPr/>
+          <a:lstStyle/>
+          <a:p>
+            <a:r>
+              <a:rPr lang="pt-BR" dirty="0">
+                <a:hlinkClick r:id="rId2"/>
+              </a:rPr>
+              <a:t>https://martinfowler.com/bliki/ValueObject.html</a:t>
+            </a:r>
+            <a:endParaRPr lang="pt-BR" dirty="0" smtClean="0">
+              <a:hlinkClick r:id="rId2"/>
+            </a:endParaRPr>
+          </a:p>
+          <a:p>
+            <a:endParaRPr lang="pt-BR" dirty="0">
+              <a:hlinkClick r:id="rId2"/>
+            </a:endParaRPr>
+          </a:p>
+          <a:p>
+            <a:r>
+              <a:rPr lang="pt-BR" dirty="0" smtClean="0">
+                <a:hlinkClick r:id="rId2"/>
+              </a:rPr>
+              <a:t>https</a:t>
+            </a:r>
+            <a:r>
+              <a:rPr lang="pt-BR" dirty="0">
+                <a:hlinkClick r:id="rId2"/>
+              </a:rPr>
+              <a:t>://</a:t>
+            </a:r>
+            <a:r>
+              <a:rPr lang="pt-BR" dirty="0" smtClean="0">
+                <a:hlinkClick r:id="rId2"/>
+              </a:rPr>
+              <a:t>www.codeadventure.com/blog/why-you-should-use-value-objects</a:t>
+            </a:r>
+            <a:endParaRPr lang="pt-BR" dirty="0" smtClean="0"/>
+          </a:p>
+          <a:p>
+            <a:endParaRPr lang="pt-BR" dirty="0"/>
+          </a:p>
+          <a:p>
+            <a:r>
+              <a:rPr lang="pt-BR" dirty="0">
+                <a:hlinkClick r:id="rId3"/>
+              </a:rPr>
+              <a:t>https://</a:t>
+            </a:r>
+            <a:r>
+              <a:rPr lang="pt-BR" dirty="0" smtClean="0">
+                <a:hlinkClick r:id="rId3"/>
+              </a:rPr>
+              <a:t>www.devmedia.com.br/diferenca-entre-os-patterns-po-pojo-bo-dto-e-vo/28162</a:t>
+            </a:r>
+            <a:endParaRPr lang="pt-BR" dirty="0" smtClean="0"/>
+          </a:p>
+          <a:p>
+            <a:endParaRPr lang="pt-BR" dirty="0"/>
+          </a:p>
+          <a:p>
+            <a:r>
+              <a:rPr lang="pt-BR" dirty="0">
+                <a:hlinkClick r:id="rId4"/>
+              </a:rPr>
+              <a:t>https://</a:t>
+            </a:r>
+            <a:r>
+              <a:rPr lang="pt-BR" dirty="0" smtClean="0">
+                <a:hlinkClick r:id="rId4"/>
+              </a:rPr>
+              <a:t>imasters.com.br/artigo/7293/linguagens/padroes-de-projeto-value-object?trace=1519021197</a:t>
+            </a:r>
+            <a:endParaRPr lang="pt-BR" dirty="0" smtClean="0"/>
+          </a:p>
+          <a:p>
+            <a:endParaRPr lang="pt-BR" dirty="0"/>
+          </a:p>
+        </p:txBody>
+      </p:sp>
+    </p:spTree>
+    <p:extLst>
+      <p:ext uri="{BB962C8B-B14F-4D97-AF65-F5344CB8AC3E}">
+        <p14:creationId xmlns:p14="http://schemas.microsoft.com/office/powerpoint/2010/main" val="57151941"/>
+      </p:ext>
+    </p:extLst>
+  </p:cSld>
+  <p:clrMapOvr>
+    <a:masterClrMapping/>
+  </p:clrMapOvr>
+  <p:timing>
+    <p:tnLst>
+      <p:par>
+        <p:cTn id="1" dur="indefinite" restart="never" nodeType="tmRoot"/>
+      </p:par>
+    </p:tnLst>
+  </p:timing>
+</p:sld>
+</file>
+
 <file path=ppt/slides/slide2.xml><?xml version="1.0" encoding="utf-8"?>
 <p:sld xmlns:a="http://schemas.openxmlformats.org/drawingml/2006/main" xmlns:r="http://schemas.openxmlformats.org/officeDocument/2006/relationships" xmlns:p="http://schemas.openxmlformats.org/presentationml/2006/main">
   <p:cSld>
@@ -6086,6 +6653,88 @@
           <a:chExt cx="0" cy="0"/>
         </a:xfrm>
       </p:grpSpPr>
+      <p:pic>
+        <p:nvPicPr>
+          <p:cNvPr id="2050" name="Picture 2" descr="Resultado de imagem para api versioning strategy"/>
+          <p:cNvPicPr>
+            <a:picLocks noChangeAspect="1" noChangeArrowheads="1"/>
+          </p:cNvPicPr>
+          <p:nvPr/>
+        </p:nvPicPr>
+        <p:blipFill>
+          <a:blip r:embed="rId2">
+            <a:extLst>
+              <a:ext uri="{28A0092B-C50C-407E-A947-70E740481C1C}">
+                <a14:useLocalDpi xmlns:a14="http://schemas.microsoft.com/office/drawing/2010/main" val="0"/>
+              </a:ext>
+            </a:extLst>
+          </a:blip>
+          <a:srcRect/>
+          <a:stretch>
+            <a:fillRect/>
+          </a:stretch>
+        </p:blipFill>
+        <p:spPr bwMode="auto">
+          <a:xfrm>
+            <a:off x="271322" y="1277033"/>
+            <a:ext cx="4876800" cy="4333875"/>
+          </a:xfrm>
+          <a:prstGeom prst="rect">
+            <a:avLst/>
+          </a:prstGeom>
+          <a:noFill/>
+          <a:extLst>
+            <a:ext uri="{909E8E84-426E-40DD-AFC4-6F175D3DCCD1}">
+              <a14:hiddenFill xmlns:a14="http://schemas.microsoft.com/office/drawing/2010/main">
+                <a:solidFill>
+                  <a:srgbClr val="FFFFFF"/>
+                </a:solidFill>
+              </a14:hiddenFill>
+            </a:ext>
+          </a:extLst>
+        </p:spPr>
+      </p:pic>
+      <p:pic>
+        <p:nvPicPr>
+          <p:cNvPr id="2052" name="Picture 4" descr="Resultado de imagem para api versioning strategy"/>
+          <p:cNvPicPr>
+            <a:picLocks noChangeAspect="1" noChangeArrowheads="1"/>
+          </p:cNvPicPr>
+          <p:nvPr/>
+        </p:nvPicPr>
+        <p:blipFill>
+          <a:blip r:embed="rId3">
+            <a:extLst>
+              <a:ext uri="{28A0092B-C50C-407E-A947-70E740481C1C}">
+                <a14:useLocalDpi xmlns:a14="http://schemas.microsoft.com/office/drawing/2010/main" val="0"/>
+              </a:ext>
+            </a:extLst>
+          </a:blip>
+          <a:srcRect/>
+          <a:stretch>
+            <a:fillRect/>
+          </a:stretch>
+        </p:blipFill>
+        <p:spPr bwMode="auto">
+          <a:xfrm>
+            <a:off x="5148122" y="2036561"/>
+            <a:ext cx="5561393" cy="2651186"/>
+          </a:xfrm>
+          <a:prstGeom prst="rect">
+            <a:avLst/>
+          </a:prstGeom>
+          <a:noFill/>
+          <a:extLst>
+            <a:ext uri="{909E8E84-426E-40DD-AFC4-6F175D3DCCD1}">
+              <a14:hiddenFill xmlns:a14="http://schemas.microsoft.com/office/drawing/2010/main">
+                <a:solidFill>
+                  <a:srgbClr val="FFFFFF"/>
+                </a:solidFill>
+              </a14:hiddenFill>
+            </a:ext>
+          </a:extLst>
+        </p:spPr>
+      </p:pic>
     </p:spTree>
     <p:extLst>
       <p:ext uri="{BB962C8B-B14F-4D97-AF65-F5344CB8AC3E}">
@@ -6133,6 +6782,177 @@
             <p:ph type="title"/>
           </p:nvPr>
         </p:nvSpPr>
+        <p:spPr/>
+        <p:txBody>
+          <a:bodyPr/>
+          <a:lstStyle/>
+          <a:p>
+            <a:r>
+              <a:rPr lang="pt-BR" dirty="0" smtClean="0"/>
+              <a:t>Referências</a:t>
+            </a:r>
+            <a:endParaRPr lang="pt-BR" dirty="0"/>
+          </a:p>
+        </p:txBody>
+      </p:sp>
+      <p:sp>
+        <p:nvSpPr>
+          <p:cNvPr id="3" name="Espaço Reservado para Conteúdo 2"/>
+          <p:cNvSpPr>
+            <a:spLocks noGrp="1"/>
+          </p:cNvSpPr>
+          <p:nvPr>
+            <p:ph idx="1"/>
+          </p:nvPr>
+        </p:nvSpPr>
+        <p:spPr/>
+        <p:txBody>
+          <a:bodyPr>
+            <a:normAutofit/>
+          </a:bodyPr>
+          <a:lstStyle/>
+          <a:p>
+            <a:r>
+              <a:rPr lang="pt-BR" dirty="0">
+                <a:hlinkClick r:id="rId2"/>
+              </a:rPr>
+              <a:t>https://</a:t>
+            </a:r>
+            <a:r>
+              <a:rPr lang="pt-BR" dirty="0" smtClean="0">
+                <a:hlinkClick r:id="rId2"/>
+              </a:rPr>
+              <a:t>msdn.microsoft.com/en-us/library/ff384251.aspx</a:t>
+            </a:r>
+            <a:endParaRPr lang="pt-BR" dirty="0" smtClean="0"/>
+          </a:p>
+          <a:p>
+            <a:endParaRPr lang="pt-BR" dirty="0"/>
+          </a:p>
+          <a:p>
+            <a:r>
+              <a:rPr lang="pt-BR" dirty="0">
+                <a:hlinkClick r:id="rId3"/>
+              </a:rPr>
+              <a:t>https://nordicapis.com/introduction-to-api-versioning-best-practices</a:t>
+            </a:r>
+            <a:r>
+              <a:rPr lang="pt-BR" dirty="0" smtClean="0">
+                <a:hlinkClick r:id="rId3"/>
+              </a:rPr>
+              <a:t>/</a:t>
+            </a:r>
+            <a:endParaRPr lang="pt-BR" dirty="0" smtClean="0"/>
+          </a:p>
+          <a:p>
+            <a:endParaRPr lang="pt-BR" dirty="0" smtClean="0"/>
+          </a:p>
+          <a:p>
+            <a:r>
+              <a:rPr lang="pt-BR" dirty="0">
+                <a:hlinkClick r:id="rId4"/>
+              </a:rPr>
+              <a:t>http://</a:t>
+            </a:r>
+            <a:r>
+              <a:rPr lang="pt-BR" dirty="0" smtClean="0">
+                <a:hlinkClick r:id="rId4"/>
+              </a:rPr>
+              <a:t>www.patrickniezen.com/2016/2/11/api-versioning-with-mvc-6</a:t>
+            </a:r>
+            <a:endParaRPr lang="pt-BR" dirty="0" smtClean="0"/>
+          </a:p>
+          <a:p>
+            <a:endParaRPr lang="pt-BR" dirty="0"/>
+          </a:p>
+          <a:p>
+            <a:r>
+              <a:rPr lang="pt-BR" dirty="0">
+                <a:hlinkClick r:id="rId5"/>
+              </a:rPr>
+              <a:t>https://www.troyhunt.com/your-api-versioning-is-wrong-which-is</a:t>
+            </a:r>
+            <a:r>
+              <a:rPr lang="pt-BR" dirty="0" smtClean="0">
+                <a:hlinkClick r:id="rId5"/>
+              </a:rPr>
+              <a:t>/</a:t>
+            </a:r>
+            <a:endParaRPr lang="pt-BR" dirty="0" smtClean="0"/>
+          </a:p>
+          <a:p>
+            <a:endParaRPr lang="pt-BR" dirty="0"/>
+          </a:p>
+          <a:p>
+            <a:r>
+              <a:rPr lang="pt-BR" dirty="0">
+                <a:hlinkClick r:id="rId6"/>
+              </a:rPr>
+              <a:t>https://</a:t>
+            </a:r>
+            <a:r>
+              <a:rPr lang="pt-BR" dirty="0" smtClean="0">
+                <a:hlinkClick r:id="rId6"/>
+              </a:rPr>
+              <a:t>www.youtube.com/watch?v=55oIJuMUnDc</a:t>
+            </a:r>
+            <a:endParaRPr lang="pt-BR" dirty="0" smtClean="0"/>
+          </a:p>
+          <a:p>
+            <a:endParaRPr lang="pt-BR" dirty="0" smtClean="0"/>
+          </a:p>
+          <a:p>
+            <a:endParaRPr lang="pt-BR" dirty="0"/>
+          </a:p>
+        </p:txBody>
+      </p:sp>
+    </p:spTree>
+    <p:extLst>
+      <p:ext uri="{BB962C8B-B14F-4D97-AF65-F5344CB8AC3E}">
+        <p14:creationId xmlns:p14="http://schemas.microsoft.com/office/powerpoint/2010/main" val="807800927"/>
+      </p:ext>
+    </p:extLst>
+  </p:cSld>
+  <p:clrMapOvr>
+    <a:masterClrMapping/>
+  </p:clrMapOvr>
+  <p:timing>
+    <p:tnLst>
+      <p:par>
+        <p:cTn id="1" dur="indefinite" restart="never" nodeType="tmRoot"/>
+      </p:par>
+    </p:tnLst>
+  </p:timing>
+</p:sld>
+</file>
+
+<file path=ppt/slides/slide5.xml><?xml version="1.0" encoding="utf-8"?>
+<p:sld xmlns:a="http://schemas.openxmlformats.org/drawingml/2006/main" xmlns:r="http://schemas.openxmlformats.org/officeDocument/2006/relationships" xmlns:p="http://schemas.openxmlformats.org/presentationml/2006/main">
+  <p:cSld>
+    <p:spTree>
+      <p:nvGrpSpPr>
+        <p:cNvPr id="1" name=""/>
+        <p:cNvGrpSpPr/>
+        <p:nvPr/>
+      </p:nvGrpSpPr>
+      <p:grpSpPr>
+        <a:xfrm>
+          <a:off x="0" y="0"/>
+          <a:ext cx="0" cy="0"/>
+          <a:chOff x="0" y="0"/>
+          <a:chExt cx="0" cy="0"/>
+        </a:xfrm>
+      </p:grpSpPr>
+      <p:sp>
+        <p:nvSpPr>
+          <p:cNvPr id="2" name="Título 1"/>
+          <p:cNvSpPr>
+            <a:spLocks noGrp="1"/>
+          </p:cNvSpPr>
+          <p:nvPr>
+            <p:ph type="title"/>
+          </p:nvPr>
+        </p:nvSpPr>
         <p:spPr>
           <a:xfrm>
             <a:off x="2207568" y="2924944"/>
@@ -6174,7 +6994,7 @@
 </p:sld>
 </file>
 
-<file path=ppt/slides/slide5.xml><?xml version="1.0" encoding="utf-8"?>
+<file path=ppt/slides/slide6.xml><?xml version="1.0" encoding="utf-8"?>
 <p:sld xmlns:a="http://schemas.openxmlformats.org/drawingml/2006/main" xmlns:r="http://schemas.openxmlformats.org/officeDocument/2006/relationships" xmlns:p="http://schemas.openxmlformats.org/presentationml/2006/main">
   <p:cSld>
     <p:spTree>
@@ -6252,7 +7072,178 @@
 </p:sld>
 </file>
 
-<file path=ppt/slides/slide6.xml><?xml version="1.0" encoding="utf-8"?>
+<file path=ppt/slides/slide7.xml><?xml version="1.0" encoding="utf-8"?>
+<p:sld xmlns:a="http://schemas.openxmlformats.org/drawingml/2006/main" xmlns:r="http://schemas.openxmlformats.org/officeDocument/2006/relationships" xmlns:p="http://schemas.openxmlformats.org/presentationml/2006/main">
+  <p:cSld>
+    <p:spTree>
+      <p:nvGrpSpPr>
+        <p:cNvPr id="1" name=""/>
+        <p:cNvGrpSpPr/>
+        <p:nvPr/>
+      </p:nvGrpSpPr>
+      <p:grpSpPr>
+        <a:xfrm>
+          <a:off x="0" y="0"/>
+          <a:ext cx="0" cy="0"/>
+          <a:chOff x="0" y="0"/>
+          <a:chExt cx="0" cy="0"/>
+        </a:xfrm>
+      </p:grpSpPr>
+      <p:sp>
+        <p:nvSpPr>
+          <p:cNvPr id="2" name="Título 1"/>
+          <p:cNvSpPr>
+            <a:spLocks noGrp="1"/>
+          </p:cNvSpPr>
+          <p:nvPr>
+            <p:ph type="title"/>
+          </p:nvPr>
+        </p:nvSpPr>
+        <p:spPr/>
+        <p:txBody>
+          <a:bodyPr/>
+          <a:lstStyle/>
+          <a:p>
+            <a:r>
+              <a:rPr lang="pt-BR" dirty="0" smtClean="0"/>
+              <a:t>Referências</a:t>
+            </a:r>
+            <a:endParaRPr lang="pt-BR" dirty="0"/>
+          </a:p>
+        </p:txBody>
+      </p:sp>
+      <p:sp>
+        <p:nvSpPr>
+          <p:cNvPr id="3" name="Espaço Reservado para Conteúdo 2"/>
+          <p:cNvSpPr>
+            <a:spLocks noGrp="1"/>
+          </p:cNvSpPr>
+          <p:nvPr>
+            <p:ph idx="1"/>
+          </p:nvPr>
+        </p:nvSpPr>
+        <p:spPr/>
+        <p:txBody>
+          <a:bodyPr>
+            <a:normAutofit/>
+          </a:bodyPr>
+          <a:lstStyle/>
+          <a:p>
+            <a:r>
+              <a:rPr lang="pt-BR" dirty="0">
+                <a:hlinkClick r:id="rId2"/>
+              </a:rPr>
+              <a:t>https://</a:t>
+            </a:r>
+            <a:r>
+              <a:rPr lang="pt-BR" dirty="0" smtClean="0">
+                <a:hlinkClick r:id="rId2"/>
+              </a:rPr>
+              <a:t>martinfowler.com/bliki/PresentationDomainDataLayering.html</a:t>
+            </a:r>
+            <a:endParaRPr lang="pt-BR" dirty="0" smtClean="0"/>
+          </a:p>
+          <a:p>
+            <a:endParaRPr lang="pt-BR" dirty="0"/>
+          </a:p>
+          <a:p>
+            <a:r>
+              <a:rPr lang="pt-BR" dirty="0">
+                <a:hlinkClick r:id="rId3"/>
+              </a:rPr>
+              <a:t>https://</a:t>
+            </a:r>
+            <a:r>
+              <a:rPr lang="pt-BR" dirty="0" smtClean="0">
+                <a:hlinkClick r:id="rId3"/>
+              </a:rPr>
+              <a:t>msdn.microsoft.com/en-us/library/ee658109.aspx</a:t>
+            </a:r>
+            <a:endParaRPr lang="pt-BR" dirty="0" smtClean="0"/>
+          </a:p>
+          <a:p>
+            <a:endParaRPr lang="pt-BR" dirty="0"/>
+          </a:p>
+          <a:p>
+            <a:r>
+              <a:rPr lang="pt-BR" dirty="0">
+                <a:hlinkClick r:id="rId4"/>
+              </a:rPr>
+              <a:t>https://</a:t>
+            </a:r>
+            <a:r>
+              <a:rPr lang="pt-BR" dirty="0" smtClean="0">
+                <a:hlinkClick r:id="rId4"/>
+              </a:rPr>
+              <a:t>msdn.microsoft.com/en-us/library/ff648105.aspx</a:t>
+            </a:r>
+            <a:endParaRPr lang="pt-BR" dirty="0" smtClean="0"/>
+          </a:p>
+          <a:p>
+            <a:endParaRPr lang="pt-BR" dirty="0"/>
+          </a:p>
+          <a:p>
+            <a:r>
+              <a:rPr lang="pt-BR" dirty="0">
+                <a:hlinkClick r:id="rId5"/>
+              </a:rPr>
+              <a:t>https://</a:t>
+            </a:r>
+            <a:r>
+              <a:rPr lang="pt-BR" dirty="0" smtClean="0">
+                <a:hlinkClick r:id="rId5"/>
+              </a:rPr>
+              <a:t>en.wikipedia.org/wiki/Multitier_architecture</a:t>
+            </a:r>
+            <a:endParaRPr lang="pt-BR" dirty="0" smtClean="0"/>
+          </a:p>
+          <a:p>
+            <a:endParaRPr lang="pt-BR" dirty="0"/>
+          </a:p>
+          <a:p>
+            <a:r>
+              <a:rPr lang="pt-BR" dirty="0">
+                <a:hlinkClick r:id="rId6"/>
+              </a:rPr>
+              <a:t>https://</a:t>
+            </a:r>
+            <a:r>
+              <a:rPr lang="pt-BR" dirty="0" smtClean="0">
+                <a:hlinkClick r:id="rId6"/>
+              </a:rPr>
+              <a:t>www.linkedin.com/learning/practical-application-architecture-with-entity-framework-core/multi-layer-applications</a:t>
+            </a:r>
+            <a:endParaRPr lang="pt-BR" dirty="0" smtClean="0"/>
+          </a:p>
+          <a:p>
+            <a:endParaRPr lang="pt-BR" dirty="0" smtClean="0"/>
+          </a:p>
+          <a:p>
+            <a:endParaRPr lang="pt-BR" dirty="0"/>
+          </a:p>
+        </p:txBody>
+      </p:sp>
+    </p:spTree>
+    <p:extLst>
+      <p:ext uri="{BB962C8B-B14F-4D97-AF65-F5344CB8AC3E}">
+        <p14:creationId xmlns:p14="http://schemas.microsoft.com/office/powerpoint/2010/main" val="1498052144"/>
+      </p:ext>
+    </p:extLst>
+  </p:cSld>
+  <p:clrMapOvr>
+    <a:masterClrMapping/>
+  </p:clrMapOvr>
+  <p:timing>
+    <p:tnLst>
+      <p:par>
+        <p:cTn id="1" dur="indefinite" restart="never" nodeType="tmRoot"/>
+      </p:par>
+    </p:tnLst>
+  </p:timing>
+</p:sld>
+</file>
+
+<file path=ppt/slides/slide8.xml><?xml version="1.0" encoding="utf-8"?>
 <p:sld xmlns:a="http://schemas.openxmlformats.org/drawingml/2006/main" xmlns:r="http://schemas.openxmlformats.org/officeDocument/2006/relationships" xmlns:p="http://schemas.openxmlformats.org/presentationml/2006/main">
   <p:cSld>
     <p:spTree>
@@ -6324,7 +7315,7 @@
 </p:sld>
 </file>
 
-<file path=ppt/slides/slide7.xml><?xml version="1.0" encoding="utf-8"?>
+<file path=ppt/slides/slide9.xml><?xml version="1.0" encoding="utf-8"?>
 <p:sld xmlns:a="http://schemas.openxmlformats.org/drawingml/2006/main" xmlns:r="http://schemas.openxmlformats.org/officeDocument/2006/relationships" xmlns:p="http://schemas.openxmlformats.org/presentationml/2006/main">
   <p:cSld>
     <p:spTree>
@@ -6386,119 +7377,6 @@
     <p:extLst>
       <p:ext uri="{BB962C8B-B14F-4D97-AF65-F5344CB8AC3E}">
         <p14:creationId xmlns:p14="http://schemas.microsoft.com/office/powerpoint/2010/main" val="3861130617"/>
-      </p:ext>
-    </p:extLst>
-  </p:cSld>
-  <p:clrMapOvr>
-    <a:masterClrMapping/>
-  </p:clrMapOvr>
-  <p:timing>
-    <p:tnLst>
-      <p:par>
-        <p:cTn id="1" dur="indefinite" restart="never" nodeType="tmRoot"/>
-      </p:par>
-    </p:tnLst>
-  </p:timing>
-</p:sld>
-</file>
-
-<file path=ppt/slides/slide8.xml><?xml version="1.0" encoding="utf-8"?>
-<p:sld xmlns:a="http://schemas.openxmlformats.org/drawingml/2006/main" xmlns:r="http://schemas.openxmlformats.org/officeDocument/2006/relationships" xmlns:p="http://schemas.openxmlformats.org/presentationml/2006/main">
-  <p:cSld>
-    <p:spTree>
-      <p:nvGrpSpPr>
-        <p:cNvPr id="1" name=""/>
-        <p:cNvGrpSpPr/>
-        <p:nvPr/>
-      </p:nvGrpSpPr>
-      <p:grpSpPr>
-        <a:xfrm>
-          <a:off x="0" y="0"/>
-          <a:ext cx="0" cy="0"/>
-          <a:chOff x="0" y="0"/>
-          <a:chExt cx="0" cy="0"/>
-        </a:xfrm>
-      </p:grpSpPr>
-      <p:sp>
-        <p:nvSpPr>
-          <p:cNvPr id="2" name="Título 1"/>
-          <p:cNvSpPr>
-            <a:spLocks noGrp="1"/>
-          </p:cNvSpPr>
-          <p:nvPr>
-            <p:ph type="title"/>
-          </p:nvPr>
-        </p:nvSpPr>
-        <p:spPr>
-          <a:xfrm>
-            <a:off x="2207568" y="2924944"/>
-            <a:ext cx="8229600" cy="990600"/>
-          </a:xfrm>
-        </p:spPr>
-        <p:txBody>
-          <a:bodyPr>
-            <a:normAutofit/>
-          </a:bodyPr>
-          <a:lstStyle/>
-          <a:p>
-            <a:pPr algn="ctr"/>
-            <a:r>
-              <a:rPr lang="pt-BR" dirty="0" err="1" smtClean="0"/>
-              <a:t>Generic</a:t>
-            </a:r>
-            <a:r>
-              <a:rPr lang="pt-BR" dirty="0" smtClean="0"/>
-              <a:t> </a:t>
-            </a:r>
-            <a:r>
-              <a:rPr lang="pt-BR" dirty="0" err="1" smtClean="0"/>
-              <a:t>Repository</a:t>
-            </a:r>
-            <a:endParaRPr lang="pt-BR" dirty="0"/>
-          </a:p>
-        </p:txBody>
-      </p:sp>
-    </p:spTree>
-    <p:extLst>
-      <p:ext uri="{BB962C8B-B14F-4D97-AF65-F5344CB8AC3E}">
-        <p14:creationId xmlns:p14="http://schemas.microsoft.com/office/powerpoint/2010/main" val="1549041027"/>
-      </p:ext>
-    </p:extLst>
-  </p:cSld>
-  <p:clrMapOvr>
-    <a:masterClrMapping/>
-  </p:clrMapOvr>
-  <p:timing>
-    <p:tnLst>
-      <p:par>
-        <p:cTn id="1" dur="indefinite" restart="never" nodeType="tmRoot"/>
-      </p:par>
-    </p:tnLst>
-  </p:timing>
-</p:sld>
-</file>
-
-<file path=ppt/slides/slide9.xml><?xml version="1.0" encoding="utf-8"?>
-<p:sld xmlns:a="http://schemas.openxmlformats.org/drawingml/2006/main" xmlns:r="http://schemas.openxmlformats.org/officeDocument/2006/relationships" xmlns:p="http://schemas.openxmlformats.org/presentationml/2006/main">
-  <p:cSld>
-    <p:spTree>
-      <p:nvGrpSpPr>
-        <p:cNvPr id="1" name=""/>
-        <p:cNvGrpSpPr/>
-        <p:nvPr/>
-      </p:nvGrpSpPr>
-      <p:grpSpPr>
-        <a:xfrm>
-          <a:off x="0" y="0"/>
-          <a:ext cx="0" cy="0"/>
-          <a:chOff x="0" y="0"/>
-          <a:chExt cx="0" cy="0"/>
-        </a:xfrm>
-      </p:grpSpPr>
-    </p:spTree>
-    <p:extLst>
-      <p:ext uri="{BB962C8B-B14F-4D97-AF65-F5344CB8AC3E}">
-        <p14:creationId xmlns:p14="http://schemas.microsoft.com/office/powerpoint/2010/main" val="2309341346"/>
       </p:ext>
     </p:extLst>
   </p:cSld>

--- a/Documents/Building Modern RESTFul API's With ASP.NET Core - Architectural Overview.pptx
+++ b/Documents/Building Modern RESTFul API's With ASP.NET Core - Architectural Overview.pptx
@@ -119,6 +119,11 @@
       </a:defRPr>
     </a:lvl9pPr>
   </p:defaultTextStyle>
+  <p:extLst>
+    <p:ext uri="{EFAFB233-063F-42B5-8137-9DF3F51BA10A}">
+      <p15:sldGuideLst xmlns:p15="http://schemas.microsoft.com/office/powerpoint/2012/main"/>
+    </p:ext>
+  </p:extLst>
 </p:presentation>
 </file>
 
@@ -845,7 +850,7 @@
             <a:fld id="{B61BEF0D-F0BB-DE4B-95CE-6DB70DBA9567}" type="datetimeFigureOut">
               <a:rPr lang="en-US" dirty="0"/>
               <a:pPr/>
-              <a:t>5/13/2018</a:t>
+              <a:t>5/27/2018</a:t>
             </a:fld>
             <a:endParaRPr lang="en-US" dirty="0"/>
           </a:p>
@@ -1093,7 +1098,7 @@
             <a:fld id="{B61BEF0D-F0BB-DE4B-95CE-6DB70DBA9567}" type="datetimeFigureOut">
               <a:rPr lang="en-US" dirty="0"/>
               <a:pPr/>
-              <a:t>5/13/2018</a:t>
+              <a:t>5/27/2018</a:t>
             </a:fld>
             <a:endParaRPr lang="en-US" dirty="0"/>
           </a:p>
@@ -1404,7 +1409,7 @@
             <a:fld id="{B61BEF0D-F0BB-DE4B-95CE-6DB70DBA9567}" type="datetimeFigureOut">
               <a:rPr lang="en-US" dirty="0"/>
               <a:pPr/>
-              <a:t>5/13/2018</a:t>
+              <a:t>5/27/2018</a:t>
             </a:fld>
             <a:endParaRPr lang="en-US" dirty="0"/>
           </a:p>
@@ -1742,7 +1747,7 @@
             <a:fld id="{B61BEF0D-F0BB-DE4B-95CE-6DB70DBA9567}" type="datetimeFigureOut">
               <a:rPr lang="en-US" dirty="0"/>
               <a:pPr/>
-              <a:t>5/13/2018</a:t>
+              <a:t>5/27/2018</a:t>
             </a:fld>
             <a:endParaRPr lang="en-US" dirty="0"/>
           </a:p>
@@ -2053,7 +2058,7 @@
             <a:fld id="{B61BEF0D-F0BB-DE4B-95CE-6DB70DBA9567}" type="datetimeFigureOut">
               <a:rPr lang="en-US" dirty="0"/>
               <a:pPr/>
-              <a:t>5/13/2018</a:t>
+              <a:t>5/27/2018</a:t>
             </a:fld>
             <a:endParaRPr lang="en-US" dirty="0"/>
           </a:p>
@@ -2443,7 +2448,7 @@
             <a:fld id="{B61BEF0D-F0BB-DE4B-95CE-6DB70DBA9567}" type="datetimeFigureOut">
               <a:rPr lang="en-US" dirty="0"/>
               <a:pPr/>
-              <a:t>5/13/2018</a:t>
+              <a:t>5/27/2018</a:t>
             </a:fld>
             <a:endParaRPr lang="en-US" dirty="0"/>
           </a:p>
@@ -2609,7 +2614,7 @@
           <a:p>
             <a:fld id="{55C6B4A9-1611-4792-9094-5F34BCA07E0B}" type="datetimeFigureOut">
               <a:rPr lang="en-US" dirty="0"/>
-              <a:t>5/13/2018</a:t>
+              <a:t>5/27/2018</a:t>
             </a:fld>
             <a:endParaRPr lang="en-US" dirty="0"/>
           </a:p>
@@ -2785,7 +2790,7 @@
             <a:fld id="{B61BEF0D-F0BB-DE4B-95CE-6DB70DBA9567}" type="datetimeFigureOut">
               <a:rPr lang="en-US" dirty="0"/>
               <a:pPr/>
-              <a:t>5/13/2018</a:t>
+              <a:t>5/27/2018</a:t>
             </a:fld>
             <a:endParaRPr lang="en-US" dirty="0"/>
           </a:p>
@@ -2958,7 +2963,7 @@
             <a:fld id="{B61BEF0D-F0BB-DE4B-95CE-6DB70DBA9567}" type="datetimeFigureOut">
               <a:rPr lang="en-US" dirty="0"/>
               <a:pPr/>
-              <a:t>5/13/2018</a:t>
+              <a:t>5/27/2018</a:t>
             </a:fld>
             <a:endParaRPr lang="en-US" dirty="0"/>
           </a:p>
@@ -3202,7 +3207,7 @@
             <a:fld id="{B61BEF0D-F0BB-DE4B-95CE-6DB70DBA9567}" type="datetimeFigureOut">
               <a:rPr lang="en-US" dirty="0"/>
               <a:pPr/>
-              <a:t>5/13/2018</a:t>
+              <a:t>5/27/2018</a:t>
             </a:fld>
             <a:endParaRPr lang="en-US" dirty="0"/>
           </a:p>
@@ -3430,7 +3435,7 @@
           <a:p>
             <a:fld id="{EB712588-04B1-427B-82EE-E8DB90309F08}" type="datetimeFigureOut">
               <a:rPr lang="en-US" dirty="0"/>
-              <a:t>5/13/2018</a:t>
+              <a:t>5/27/2018</a:t>
             </a:fld>
             <a:endParaRPr lang="en-US" dirty="0"/>
           </a:p>
@@ -3800,7 +3805,7 @@
             <a:fld id="{B61BEF0D-F0BB-DE4B-95CE-6DB70DBA9567}" type="datetimeFigureOut">
               <a:rPr lang="en-US" dirty="0"/>
               <a:pPr/>
-              <a:t>5/13/2018</a:t>
+              <a:t>5/27/2018</a:t>
             </a:fld>
             <a:endParaRPr lang="en-US" dirty="0"/>
           </a:p>
@@ -3920,7 +3925,7 @@
             <a:fld id="{B61BEF0D-F0BB-DE4B-95CE-6DB70DBA9567}" type="datetimeFigureOut">
               <a:rPr lang="en-US" dirty="0"/>
               <a:pPr/>
-              <a:t>5/13/2018</a:t>
+              <a:t>5/27/2018</a:t>
             </a:fld>
             <a:endParaRPr lang="en-US" dirty="0"/>
           </a:p>
@@ -4012,7 +4017,7 @@
             <a:fld id="{B61BEF0D-F0BB-DE4B-95CE-6DB70DBA9567}" type="datetimeFigureOut">
               <a:rPr lang="en-US" dirty="0"/>
               <a:pPr/>
-              <a:t>5/13/2018</a:t>
+              <a:t>5/27/2018</a:t>
             </a:fld>
             <a:endParaRPr lang="en-US" dirty="0"/>
           </a:p>
@@ -4263,7 +4268,7 @@
           <a:p>
             <a:fld id="{42A54C80-263E-416B-A8E0-580EDEADCBDC}" type="datetimeFigureOut">
               <a:rPr lang="en-US" dirty="0"/>
-              <a:t>5/13/2018</a:t>
+              <a:t>5/27/2018</a:t>
             </a:fld>
             <a:endParaRPr lang="en-US" dirty="0"/>
           </a:p>
@@ -4522,7 +4527,7 @@
             <a:fld id="{B61BEF0D-F0BB-DE4B-95CE-6DB70DBA9567}" type="datetimeFigureOut">
               <a:rPr lang="en-US" dirty="0"/>
               <a:pPr/>
-              <a:t>5/13/2018</a:t>
+              <a:t>5/27/2018</a:t>
             </a:fld>
             <a:endParaRPr lang="en-US" dirty="0"/>
           </a:p>
@@ -5262,7 +5267,7 @@
             <a:fld id="{B61BEF0D-F0BB-DE4B-95CE-6DB70DBA9567}" type="datetimeFigureOut">
               <a:rPr lang="en-US" dirty="0"/>
               <a:pPr/>
-              <a:t>5/13/2018</a:t>
+              <a:t>5/27/2018</a:t>
             </a:fld>
             <a:endParaRPr lang="en-US" dirty="0"/>
           </a:p>
@@ -6464,7 +6469,9 @@
         </p:nvSpPr>
         <p:spPr/>
         <p:txBody>
-          <a:bodyPr/>
+          <a:bodyPr>
+            <a:normAutofit fontScale="70000" lnSpcReduction="20000"/>
+          </a:bodyPr>
           <a:lstStyle/>
           <a:p>
             <a:r>
@@ -6540,7 +6547,94 @@
             <a:endParaRPr lang="pt-BR" dirty="0" smtClean="0"/>
           </a:p>
           <a:p>
-            <a:endParaRPr lang="pt-BR" dirty="0"/>
+            <a:endParaRPr lang="pt-BR" dirty="0" smtClean="0"/>
+          </a:p>
+          <a:p>
+            <a:r>
+              <a:rPr lang="en-US" dirty="0"/>
+              <a:t>[Generic Repository and Unit of Work Pattern, Entity Framework, Unit Testing, </a:t>
+            </a:r>
+            <a:r>
+              <a:rPr lang="en-US" dirty="0" err="1"/>
+              <a:t>Autofac</a:t>
+            </a:r>
+            <a:r>
+              <a:rPr lang="en-US" dirty="0"/>
+              <a:t> </a:t>
+            </a:r>
+            <a:r>
+              <a:rPr lang="en-US" dirty="0" err="1"/>
+              <a:t>IoC</a:t>
+            </a:r>
+            <a:r>
+              <a:rPr lang="en-US" dirty="0"/>
+              <a:t> Container and ASP.NET MVC](</a:t>
+            </a:r>
+            <a:r>
+              <a:rPr lang="en-US" dirty="0">
+                <a:hlinkClick r:id="rId5"/>
+              </a:rPr>
+              <a:t>https://techbrij.com/generic-repository-unit-of-work-entity-framework-unit-testing-asp-net-mvc</a:t>
+            </a:r>
+            <a:r>
+              <a:rPr lang="en-US" dirty="0" smtClean="0"/>
+              <a:t>)</a:t>
+            </a:r>
+          </a:p>
+          <a:p>
+            <a:r>
+              <a:rPr lang="en-US" dirty="0" smtClean="0"/>
+              <a:t>[</a:t>
+            </a:r>
+            <a:r>
+              <a:rPr lang="en-US" dirty="0"/>
+              <a:t>HATEOAS](</a:t>
+            </a:r>
+            <a:r>
+              <a:rPr lang="en-US" dirty="0">
+                <a:hlinkClick r:id="rId6"/>
+              </a:rPr>
+              <a:t>https://</a:t>
+            </a:r>
+            <a:r>
+              <a:rPr lang="en-US">
+                <a:hlinkClick r:id="rId6"/>
+              </a:rPr>
+              <a:t>shatzisblog.wordpress.com/2017/09/01/generating-hypermedia-links-for-an-asp-net-core-web-api</a:t>
+            </a:r>
+            <a:r>
+              <a:rPr lang="en-US" smtClean="0">
+                <a:hlinkClick r:id="rId6"/>
+              </a:rPr>
+              <a:t>/</a:t>
+            </a:r>
+            <a:r>
+              <a:rPr lang="en-US" smtClean="0"/>
+              <a:t>)</a:t>
+            </a:r>
+            <a:endParaRPr lang="en-US" dirty="0"/>
+          </a:p>
+          <a:p>
+            <a:r>
+              <a:rPr lang="en-US" dirty="0"/>
+              <a:t>[Pragmatic REST: APIs without hypermedia and HATEOAS](</a:t>
+            </a:r>
+            <a:r>
+              <a:rPr lang="en-US" dirty="0">
+                <a:hlinkClick r:id="rId7"/>
+              </a:rPr>
+              <a:t>http://www.ben-morris.com/pragmatic-rest-apis-without-hypermedia-and-hateoas</a:t>
+            </a:r>
+            <a:r>
+              <a:rPr lang="en-US" dirty="0" smtClean="0">
+                <a:hlinkClick r:id="rId7"/>
+              </a:rPr>
+              <a:t>/</a:t>
+            </a:r>
+            <a:r>
+              <a:rPr lang="en-US" dirty="0" smtClean="0"/>
+              <a:t>)</a:t>
+            </a:r>
           </a:p>
         </p:txBody>
       </p:sp>

--- a/Documents/Building Modern RESTFul API's With ASP.NET Core - Architectural Overview.pptx
+++ b/Documents/Building Modern RESTFul API's With ASP.NET Core - Architectural Overview.pptx
@@ -8,19 +8,33 @@
     <p:sldId id="256" r:id="rId2"/>
     <p:sldId id="258" r:id="rId3"/>
     <p:sldId id="259" r:id="rId4"/>
-    <p:sldId id="270" r:id="rId5"/>
-    <p:sldId id="260" r:id="rId6"/>
-    <p:sldId id="261" r:id="rId7"/>
-    <p:sldId id="271" r:id="rId8"/>
-    <p:sldId id="262" r:id="rId9"/>
-    <p:sldId id="263" r:id="rId10"/>
-    <p:sldId id="264" r:id="rId11"/>
-    <p:sldId id="265" r:id="rId12"/>
-    <p:sldId id="272" r:id="rId13"/>
-    <p:sldId id="268" r:id="rId14"/>
-    <p:sldId id="266" r:id="rId15"/>
-    <p:sldId id="267" r:id="rId16"/>
-    <p:sldId id="269" r:id="rId17"/>
+    <p:sldId id="275" r:id="rId5"/>
+    <p:sldId id="276" r:id="rId6"/>
+    <p:sldId id="277" r:id="rId7"/>
+    <p:sldId id="278" r:id="rId8"/>
+    <p:sldId id="279" r:id="rId9"/>
+    <p:sldId id="280" r:id="rId10"/>
+    <p:sldId id="282" r:id="rId11"/>
+    <p:sldId id="283" r:id="rId12"/>
+    <p:sldId id="285" r:id="rId13"/>
+    <p:sldId id="286" r:id="rId14"/>
+    <p:sldId id="287" r:id="rId15"/>
+    <p:sldId id="288" r:id="rId16"/>
+    <p:sldId id="289" r:id="rId17"/>
+    <p:sldId id="274" r:id="rId18"/>
+    <p:sldId id="270" r:id="rId19"/>
+    <p:sldId id="260" r:id="rId20"/>
+    <p:sldId id="261" r:id="rId21"/>
+    <p:sldId id="271" r:id="rId22"/>
+    <p:sldId id="262" r:id="rId23"/>
+    <p:sldId id="263" r:id="rId24"/>
+    <p:sldId id="264" r:id="rId25"/>
+    <p:sldId id="265" r:id="rId26"/>
+    <p:sldId id="272" r:id="rId27"/>
+    <p:sldId id="268" r:id="rId28"/>
+    <p:sldId id="266" r:id="rId29"/>
+    <p:sldId id="267" r:id="rId30"/>
+    <p:sldId id="269" r:id="rId31"/>
   </p:sldIdLst>
   <p:sldSz cx="12192000" cy="6858000"/>
   <p:notesSz cx="6858000" cy="9144000"/>
@@ -850,7 +864,7 @@
             <a:fld id="{B61BEF0D-F0BB-DE4B-95CE-6DB70DBA9567}" type="datetimeFigureOut">
               <a:rPr lang="en-US" dirty="0"/>
               <a:pPr/>
-              <a:t>5/27/2018</a:t>
+              <a:t>6/23/2018</a:t>
             </a:fld>
             <a:endParaRPr lang="en-US" dirty="0"/>
           </a:p>
@@ -1098,7 +1112,7 @@
             <a:fld id="{B61BEF0D-F0BB-DE4B-95CE-6DB70DBA9567}" type="datetimeFigureOut">
               <a:rPr lang="en-US" dirty="0"/>
               <a:pPr/>
-              <a:t>5/27/2018</a:t>
+              <a:t>6/23/2018</a:t>
             </a:fld>
             <a:endParaRPr lang="en-US" dirty="0"/>
           </a:p>
@@ -1409,7 +1423,7 @@
             <a:fld id="{B61BEF0D-F0BB-DE4B-95CE-6DB70DBA9567}" type="datetimeFigureOut">
               <a:rPr lang="en-US" dirty="0"/>
               <a:pPr/>
-              <a:t>5/27/2018</a:t>
+              <a:t>6/23/2018</a:t>
             </a:fld>
             <a:endParaRPr lang="en-US" dirty="0"/>
           </a:p>
@@ -1747,7 +1761,7 @@
             <a:fld id="{B61BEF0D-F0BB-DE4B-95CE-6DB70DBA9567}" type="datetimeFigureOut">
               <a:rPr lang="en-US" dirty="0"/>
               <a:pPr/>
-              <a:t>5/27/2018</a:t>
+              <a:t>6/23/2018</a:t>
             </a:fld>
             <a:endParaRPr lang="en-US" dirty="0"/>
           </a:p>
@@ -2058,7 +2072,7 @@
             <a:fld id="{B61BEF0D-F0BB-DE4B-95CE-6DB70DBA9567}" type="datetimeFigureOut">
               <a:rPr lang="en-US" dirty="0"/>
               <a:pPr/>
-              <a:t>5/27/2018</a:t>
+              <a:t>6/23/2018</a:t>
             </a:fld>
             <a:endParaRPr lang="en-US" dirty="0"/>
           </a:p>
@@ -2448,7 +2462,7 @@
             <a:fld id="{B61BEF0D-F0BB-DE4B-95CE-6DB70DBA9567}" type="datetimeFigureOut">
               <a:rPr lang="en-US" dirty="0"/>
               <a:pPr/>
-              <a:t>5/27/2018</a:t>
+              <a:t>6/23/2018</a:t>
             </a:fld>
             <a:endParaRPr lang="en-US" dirty="0"/>
           </a:p>
@@ -2614,7 +2628,7 @@
           <a:p>
             <a:fld id="{55C6B4A9-1611-4792-9094-5F34BCA07E0B}" type="datetimeFigureOut">
               <a:rPr lang="en-US" dirty="0"/>
-              <a:t>5/27/2018</a:t>
+              <a:t>6/23/2018</a:t>
             </a:fld>
             <a:endParaRPr lang="en-US" dirty="0"/>
           </a:p>
@@ -2790,7 +2804,7 @@
             <a:fld id="{B61BEF0D-F0BB-DE4B-95CE-6DB70DBA9567}" type="datetimeFigureOut">
               <a:rPr lang="en-US" dirty="0"/>
               <a:pPr/>
-              <a:t>5/27/2018</a:t>
+              <a:t>6/23/2018</a:t>
             </a:fld>
             <a:endParaRPr lang="en-US" dirty="0"/>
           </a:p>
@@ -2963,7 +2977,7 @@
             <a:fld id="{B61BEF0D-F0BB-DE4B-95CE-6DB70DBA9567}" type="datetimeFigureOut">
               <a:rPr lang="en-US" dirty="0"/>
               <a:pPr/>
-              <a:t>5/27/2018</a:t>
+              <a:t>6/23/2018</a:t>
             </a:fld>
             <a:endParaRPr lang="en-US" dirty="0"/>
           </a:p>
@@ -3207,7 +3221,7 @@
             <a:fld id="{B61BEF0D-F0BB-DE4B-95CE-6DB70DBA9567}" type="datetimeFigureOut">
               <a:rPr lang="en-US" dirty="0"/>
               <a:pPr/>
-              <a:t>5/27/2018</a:t>
+              <a:t>6/23/2018</a:t>
             </a:fld>
             <a:endParaRPr lang="en-US" dirty="0"/>
           </a:p>
@@ -3435,7 +3449,7 @@
           <a:p>
             <a:fld id="{EB712588-04B1-427B-82EE-E8DB90309F08}" type="datetimeFigureOut">
               <a:rPr lang="en-US" dirty="0"/>
-              <a:t>5/27/2018</a:t>
+              <a:t>6/23/2018</a:t>
             </a:fld>
             <a:endParaRPr lang="en-US" dirty="0"/>
           </a:p>
@@ -3805,7 +3819,7 @@
             <a:fld id="{B61BEF0D-F0BB-DE4B-95CE-6DB70DBA9567}" type="datetimeFigureOut">
               <a:rPr lang="en-US" dirty="0"/>
               <a:pPr/>
-              <a:t>5/27/2018</a:t>
+              <a:t>6/23/2018</a:t>
             </a:fld>
             <a:endParaRPr lang="en-US" dirty="0"/>
           </a:p>
@@ -3925,7 +3939,7 @@
             <a:fld id="{B61BEF0D-F0BB-DE4B-95CE-6DB70DBA9567}" type="datetimeFigureOut">
               <a:rPr lang="en-US" dirty="0"/>
               <a:pPr/>
-              <a:t>5/27/2018</a:t>
+              <a:t>6/23/2018</a:t>
             </a:fld>
             <a:endParaRPr lang="en-US" dirty="0"/>
           </a:p>
@@ -4017,7 +4031,7 @@
             <a:fld id="{B61BEF0D-F0BB-DE4B-95CE-6DB70DBA9567}" type="datetimeFigureOut">
               <a:rPr lang="en-US" dirty="0"/>
               <a:pPr/>
-              <a:t>5/27/2018</a:t>
+              <a:t>6/23/2018</a:t>
             </a:fld>
             <a:endParaRPr lang="en-US" dirty="0"/>
           </a:p>
@@ -4268,7 +4282,7 @@
           <a:p>
             <a:fld id="{42A54C80-263E-416B-A8E0-580EDEADCBDC}" type="datetimeFigureOut">
               <a:rPr lang="en-US" dirty="0"/>
-              <a:t>5/27/2018</a:t>
+              <a:t>6/23/2018</a:t>
             </a:fld>
             <a:endParaRPr lang="en-US" dirty="0"/>
           </a:p>
@@ -4527,7 +4541,7 @@
             <a:fld id="{B61BEF0D-F0BB-DE4B-95CE-6DB70DBA9567}" type="datetimeFigureOut">
               <a:rPr lang="en-US" dirty="0"/>
               <a:pPr/>
-              <a:t>5/27/2018</a:t>
+              <a:t>6/23/2018</a:t>
             </a:fld>
             <a:endParaRPr lang="en-US" dirty="0"/>
           </a:p>
@@ -5267,7 +5281,7 @@
             <a:fld id="{B61BEF0D-F0BB-DE4B-95CE-6DB70DBA9567}" type="datetimeFigureOut">
               <a:rPr lang="en-US" dirty="0"/>
               <a:pPr/>
-              <a:t>5/27/2018</a:t>
+              <a:t>6/23/2018</a:t>
             </a:fld>
             <a:endParaRPr lang="en-US" dirty="0"/>
           </a:p>
@@ -5803,8 +5817,24 @@
           <a:lstStyle/>
           <a:p>
             <a:r>
+              <a:rPr lang="pt-BR" dirty="0" err="1" smtClean="0"/>
+              <a:t>RESTFul</a:t>
+            </a:r>
+            <a:r>
               <a:rPr lang="pt-BR" dirty="0" smtClean="0"/>
-              <a:t>CURSO DE REST</a:t>
+              <a:t> </a:t>
+            </a:r>
+            <a:r>
+              <a:rPr lang="pt-BR" dirty="0" err="1"/>
+              <a:t>API's</a:t>
+            </a:r>
+            <a:r>
+              <a:rPr lang="pt-BR" dirty="0"/>
+              <a:t> do 0 à Nuvem Com ASP.NET Core 2.0 e </a:t>
+            </a:r>
+            <a:r>
+              <a:rPr lang="pt-BR" dirty="0" err="1"/>
+              <a:t>Docker</a:t>
             </a:r>
             <a:endParaRPr lang="pt-BR" dirty="0"/>
           </a:p>
@@ -5878,6 +5908,2026 @@
         </p:nvSpPr>
         <p:spPr>
           <a:xfrm>
+            <a:off x="1209675" y="2609850"/>
+            <a:ext cx="10048875" cy="1629544"/>
+          </a:xfrm>
+        </p:spPr>
+        <p:txBody>
+          <a:bodyPr>
+            <a:normAutofit/>
+          </a:bodyPr>
+          <a:lstStyle/>
+          <a:p>
+            <a:pPr algn="ctr"/>
+            <a:r>
+              <a:rPr lang="pt-BR" dirty="0" smtClean="0"/>
+              <a:t>Seção 06:</a:t>
+            </a:r>
+            <a:r>
+              <a:rPr lang="pt-BR" dirty="0"/>
+              <a:t/>
+            </a:r>
+            <a:br>
+              <a:rPr lang="pt-BR" dirty="0"/>
+            </a:br>
+            <a:r>
+              <a:rPr lang="pt-BR" dirty="0"/>
+              <a:t> Implementando Uma Calculadora</a:t>
+            </a:r>
+            <a:endParaRPr lang="pt-BR" dirty="0"/>
+          </a:p>
+        </p:txBody>
+      </p:sp>
+    </p:spTree>
+    <p:extLst>
+      <p:ext uri="{BB962C8B-B14F-4D97-AF65-F5344CB8AC3E}">
+        <p14:creationId xmlns:p14="http://schemas.microsoft.com/office/powerpoint/2010/main" val="1241850238"/>
+      </p:ext>
+    </p:extLst>
+  </p:cSld>
+  <p:clrMapOvr>
+    <a:masterClrMapping/>
+  </p:clrMapOvr>
+  <p:timing>
+    <p:tnLst>
+      <p:par>
+        <p:cTn id="1" dur="indefinite" restart="never" nodeType="tmRoot"/>
+      </p:par>
+    </p:tnLst>
+  </p:timing>
+</p:sld>
+</file>
+
+<file path=ppt/slides/slide11.xml><?xml version="1.0" encoding="utf-8"?>
+<p:sld xmlns:a="http://schemas.openxmlformats.org/drawingml/2006/main" xmlns:r="http://schemas.openxmlformats.org/officeDocument/2006/relationships" xmlns:p="http://schemas.openxmlformats.org/presentationml/2006/main" showMasterSp="0">
+  <p:cSld>
+    <p:spTree>
+      <p:nvGrpSpPr>
+        <p:cNvPr id="1" name=""/>
+        <p:cNvGrpSpPr/>
+        <p:nvPr/>
+      </p:nvGrpSpPr>
+      <p:grpSpPr>
+        <a:xfrm>
+          <a:off x="0" y="0"/>
+          <a:ext cx="0" cy="0"/>
+          <a:chOff x="0" y="0"/>
+          <a:chExt cx="0" cy="0"/>
+        </a:xfrm>
+      </p:grpSpPr>
+      <p:pic>
+        <p:nvPicPr>
+          <p:cNvPr id="3078" name="Picture 6" descr="Resultado de imagem para git"/>
+          <p:cNvPicPr>
+            <a:picLocks noChangeAspect="1" noChangeArrowheads="1"/>
+          </p:cNvPicPr>
+          <p:nvPr/>
+        </p:nvPicPr>
+        <p:blipFill>
+          <a:blip r:embed="rId2">
+            <a:extLst>
+              <a:ext uri="{28A0092B-C50C-407E-A947-70E740481C1C}">
+                <a14:useLocalDpi xmlns:a14="http://schemas.microsoft.com/office/drawing/2010/main" val="0"/>
+              </a:ext>
+            </a:extLst>
+          </a:blip>
+          <a:srcRect/>
+          <a:stretch>
+            <a:fillRect/>
+          </a:stretch>
+        </p:blipFill>
+        <p:spPr bwMode="auto">
+          <a:xfrm>
+            <a:off x="6445645" y="5252534"/>
+            <a:ext cx="1291331" cy="1291331"/>
+          </a:xfrm>
+          <a:prstGeom prst="rect">
+            <a:avLst/>
+          </a:prstGeom>
+          <a:noFill/>
+          <a:extLst>
+            <a:ext uri="{909E8E84-426E-40DD-AFC4-6F175D3DCCD1}">
+              <a14:hiddenFill xmlns:a14="http://schemas.microsoft.com/office/drawing/2010/main">
+                <a:solidFill>
+                  <a:srgbClr val="FFFFFF"/>
+                </a:solidFill>
+              </a14:hiddenFill>
+            </a:ext>
+          </a:extLst>
+        </p:spPr>
+      </p:pic>
+      <p:pic>
+        <p:nvPicPr>
+          <p:cNvPr id="4098" name="Picture 2" descr="Resultado de imagem para github"/>
+          <p:cNvPicPr>
+            <a:picLocks noChangeAspect="1" noChangeArrowheads="1"/>
+          </p:cNvPicPr>
+          <p:nvPr/>
+        </p:nvPicPr>
+        <p:blipFill>
+          <a:blip r:embed="rId3">
+            <a:extLst>
+              <a:ext uri="{28A0092B-C50C-407E-A947-70E740481C1C}">
+                <a14:useLocalDpi xmlns:a14="http://schemas.microsoft.com/office/drawing/2010/main" val="0"/>
+              </a:ext>
+            </a:extLst>
+          </a:blip>
+          <a:srcRect/>
+          <a:stretch>
+            <a:fillRect/>
+          </a:stretch>
+        </p:blipFill>
+        <p:spPr bwMode="auto">
+          <a:xfrm>
+            <a:off x="7731760" y="4947092"/>
+            <a:ext cx="4307840" cy="1596773"/>
+          </a:xfrm>
+          <a:prstGeom prst="rect">
+            <a:avLst/>
+          </a:prstGeom>
+          <a:noFill/>
+          <a:extLst>
+            <a:ext uri="{909E8E84-426E-40DD-AFC4-6F175D3DCCD1}">
+              <a14:hiddenFill xmlns:a14="http://schemas.microsoft.com/office/drawing/2010/main">
+                <a:solidFill>
+                  <a:srgbClr val="FFFFFF"/>
+                </a:solidFill>
+              </a14:hiddenFill>
+            </a:ext>
+          </a:extLst>
+        </p:spPr>
+      </p:pic>
+      <p:pic>
+        <p:nvPicPr>
+          <p:cNvPr id="10" name="Picture 2" descr="Resultado de imagem para visual studio"/>
+          <p:cNvPicPr>
+            <a:picLocks noChangeAspect="1" noChangeArrowheads="1"/>
+          </p:cNvPicPr>
+          <p:nvPr/>
+        </p:nvPicPr>
+        <p:blipFill>
+          <a:blip r:embed="rId4">
+            <a:extLst>
+              <a:ext uri="{28A0092B-C50C-407E-A947-70E740481C1C}">
+                <a14:useLocalDpi xmlns:a14="http://schemas.microsoft.com/office/drawing/2010/main" val="0"/>
+              </a:ext>
+            </a:extLst>
+          </a:blip>
+          <a:srcRect/>
+          <a:stretch>
+            <a:fillRect/>
+          </a:stretch>
+        </p:blipFill>
+        <p:spPr bwMode="auto">
+          <a:xfrm>
+            <a:off x="389255" y="5121466"/>
+            <a:ext cx="1422399" cy="1422399"/>
+          </a:xfrm>
+          <a:prstGeom prst="rect">
+            <a:avLst/>
+          </a:prstGeom>
+          <a:noFill/>
+          <a:extLst>
+            <a:ext uri="{909E8E84-426E-40DD-AFC4-6F175D3DCCD1}">
+              <a14:hiddenFill xmlns:a14="http://schemas.microsoft.com/office/drawing/2010/main">
+                <a:solidFill>
+                  <a:srgbClr val="FFFFFF"/>
+                </a:solidFill>
+              </a14:hiddenFill>
+            </a:ext>
+          </a:extLst>
+        </p:spPr>
+      </p:pic>
+      <p:pic>
+        <p:nvPicPr>
+          <p:cNvPr id="4100" name="Picture 4" descr="Resultado de imagem para asp.net core 2.0 logo"/>
+          <p:cNvPicPr>
+            <a:picLocks noChangeAspect="1" noChangeArrowheads="1"/>
+          </p:cNvPicPr>
+          <p:nvPr/>
+        </p:nvPicPr>
+        <p:blipFill>
+          <a:blip r:embed="rId5">
+            <a:extLst>
+              <a:ext uri="{28A0092B-C50C-407E-A947-70E740481C1C}">
+                <a14:useLocalDpi xmlns:a14="http://schemas.microsoft.com/office/drawing/2010/main" val="0"/>
+              </a:ext>
+            </a:extLst>
+          </a:blip>
+          <a:srcRect/>
+          <a:stretch>
+            <a:fillRect/>
+          </a:stretch>
+        </p:blipFill>
+        <p:spPr bwMode="auto">
+          <a:xfrm>
+            <a:off x="2069291" y="5217572"/>
+            <a:ext cx="4139036" cy="1097094"/>
+          </a:xfrm>
+          <a:prstGeom prst="rect">
+            <a:avLst/>
+          </a:prstGeom>
+          <a:noFill/>
+          <a:extLst>
+            <a:ext uri="{909E8E84-426E-40DD-AFC4-6F175D3DCCD1}">
+              <a14:hiddenFill xmlns:a14="http://schemas.microsoft.com/office/drawing/2010/main">
+                <a:solidFill>
+                  <a:srgbClr val="FFFFFF"/>
+                </a:solidFill>
+              </a14:hiddenFill>
+            </a:ext>
+          </a:extLst>
+        </p:spPr>
+      </p:pic>
+      <p:pic>
+        <p:nvPicPr>
+          <p:cNvPr id="6146" name="Picture 2" descr="Imagem relacionada"/>
+          <p:cNvPicPr>
+            <a:picLocks noChangeAspect="1" noChangeArrowheads="1"/>
+          </p:cNvPicPr>
+          <p:nvPr/>
+        </p:nvPicPr>
+        <p:blipFill>
+          <a:blip r:embed="rId6">
+            <a:extLst>
+              <a:ext uri="{28A0092B-C50C-407E-A947-70E740481C1C}">
+                <a14:useLocalDpi xmlns:a14="http://schemas.microsoft.com/office/drawing/2010/main" val="0"/>
+              </a:ext>
+            </a:extLst>
+          </a:blip>
+          <a:srcRect/>
+          <a:stretch>
+            <a:fillRect/>
+          </a:stretch>
+        </p:blipFill>
+        <p:spPr bwMode="auto">
+          <a:xfrm>
+            <a:off x="4138809" y="659572"/>
+            <a:ext cx="4287520" cy="4287520"/>
+          </a:xfrm>
+          <a:prstGeom prst="rect">
+            <a:avLst/>
+          </a:prstGeom>
+          <a:noFill/>
+          <a:extLst>
+            <a:ext uri="{909E8E84-426E-40DD-AFC4-6F175D3DCCD1}">
+              <a14:hiddenFill xmlns:a14="http://schemas.microsoft.com/office/drawing/2010/main">
+                <a:solidFill>
+                  <a:srgbClr val="FFFFFF"/>
+                </a:solidFill>
+              </a14:hiddenFill>
+            </a:ext>
+          </a:extLst>
+        </p:spPr>
+      </p:pic>
+    </p:spTree>
+    <p:extLst>
+      <p:ext uri="{BB962C8B-B14F-4D97-AF65-F5344CB8AC3E}">
+        <p14:creationId xmlns:p14="http://schemas.microsoft.com/office/powerpoint/2010/main" val="427368564"/>
+      </p:ext>
+    </p:extLst>
+  </p:cSld>
+  <p:clrMapOvr>
+    <a:masterClrMapping/>
+  </p:clrMapOvr>
+  <p:timing>
+    <p:tnLst>
+      <p:par>
+        <p:cTn id="1" dur="indefinite" restart="never" nodeType="tmRoot"/>
+      </p:par>
+    </p:tnLst>
+  </p:timing>
+</p:sld>
+</file>
+
+<file path=ppt/slides/slide12.xml><?xml version="1.0" encoding="utf-8"?>
+<p:sld xmlns:a="http://schemas.openxmlformats.org/drawingml/2006/main" xmlns:r="http://schemas.openxmlformats.org/officeDocument/2006/relationships" xmlns:p="http://schemas.openxmlformats.org/presentationml/2006/main">
+  <p:cSld>
+    <p:spTree>
+      <p:nvGrpSpPr>
+        <p:cNvPr id="1" name=""/>
+        <p:cNvGrpSpPr/>
+        <p:nvPr/>
+      </p:nvGrpSpPr>
+      <p:grpSpPr>
+        <a:xfrm>
+          <a:off x="0" y="0"/>
+          <a:ext cx="0" cy="0"/>
+          <a:chOff x="0" y="0"/>
+          <a:chExt cx="0" cy="0"/>
+        </a:xfrm>
+      </p:grpSpPr>
+      <p:sp>
+        <p:nvSpPr>
+          <p:cNvPr id="2" name="Título 1"/>
+          <p:cNvSpPr>
+            <a:spLocks noGrp="1"/>
+          </p:cNvSpPr>
+          <p:nvPr>
+            <p:ph type="title"/>
+          </p:nvPr>
+        </p:nvSpPr>
+        <p:spPr>
+          <a:xfrm>
+            <a:off x="1209675" y="2609850"/>
+            <a:ext cx="10048875" cy="1629544"/>
+          </a:xfrm>
+        </p:spPr>
+        <p:txBody>
+          <a:bodyPr>
+            <a:normAutofit/>
+          </a:bodyPr>
+          <a:lstStyle/>
+          <a:p>
+            <a:pPr algn="ctr"/>
+            <a:r>
+              <a:rPr lang="pt-BR" dirty="0" smtClean="0"/>
+              <a:t>Seção 07:</a:t>
+            </a:r>
+            <a:r>
+              <a:rPr lang="pt-BR" dirty="0"/>
+              <a:t/>
+            </a:r>
+            <a:br>
+              <a:rPr lang="pt-BR" dirty="0"/>
+            </a:br>
+            <a:r>
+              <a:rPr lang="pt-BR" dirty="0"/>
+              <a:t>Aprendendo Os Quatro Verbos Principais</a:t>
+            </a:r>
+            <a:endParaRPr lang="pt-BR" dirty="0"/>
+          </a:p>
+        </p:txBody>
+      </p:sp>
+    </p:spTree>
+    <p:extLst>
+      <p:ext uri="{BB962C8B-B14F-4D97-AF65-F5344CB8AC3E}">
+        <p14:creationId xmlns:p14="http://schemas.microsoft.com/office/powerpoint/2010/main" val="3323935920"/>
+      </p:ext>
+    </p:extLst>
+  </p:cSld>
+  <p:clrMapOvr>
+    <a:masterClrMapping/>
+  </p:clrMapOvr>
+  <p:timing>
+    <p:tnLst>
+      <p:par>
+        <p:cTn id="1" dur="indefinite" restart="never" nodeType="tmRoot"/>
+      </p:par>
+    </p:tnLst>
+  </p:timing>
+</p:sld>
+</file>
+
+<file path=ppt/slides/slide13.xml><?xml version="1.0" encoding="utf-8"?>
+<p:sld xmlns:a="http://schemas.openxmlformats.org/drawingml/2006/main" xmlns:r="http://schemas.openxmlformats.org/officeDocument/2006/relationships" xmlns:p="http://schemas.openxmlformats.org/presentationml/2006/main" showMasterSp="0">
+  <p:cSld>
+    <p:spTree>
+      <p:nvGrpSpPr>
+        <p:cNvPr id="1" name=""/>
+        <p:cNvGrpSpPr/>
+        <p:nvPr/>
+      </p:nvGrpSpPr>
+      <p:grpSpPr>
+        <a:xfrm>
+          <a:off x="0" y="0"/>
+          <a:ext cx="0" cy="0"/>
+          <a:chOff x="0" y="0"/>
+          <a:chExt cx="0" cy="0"/>
+        </a:xfrm>
+      </p:grpSpPr>
+      <p:pic>
+        <p:nvPicPr>
+          <p:cNvPr id="3078" name="Picture 6" descr="Resultado de imagem para git"/>
+          <p:cNvPicPr>
+            <a:picLocks noChangeAspect="1" noChangeArrowheads="1"/>
+          </p:cNvPicPr>
+          <p:nvPr/>
+        </p:nvPicPr>
+        <p:blipFill>
+          <a:blip r:embed="rId2">
+            <a:extLst>
+              <a:ext uri="{28A0092B-C50C-407E-A947-70E740481C1C}">
+                <a14:useLocalDpi xmlns:a14="http://schemas.microsoft.com/office/drawing/2010/main" val="0"/>
+              </a:ext>
+            </a:extLst>
+          </a:blip>
+          <a:srcRect/>
+          <a:stretch>
+            <a:fillRect/>
+          </a:stretch>
+        </p:blipFill>
+        <p:spPr bwMode="auto">
+          <a:xfrm>
+            <a:off x="7093428" y="5252534"/>
+            <a:ext cx="1291331" cy="1291331"/>
+          </a:xfrm>
+          <a:prstGeom prst="rect">
+            <a:avLst/>
+          </a:prstGeom>
+          <a:noFill/>
+          <a:extLst>
+            <a:ext uri="{909E8E84-426E-40DD-AFC4-6F175D3DCCD1}">
+              <a14:hiddenFill xmlns:a14="http://schemas.microsoft.com/office/drawing/2010/main">
+                <a:solidFill>
+                  <a:srgbClr val="FFFFFF"/>
+                </a:solidFill>
+              </a14:hiddenFill>
+            </a:ext>
+          </a:extLst>
+        </p:spPr>
+      </p:pic>
+      <p:pic>
+        <p:nvPicPr>
+          <p:cNvPr id="10" name="Picture 2" descr="Resultado de imagem para visual studio"/>
+          <p:cNvPicPr>
+            <a:picLocks noChangeAspect="1" noChangeArrowheads="1"/>
+          </p:cNvPicPr>
+          <p:nvPr/>
+        </p:nvPicPr>
+        <p:blipFill>
+          <a:blip r:embed="rId3">
+            <a:extLst>
+              <a:ext uri="{28A0092B-C50C-407E-A947-70E740481C1C}">
+                <a14:useLocalDpi xmlns:a14="http://schemas.microsoft.com/office/drawing/2010/main" val="0"/>
+              </a:ext>
+            </a:extLst>
+          </a:blip>
+          <a:srcRect/>
+          <a:stretch>
+            <a:fillRect/>
+          </a:stretch>
+        </p:blipFill>
+        <p:spPr bwMode="auto">
+          <a:xfrm>
+            <a:off x="389255" y="5121466"/>
+            <a:ext cx="1422399" cy="1422399"/>
+          </a:xfrm>
+          <a:prstGeom prst="rect">
+            <a:avLst/>
+          </a:prstGeom>
+          <a:noFill/>
+          <a:extLst>
+            <a:ext uri="{909E8E84-426E-40DD-AFC4-6F175D3DCCD1}">
+              <a14:hiddenFill xmlns:a14="http://schemas.microsoft.com/office/drawing/2010/main">
+                <a:solidFill>
+                  <a:srgbClr val="FFFFFF"/>
+                </a:solidFill>
+              </a14:hiddenFill>
+            </a:ext>
+          </a:extLst>
+        </p:spPr>
+      </p:pic>
+      <p:pic>
+        <p:nvPicPr>
+          <p:cNvPr id="4100" name="Picture 4" descr="Resultado de imagem para asp.net core 2.0 logo"/>
+          <p:cNvPicPr>
+            <a:picLocks noChangeAspect="1" noChangeArrowheads="1"/>
+          </p:cNvPicPr>
+          <p:nvPr/>
+        </p:nvPicPr>
+        <p:blipFill>
+          <a:blip r:embed="rId4">
+            <a:extLst>
+              <a:ext uri="{28A0092B-C50C-407E-A947-70E740481C1C}">
+                <a14:useLocalDpi xmlns:a14="http://schemas.microsoft.com/office/drawing/2010/main" val="0"/>
+              </a:ext>
+            </a:extLst>
+          </a:blip>
+          <a:srcRect/>
+          <a:stretch>
+            <a:fillRect/>
+          </a:stretch>
+        </p:blipFill>
+        <p:spPr bwMode="auto">
+          <a:xfrm>
+            <a:off x="2272491" y="5252534"/>
+            <a:ext cx="4139036" cy="1097094"/>
+          </a:xfrm>
+          <a:prstGeom prst="rect">
+            <a:avLst/>
+          </a:prstGeom>
+          <a:noFill/>
+          <a:extLst>
+            <a:ext uri="{909E8E84-426E-40DD-AFC4-6F175D3DCCD1}">
+              <a14:hiddenFill xmlns:a14="http://schemas.microsoft.com/office/drawing/2010/main">
+                <a:solidFill>
+                  <a:srgbClr val="FFFFFF"/>
+                </a:solidFill>
+              </a14:hiddenFill>
+            </a:ext>
+          </a:extLst>
+        </p:spPr>
+      </p:pic>
+      <p:pic>
+        <p:nvPicPr>
+          <p:cNvPr id="6" name="Imagem 5"/>
+          <p:cNvPicPr>
+            <a:picLocks noChangeAspect="1"/>
+          </p:cNvPicPr>
+          <p:nvPr/>
+        </p:nvPicPr>
+        <p:blipFill>
+          <a:blip r:embed="rId5">
+            <a:extLst>
+              <a:ext uri="{28A0092B-C50C-407E-A947-70E740481C1C}">
+                <a14:useLocalDpi xmlns:a14="http://schemas.microsoft.com/office/drawing/2010/main" val="0"/>
+              </a:ext>
+            </a:extLst>
+          </a:blip>
+          <a:stretch>
+            <a:fillRect/>
+          </a:stretch>
+        </p:blipFill>
+        <p:spPr>
+          <a:xfrm>
+            <a:off x="9269860" y="4907248"/>
+            <a:ext cx="2367977" cy="1850833"/>
+          </a:xfrm>
+          <a:prstGeom prst="rect">
+            <a:avLst/>
+          </a:prstGeom>
+        </p:spPr>
+      </p:pic>
+      <p:pic>
+        <p:nvPicPr>
+          <p:cNvPr id="5122" name="Picture 2" descr="Resultado de imagem para PUT GET POST DELETE"/>
+          <p:cNvPicPr>
+            <a:picLocks noChangeAspect="1" noChangeArrowheads="1"/>
+          </p:cNvPicPr>
+          <p:nvPr/>
+        </p:nvPicPr>
+        <p:blipFill>
+          <a:blip r:embed="rId6">
+            <a:extLst>
+              <a:ext uri="{28A0092B-C50C-407E-A947-70E740481C1C}">
+                <a14:useLocalDpi xmlns:a14="http://schemas.microsoft.com/office/drawing/2010/main" val="0"/>
+              </a:ext>
+            </a:extLst>
+          </a:blip>
+          <a:srcRect/>
+          <a:stretch>
+            <a:fillRect/>
+          </a:stretch>
+        </p:blipFill>
+        <p:spPr bwMode="auto">
+          <a:xfrm>
+            <a:off x="1293494" y="594994"/>
+            <a:ext cx="9548331" cy="3601085"/>
+          </a:xfrm>
+          <a:prstGeom prst="rect">
+            <a:avLst/>
+          </a:prstGeom>
+          <a:noFill/>
+          <a:extLst>
+            <a:ext uri="{909E8E84-426E-40DD-AFC4-6F175D3DCCD1}">
+              <a14:hiddenFill xmlns:a14="http://schemas.microsoft.com/office/drawing/2010/main">
+                <a:solidFill>
+                  <a:srgbClr val="FFFFFF"/>
+                </a:solidFill>
+              </a14:hiddenFill>
+            </a:ext>
+          </a:extLst>
+        </p:spPr>
+      </p:pic>
+    </p:spTree>
+    <p:extLst>
+      <p:ext uri="{BB962C8B-B14F-4D97-AF65-F5344CB8AC3E}">
+        <p14:creationId xmlns:p14="http://schemas.microsoft.com/office/powerpoint/2010/main" val="2534086041"/>
+      </p:ext>
+    </p:extLst>
+  </p:cSld>
+  <p:clrMapOvr>
+    <a:masterClrMapping/>
+  </p:clrMapOvr>
+  <p:timing>
+    <p:tnLst>
+      <p:par>
+        <p:cTn id="1" dur="indefinite" restart="never" nodeType="tmRoot"/>
+      </p:par>
+    </p:tnLst>
+  </p:timing>
+</p:sld>
+</file>
+
+<file path=ppt/slides/slide14.xml><?xml version="1.0" encoding="utf-8"?>
+<p:sld xmlns:a="http://schemas.openxmlformats.org/drawingml/2006/main" xmlns:r="http://schemas.openxmlformats.org/officeDocument/2006/relationships" xmlns:p="http://schemas.openxmlformats.org/presentationml/2006/main">
+  <p:cSld>
+    <p:spTree>
+      <p:nvGrpSpPr>
+        <p:cNvPr id="1" name=""/>
+        <p:cNvGrpSpPr/>
+        <p:nvPr/>
+      </p:nvGrpSpPr>
+      <p:grpSpPr>
+        <a:xfrm>
+          <a:off x="0" y="0"/>
+          <a:ext cx="0" cy="0"/>
+          <a:chOff x="0" y="0"/>
+          <a:chExt cx="0" cy="0"/>
+        </a:xfrm>
+      </p:grpSpPr>
+      <p:sp>
+        <p:nvSpPr>
+          <p:cNvPr id="2" name="Título 1"/>
+          <p:cNvSpPr>
+            <a:spLocks noGrp="1"/>
+          </p:cNvSpPr>
+          <p:nvPr>
+            <p:ph type="title"/>
+          </p:nvPr>
+        </p:nvSpPr>
+        <p:spPr>
+          <a:xfrm>
+            <a:off x="1209675" y="2609850"/>
+            <a:ext cx="10048875" cy="1629544"/>
+          </a:xfrm>
+        </p:spPr>
+        <p:txBody>
+          <a:bodyPr>
+            <a:normAutofit/>
+          </a:bodyPr>
+          <a:lstStyle/>
+          <a:p>
+            <a:pPr algn="ctr"/>
+            <a:r>
+              <a:rPr lang="pt-BR" dirty="0" smtClean="0"/>
+              <a:t>Seção 08:</a:t>
+            </a:r>
+            <a:r>
+              <a:rPr lang="pt-BR" dirty="0"/>
+              <a:t/>
+            </a:r>
+            <a:br>
+              <a:rPr lang="pt-BR" dirty="0"/>
+            </a:br>
+            <a:r>
+              <a:rPr lang="pt-BR" dirty="0"/>
+              <a:t> Integrando A Aplicação Ao Banco De Dados</a:t>
+            </a:r>
+            <a:endParaRPr lang="pt-BR" dirty="0"/>
+          </a:p>
+        </p:txBody>
+      </p:sp>
+    </p:spTree>
+    <p:extLst>
+      <p:ext uri="{BB962C8B-B14F-4D97-AF65-F5344CB8AC3E}">
+        <p14:creationId xmlns:p14="http://schemas.microsoft.com/office/powerpoint/2010/main" val="1385296065"/>
+      </p:ext>
+    </p:extLst>
+  </p:cSld>
+  <p:clrMapOvr>
+    <a:masterClrMapping/>
+  </p:clrMapOvr>
+  <p:timing>
+    <p:tnLst>
+      <p:par>
+        <p:cTn id="1" dur="indefinite" restart="never" nodeType="tmRoot"/>
+      </p:par>
+    </p:tnLst>
+  </p:timing>
+</p:sld>
+</file>
+
+<file path=ppt/slides/slide15.xml><?xml version="1.0" encoding="utf-8"?>
+<p:sld xmlns:a="http://schemas.openxmlformats.org/drawingml/2006/main" xmlns:r="http://schemas.openxmlformats.org/officeDocument/2006/relationships" xmlns:p="http://schemas.openxmlformats.org/presentationml/2006/main" showMasterSp="0">
+  <p:cSld>
+    <p:spTree>
+      <p:nvGrpSpPr>
+        <p:cNvPr id="1" name=""/>
+        <p:cNvGrpSpPr/>
+        <p:nvPr/>
+      </p:nvGrpSpPr>
+      <p:grpSpPr>
+        <a:xfrm>
+          <a:off x="0" y="0"/>
+          <a:ext cx="0" cy="0"/>
+          <a:chOff x="0" y="0"/>
+          <a:chExt cx="0" cy="0"/>
+        </a:xfrm>
+      </p:grpSpPr>
+      <p:pic>
+        <p:nvPicPr>
+          <p:cNvPr id="10" name="Picture 2" descr="Resultado de imagem para visual studio"/>
+          <p:cNvPicPr>
+            <a:picLocks noChangeAspect="1" noChangeArrowheads="1"/>
+          </p:cNvPicPr>
+          <p:nvPr/>
+        </p:nvPicPr>
+        <p:blipFill>
+          <a:blip r:embed="rId2">
+            <a:extLst>
+              <a:ext uri="{28A0092B-C50C-407E-A947-70E740481C1C}">
+                <a14:useLocalDpi xmlns:a14="http://schemas.microsoft.com/office/drawing/2010/main" val="0"/>
+              </a:ext>
+            </a:extLst>
+          </a:blip>
+          <a:srcRect/>
+          <a:stretch>
+            <a:fillRect/>
+          </a:stretch>
+        </p:blipFill>
+        <p:spPr bwMode="auto">
+          <a:xfrm>
+            <a:off x="389255" y="5121466"/>
+            <a:ext cx="1422399" cy="1422399"/>
+          </a:xfrm>
+          <a:prstGeom prst="rect">
+            <a:avLst/>
+          </a:prstGeom>
+          <a:noFill/>
+          <a:extLst>
+            <a:ext uri="{909E8E84-426E-40DD-AFC4-6F175D3DCCD1}">
+              <a14:hiddenFill xmlns:a14="http://schemas.microsoft.com/office/drawing/2010/main">
+                <a:solidFill>
+                  <a:srgbClr val="FFFFFF"/>
+                </a:solidFill>
+              </a14:hiddenFill>
+            </a:ext>
+          </a:extLst>
+        </p:spPr>
+      </p:pic>
+      <p:pic>
+        <p:nvPicPr>
+          <p:cNvPr id="4100" name="Picture 4" descr="Resultado de imagem para asp.net core 2.0 logo"/>
+          <p:cNvPicPr>
+            <a:picLocks noChangeAspect="1" noChangeArrowheads="1"/>
+          </p:cNvPicPr>
+          <p:nvPr/>
+        </p:nvPicPr>
+        <p:blipFill>
+          <a:blip r:embed="rId3">
+            <a:extLst>
+              <a:ext uri="{28A0092B-C50C-407E-A947-70E740481C1C}">
+                <a14:useLocalDpi xmlns:a14="http://schemas.microsoft.com/office/drawing/2010/main" val="0"/>
+              </a:ext>
+            </a:extLst>
+          </a:blip>
+          <a:srcRect/>
+          <a:stretch>
+            <a:fillRect/>
+          </a:stretch>
+        </p:blipFill>
+        <p:spPr bwMode="auto">
+          <a:xfrm>
+            <a:off x="1952167" y="5270064"/>
+            <a:ext cx="4139036" cy="1097094"/>
+          </a:xfrm>
+          <a:prstGeom prst="rect">
+            <a:avLst/>
+          </a:prstGeom>
+          <a:noFill/>
+          <a:extLst>
+            <a:ext uri="{909E8E84-426E-40DD-AFC4-6F175D3DCCD1}">
+              <a14:hiddenFill xmlns:a14="http://schemas.microsoft.com/office/drawing/2010/main">
+                <a:solidFill>
+                  <a:srgbClr val="FFFFFF"/>
+                </a:solidFill>
+              </a14:hiddenFill>
+            </a:ext>
+          </a:extLst>
+        </p:spPr>
+      </p:pic>
+      <p:pic>
+        <p:nvPicPr>
+          <p:cNvPr id="7172" name="Picture 4" descr="Resultado de imagem para entity framework core 2.0"/>
+          <p:cNvPicPr>
+            <a:picLocks noChangeAspect="1" noChangeArrowheads="1"/>
+          </p:cNvPicPr>
+          <p:nvPr/>
+        </p:nvPicPr>
+        <p:blipFill>
+          <a:blip r:embed="rId4">
+            <a:extLst>
+              <a:ext uri="{28A0092B-C50C-407E-A947-70E740481C1C}">
+                <a14:useLocalDpi xmlns:a14="http://schemas.microsoft.com/office/drawing/2010/main" val="0"/>
+              </a:ext>
+            </a:extLst>
+          </a:blip>
+          <a:srcRect/>
+          <a:stretch>
+            <a:fillRect/>
+          </a:stretch>
+        </p:blipFill>
+        <p:spPr bwMode="auto">
+          <a:xfrm>
+            <a:off x="6091203" y="4923741"/>
+            <a:ext cx="2381250" cy="1450508"/>
+          </a:xfrm>
+          <a:prstGeom prst="rect">
+            <a:avLst/>
+          </a:prstGeom>
+          <a:noFill/>
+          <a:extLst>
+            <a:ext uri="{909E8E84-426E-40DD-AFC4-6F175D3DCCD1}">
+              <a14:hiddenFill xmlns:a14="http://schemas.microsoft.com/office/drawing/2010/main">
+                <a:solidFill>
+                  <a:srgbClr val="FFFFFF"/>
+                </a:solidFill>
+              </a14:hiddenFill>
+            </a:ext>
+          </a:extLst>
+        </p:spPr>
+      </p:pic>
+      <p:pic>
+        <p:nvPicPr>
+          <p:cNvPr id="7174" name="Picture 6" descr="Resultado de imagem para Database"/>
+          <p:cNvPicPr>
+            <a:picLocks noChangeAspect="1" noChangeArrowheads="1"/>
+          </p:cNvPicPr>
+          <p:nvPr/>
+        </p:nvPicPr>
+        <p:blipFill>
+          <a:blip r:embed="rId5">
+            <a:extLst>
+              <a:ext uri="{28A0092B-C50C-407E-A947-70E740481C1C}">
+                <a14:useLocalDpi xmlns:a14="http://schemas.microsoft.com/office/drawing/2010/main" val="0"/>
+              </a:ext>
+            </a:extLst>
+          </a:blip>
+          <a:srcRect/>
+          <a:stretch>
+            <a:fillRect/>
+          </a:stretch>
+        </p:blipFill>
+        <p:spPr bwMode="auto">
+          <a:xfrm>
+            <a:off x="4666615" y="1126172"/>
+            <a:ext cx="3305175" cy="3295651"/>
+          </a:xfrm>
+          <a:prstGeom prst="rect">
+            <a:avLst/>
+          </a:prstGeom>
+          <a:noFill/>
+          <a:extLst>
+            <a:ext uri="{909E8E84-426E-40DD-AFC4-6F175D3DCCD1}">
+              <a14:hiddenFill xmlns:a14="http://schemas.microsoft.com/office/drawing/2010/main">
+                <a:solidFill>
+                  <a:srgbClr val="FFFFFF"/>
+                </a:solidFill>
+              </a14:hiddenFill>
+            </a:ext>
+          </a:extLst>
+        </p:spPr>
+      </p:pic>
+      <p:pic>
+        <p:nvPicPr>
+          <p:cNvPr id="7176" name="Picture 8" descr="Resultado de imagem para sql logo"/>
+          <p:cNvPicPr>
+            <a:picLocks noChangeAspect="1" noChangeArrowheads="1"/>
+          </p:cNvPicPr>
+          <p:nvPr/>
+        </p:nvPicPr>
+        <p:blipFill>
+          <a:blip r:embed="rId6">
+            <a:extLst>
+              <a:ext uri="{28A0092B-C50C-407E-A947-70E740481C1C}">
+                <a14:useLocalDpi xmlns:a14="http://schemas.microsoft.com/office/drawing/2010/main" val="0"/>
+              </a:ext>
+            </a:extLst>
+          </a:blip>
+          <a:srcRect/>
+          <a:stretch>
+            <a:fillRect/>
+          </a:stretch>
+        </p:blipFill>
+        <p:spPr bwMode="auto">
+          <a:xfrm>
+            <a:off x="10370753" y="5093357"/>
+            <a:ext cx="1450508" cy="1450508"/>
+          </a:xfrm>
+          <a:prstGeom prst="rect">
+            <a:avLst/>
+          </a:prstGeom>
+          <a:noFill/>
+          <a:extLst>
+            <a:ext uri="{909E8E84-426E-40DD-AFC4-6F175D3DCCD1}">
+              <a14:hiddenFill xmlns:a14="http://schemas.microsoft.com/office/drawing/2010/main">
+                <a:solidFill>
+                  <a:srgbClr val="FFFFFF"/>
+                </a:solidFill>
+              </a14:hiddenFill>
+            </a:ext>
+          </a:extLst>
+        </p:spPr>
+      </p:pic>
+      <p:pic>
+        <p:nvPicPr>
+          <p:cNvPr id="7178" name="Picture 10" descr="Resultado de imagem para Microsoft AspNetCore Mvc Versioning"/>
+          <p:cNvPicPr>
+            <a:picLocks noChangeAspect="1" noChangeArrowheads="1"/>
+          </p:cNvPicPr>
+          <p:nvPr/>
+        </p:nvPicPr>
+        <p:blipFill>
+          <a:blip r:embed="rId7">
+            <a:extLst>
+              <a:ext uri="{28A0092B-C50C-407E-A947-70E740481C1C}">
+                <a14:useLocalDpi xmlns:a14="http://schemas.microsoft.com/office/drawing/2010/main" val="0"/>
+              </a:ext>
+            </a:extLst>
+          </a:blip>
+          <a:srcRect/>
+          <a:stretch>
+            <a:fillRect/>
+          </a:stretch>
+        </p:blipFill>
+        <p:spPr bwMode="auto">
+          <a:xfrm>
+            <a:off x="8676639" y="5063503"/>
+            <a:ext cx="1303655" cy="1303655"/>
+          </a:xfrm>
+          <a:prstGeom prst="rect">
+            <a:avLst/>
+          </a:prstGeom>
+          <a:noFill/>
+          <a:extLst>
+            <a:ext uri="{909E8E84-426E-40DD-AFC4-6F175D3DCCD1}">
+              <a14:hiddenFill xmlns:a14="http://schemas.microsoft.com/office/drawing/2010/main">
+                <a:solidFill>
+                  <a:srgbClr val="FFFFFF"/>
+                </a:solidFill>
+              </a14:hiddenFill>
+            </a:ext>
+          </a:extLst>
+        </p:spPr>
+      </p:pic>
+    </p:spTree>
+    <p:extLst>
+      <p:ext uri="{BB962C8B-B14F-4D97-AF65-F5344CB8AC3E}">
+        <p14:creationId xmlns:p14="http://schemas.microsoft.com/office/powerpoint/2010/main" val="2788308357"/>
+      </p:ext>
+    </p:extLst>
+  </p:cSld>
+  <p:clrMapOvr>
+    <a:masterClrMapping/>
+  </p:clrMapOvr>
+  <p:timing>
+    <p:tnLst>
+      <p:par>
+        <p:cTn id="1" dur="indefinite" restart="never" nodeType="tmRoot"/>
+      </p:par>
+    </p:tnLst>
+  </p:timing>
+</p:sld>
+</file>
+
+<file path=ppt/slides/slide16.xml><?xml version="1.0" encoding="utf-8"?>
+<p:sld xmlns:a="http://schemas.openxmlformats.org/drawingml/2006/main" xmlns:r="http://schemas.openxmlformats.org/officeDocument/2006/relationships" xmlns:p="http://schemas.openxmlformats.org/presentationml/2006/main">
+  <p:cSld>
+    <p:spTree>
+      <p:nvGrpSpPr>
+        <p:cNvPr id="1" name=""/>
+        <p:cNvGrpSpPr/>
+        <p:nvPr/>
+      </p:nvGrpSpPr>
+      <p:grpSpPr>
+        <a:xfrm>
+          <a:off x="0" y="0"/>
+          <a:ext cx="0" cy="0"/>
+          <a:chOff x="0" y="0"/>
+          <a:chExt cx="0" cy="0"/>
+        </a:xfrm>
+      </p:grpSpPr>
+      <p:sp>
+        <p:nvSpPr>
+          <p:cNvPr id="2" name="Título 1"/>
+          <p:cNvSpPr>
+            <a:spLocks noGrp="1"/>
+          </p:cNvSpPr>
+          <p:nvPr>
+            <p:ph type="title"/>
+          </p:nvPr>
+        </p:nvSpPr>
+        <p:spPr>
+          <a:xfrm>
+            <a:off x="1209675" y="2609850"/>
+            <a:ext cx="10048875" cy="1629544"/>
+          </a:xfrm>
+        </p:spPr>
+        <p:txBody>
+          <a:bodyPr>
+            <a:normAutofit/>
+          </a:bodyPr>
+          <a:lstStyle/>
+          <a:p>
+            <a:pPr algn="ctr"/>
+            <a:r>
+              <a:rPr lang="pt-BR" dirty="0" smtClean="0"/>
+              <a:t>Seção 09:</a:t>
+            </a:r>
+            <a:r>
+              <a:rPr lang="pt-BR" dirty="0"/>
+              <a:t/>
+            </a:r>
+            <a:br>
+              <a:rPr lang="pt-BR" dirty="0"/>
+            </a:br>
+            <a:r>
+              <a:rPr lang="pt-BR" dirty="0"/>
+              <a:t> Versionamento Da Nossa API</a:t>
+            </a:r>
+            <a:endParaRPr lang="pt-BR" dirty="0"/>
+          </a:p>
+        </p:txBody>
+      </p:sp>
+    </p:spTree>
+    <p:extLst>
+      <p:ext uri="{BB962C8B-B14F-4D97-AF65-F5344CB8AC3E}">
+        <p14:creationId xmlns:p14="http://schemas.microsoft.com/office/powerpoint/2010/main" val="444433915"/>
+      </p:ext>
+    </p:extLst>
+  </p:cSld>
+  <p:clrMapOvr>
+    <a:masterClrMapping/>
+  </p:clrMapOvr>
+  <p:timing>
+    <p:tnLst>
+      <p:par>
+        <p:cTn id="1" dur="indefinite" restart="never" nodeType="tmRoot"/>
+      </p:par>
+    </p:tnLst>
+  </p:timing>
+</p:sld>
+</file>
+
+<file path=ppt/slides/slide17.xml><?xml version="1.0" encoding="utf-8"?>
+<p:sld xmlns:a="http://schemas.openxmlformats.org/drawingml/2006/main" xmlns:r="http://schemas.openxmlformats.org/officeDocument/2006/relationships" xmlns:p="http://schemas.openxmlformats.org/presentationml/2006/main" showMasterSp="0">
+  <p:cSld>
+    <p:spTree>
+      <p:nvGrpSpPr>
+        <p:cNvPr id="1" name=""/>
+        <p:cNvGrpSpPr/>
+        <p:nvPr/>
+      </p:nvGrpSpPr>
+      <p:grpSpPr>
+        <a:xfrm>
+          <a:off x="0" y="0"/>
+          <a:ext cx="0" cy="0"/>
+          <a:chOff x="0" y="0"/>
+          <a:chExt cx="0" cy="0"/>
+        </a:xfrm>
+      </p:grpSpPr>
+      <p:pic>
+        <p:nvPicPr>
+          <p:cNvPr id="2052" name="Picture 4" descr="Resultado de imagem para api versioning strategy"/>
+          <p:cNvPicPr>
+            <a:picLocks noChangeAspect="1" noChangeArrowheads="1"/>
+          </p:cNvPicPr>
+          <p:nvPr/>
+        </p:nvPicPr>
+        <p:blipFill>
+          <a:blip r:embed="rId2">
+            <a:extLst>
+              <a:ext uri="{28A0092B-C50C-407E-A947-70E740481C1C}">
+                <a14:useLocalDpi xmlns:a14="http://schemas.microsoft.com/office/drawing/2010/main" val="0"/>
+              </a:ext>
+            </a:extLst>
+          </a:blip>
+          <a:srcRect/>
+          <a:stretch>
+            <a:fillRect/>
+          </a:stretch>
+        </p:blipFill>
+        <p:spPr bwMode="auto">
+          <a:xfrm>
+            <a:off x="3004362" y="1325360"/>
+            <a:ext cx="6128471" cy="2921519"/>
+          </a:xfrm>
+          <a:prstGeom prst="rect">
+            <a:avLst/>
+          </a:prstGeom>
+          <a:noFill/>
+          <a:extLst>
+            <a:ext uri="{909E8E84-426E-40DD-AFC4-6F175D3DCCD1}">
+              <a14:hiddenFill xmlns:a14="http://schemas.microsoft.com/office/drawing/2010/main">
+                <a:solidFill>
+                  <a:srgbClr val="FFFFFF"/>
+                </a:solidFill>
+              </a14:hiddenFill>
+            </a:ext>
+          </a:extLst>
+        </p:spPr>
+      </p:pic>
+      <p:pic>
+        <p:nvPicPr>
+          <p:cNvPr id="4" name="Picture 2" descr="Resultado de imagem para visual studio"/>
+          <p:cNvPicPr>
+            <a:picLocks noChangeAspect="1" noChangeArrowheads="1"/>
+          </p:cNvPicPr>
+          <p:nvPr/>
+        </p:nvPicPr>
+        <p:blipFill>
+          <a:blip r:embed="rId3">
+            <a:extLst>
+              <a:ext uri="{28A0092B-C50C-407E-A947-70E740481C1C}">
+                <a14:useLocalDpi xmlns:a14="http://schemas.microsoft.com/office/drawing/2010/main" val="0"/>
+              </a:ext>
+            </a:extLst>
+          </a:blip>
+          <a:srcRect/>
+          <a:stretch>
+            <a:fillRect/>
+          </a:stretch>
+        </p:blipFill>
+        <p:spPr bwMode="auto">
+          <a:xfrm>
+            <a:off x="389255" y="5121466"/>
+            <a:ext cx="1422399" cy="1422399"/>
+          </a:xfrm>
+          <a:prstGeom prst="rect">
+            <a:avLst/>
+          </a:prstGeom>
+          <a:noFill/>
+          <a:extLst>
+            <a:ext uri="{909E8E84-426E-40DD-AFC4-6F175D3DCCD1}">
+              <a14:hiddenFill xmlns:a14="http://schemas.microsoft.com/office/drawing/2010/main">
+                <a:solidFill>
+                  <a:srgbClr val="FFFFFF"/>
+                </a:solidFill>
+              </a14:hiddenFill>
+            </a:ext>
+          </a:extLst>
+        </p:spPr>
+      </p:pic>
+      <p:pic>
+        <p:nvPicPr>
+          <p:cNvPr id="5" name="Picture 4" descr="Resultado de imagem para asp.net core 2.0 logo"/>
+          <p:cNvPicPr>
+            <a:picLocks noChangeAspect="1" noChangeArrowheads="1"/>
+          </p:cNvPicPr>
+          <p:nvPr/>
+        </p:nvPicPr>
+        <p:blipFill>
+          <a:blip r:embed="rId4">
+            <a:extLst>
+              <a:ext uri="{28A0092B-C50C-407E-A947-70E740481C1C}">
+                <a14:useLocalDpi xmlns:a14="http://schemas.microsoft.com/office/drawing/2010/main" val="0"/>
+              </a:ext>
+            </a:extLst>
+          </a:blip>
+          <a:srcRect/>
+          <a:stretch>
+            <a:fillRect/>
+          </a:stretch>
+        </p:blipFill>
+        <p:spPr bwMode="auto">
+          <a:xfrm>
+            <a:off x="2292811" y="5217571"/>
+            <a:ext cx="4139036" cy="1097094"/>
+          </a:xfrm>
+          <a:prstGeom prst="rect">
+            <a:avLst/>
+          </a:prstGeom>
+          <a:noFill/>
+          <a:extLst>
+            <a:ext uri="{909E8E84-426E-40DD-AFC4-6F175D3DCCD1}">
+              <a14:hiddenFill xmlns:a14="http://schemas.microsoft.com/office/drawing/2010/main">
+                <a:solidFill>
+                  <a:srgbClr val="FFFFFF"/>
+                </a:solidFill>
+              </a14:hiddenFill>
+            </a:ext>
+          </a:extLst>
+        </p:spPr>
+      </p:pic>
+      <p:pic>
+        <p:nvPicPr>
+          <p:cNvPr id="6" name="Picture 10" descr="Resultado de imagem para Microsoft AspNetCore Mvc Versioning"/>
+          <p:cNvPicPr>
+            <a:picLocks noChangeAspect="1" noChangeArrowheads="1"/>
+          </p:cNvPicPr>
+          <p:nvPr/>
+        </p:nvPicPr>
+        <p:blipFill>
+          <a:blip r:embed="rId5">
+            <a:extLst>
+              <a:ext uri="{28A0092B-C50C-407E-A947-70E740481C1C}">
+                <a14:useLocalDpi xmlns:a14="http://schemas.microsoft.com/office/drawing/2010/main" val="0"/>
+              </a:ext>
+            </a:extLst>
+          </a:blip>
+          <a:srcRect/>
+          <a:stretch>
+            <a:fillRect/>
+          </a:stretch>
+        </p:blipFill>
+        <p:spPr bwMode="auto">
+          <a:xfrm>
+            <a:off x="7077106" y="5114291"/>
+            <a:ext cx="1303655" cy="1303655"/>
+          </a:xfrm>
+          <a:prstGeom prst="rect">
+            <a:avLst/>
+          </a:prstGeom>
+          <a:noFill/>
+          <a:extLst>
+            <a:ext uri="{909E8E84-426E-40DD-AFC4-6F175D3DCCD1}">
+              <a14:hiddenFill xmlns:a14="http://schemas.microsoft.com/office/drawing/2010/main">
+                <a:solidFill>
+                  <a:srgbClr val="FFFFFF"/>
+                </a:solidFill>
+              </a14:hiddenFill>
+            </a:ext>
+          </a:extLst>
+        </p:spPr>
+      </p:pic>
+      <p:pic>
+        <p:nvPicPr>
+          <p:cNvPr id="7" name="Imagem 6"/>
+          <p:cNvPicPr>
+            <a:picLocks noChangeAspect="1"/>
+          </p:cNvPicPr>
+          <p:nvPr/>
+        </p:nvPicPr>
+        <p:blipFill>
+          <a:blip r:embed="rId6">
+            <a:extLst>
+              <a:ext uri="{28A0092B-C50C-407E-A947-70E740481C1C}">
+                <a14:useLocalDpi xmlns:a14="http://schemas.microsoft.com/office/drawing/2010/main" val="0"/>
+              </a:ext>
+            </a:extLst>
+          </a:blip>
+          <a:stretch>
+            <a:fillRect/>
+          </a:stretch>
+        </p:blipFill>
+        <p:spPr>
+          <a:xfrm>
+            <a:off x="9249540" y="5007167"/>
+            <a:ext cx="2367977" cy="1850833"/>
+          </a:xfrm>
+          <a:prstGeom prst="rect">
+            <a:avLst/>
+          </a:prstGeom>
+        </p:spPr>
+      </p:pic>
+    </p:spTree>
+    <p:extLst>
+      <p:ext uri="{BB962C8B-B14F-4D97-AF65-F5344CB8AC3E}">
+        <p14:creationId xmlns:p14="http://schemas.microsoft.com/office/powerpoint/2010/main" val="44205597"/>
+      </p:ext>
+    </p:extLst>
+  </p:cSld>
+  <p:clrMapOvr>
+    <a:masterClrMapping/>
+  </p:clrMapOvr>
+  <p:timing>
+    <p:tnLst>
+      <p:par>
+        <p:cTn id="1" dur="indefinite" restart="never" nodeType="tmRoot"/>
+      </p:par>
+    </p:tnLst>
+  </p:timing>
+</p:sld>
+</file>
+
+<file path=ppt/slides/slide18.xml><?xml version="1.0" encoding="utf-8"?>
+<p:sld xmlns:a="http://schemas.openxmlformats.org/drawingml/2006/main" xmlns:r="http://schemas.openxmlformats.org/officeDocument/2006/relationships" xmlns:p="http://schemas.openxmlformats.org/presentationml/2006/main">
+  <p:cSld>
+    <p:spTree>
+      <p:nvGrpSpPr>
+        <p:cNvPr id="1" name=""/>
+        <p:cNvGrpSpPr/>
+        <p:nvPr/>
+      </p:nvGrpSpPr>
+      <p:grpSpPr>
+        <a:xfrm>
+          <a:off x="0" y="0"/>
+          <a:ext cx="0" cy="0"/>
+          <a:chOff x="0" y="0"/>
+          <a:chExt cx="0" cy="0"/>
+        </a:xfrm>
+      </p:grpSpPr>
+      <p:sp>
+        <p:nvSpPr>
+          <p:cNvPr id="2" name="Título 1"/>
+          <p:cNvSpPr>
+            <a:spLocks noGrp="1"/>
+          </p:cNvSpPr>
+          <p:nvPr>
+            <p:ph type="title"/>
+          </p:nvPr>
+        </p:nvSpPr>
+        <p:spPr/>
+        <p:txBody>
+          <a:bodyPr/>
+          <a:lstStyle/>
+          <a:p>
+            <a:r>
+              <a:rPr lang="pt-BR" dirty="0" smtClean="0"/>
+              <a:t>Referências</a:t>
+            </a:r>
+            <a:endParaRPr lang="pt-BR" dirty="0"/>
+          </a:p>
+        </p:txBody>
+      </p:sp>
+      <p:sp>
+        <p:nvSpPr>
+          <p:cNvPr id="3" name="Espaço Reservado para Conteúdo 2"/>
+          <p:cNvSpPr>
+            <a:spLocks noGrp="1"/>
+          </p:cNvSpPr>
+          <p:nvPr>
+            <p:ph idx="1"/>
+          </p:nvPr>
+        </p:nvSpPr>
+        <p:spPr/>
+        <p:txBody>
+          <a:bodyPr>
+            <a:normAutofit/>
+          </a:bodyPr>
+          <a:lstStyle/>
+          <a:p>
+            <a:r>
+              <a:rPr lang="pt-BR" dirty="0">
+                <a:hlinkClick r:id="rId2"/>
+              </a:rPr>
+              <a:t>https://</a:t>
+            </a:r>
+            <a:r>
+              <a:rPr lang="pt-BR" dirty="0" smtClean="0">
+                <a:hlinkClick r:id="rId2"/>
+              </a:rPr>
+              <a:t>msdn.microsoft.com/en-us/library/ff384251.aspx</a:t>
+            </a:r>
+            <a:endParaRPr lang="pt-BR" dirty="0" smtClean="0"/>
+          </a:p>
+          <a:p>
+            <a:endParaRPr lang="pt-BR" dirty="0"/>
+          </a:p>
+          <a:p>
+            <a:r>
+              <a:rPr lang="pt-BR" dirty="0">
+                <a:hlinkClick r:id="rId3"/>
+              </a:rPr>
+              <a:t>https://nordicapis.com/introduction-to-api-versioning-best-practices</a:t>
+            </a:r>
+            <a:r>
+              <a:rPr lang="pt-BR" dirty="0" smtClean="0">
+                <a:hlinkClick r:id="rId3"/>
+              </a:rPr>
+              <a:t>/</a:t>
+            </a:r>
+            <a:endParaRPr lang="pt-BR" dirty="0" smtClean="0"/>
+          </a:p>
+          <a:p>
+            <a:endParaRPr lang="pt-BR" dirty="0" smtClean="0"/>
+          </a:p>
+          <a:p>
+            <a:r>
+              <a:rPr lang="pt-BR" dirty="0">
+                <a:hlinkClick r:id="rId4"/>
+              </a:rPr>
+              <a:t>http://</a:t>
+            </a:r>
+            <a:r>
+              <a:rPr lang="pt-BR" dirty="0" smtClean="0">
+                <a:hlinkClick r:id="rId4"/>
+              </a:rPr>
+              <a:t>www.patrickniezen.com/2016/2/11/api-versioning-with-mvc-6</a:t>
+            </a:r>
+            <a:endParaRPr lang="pt-BR" dirty="0" smtClean="0"/>
+          </a:p>
+          <a:p>
+            <a:endParaRPr lang="pt-BR" dirty="0"/>
+          </a:p>
+          <a:p>
+            <a:r>
+              <a:rPr lang="pt-BR" dirty="0">
+                <a:hlinkClick r:id="rId5"/>
+              </a:rPr>
+              <a:t>https://www.troyhunt.com/your-api-versioning-is-wrong-which-is</a:t>
+            </a:r>
+            <a:r>
+              <a:rPr lang="pt-BR" dirty="0" smtClean="0">
+                <a:hlinkClick r:id="rId5"/>
+              </a:rPr>
+              <a:t>/</a:t>
+            </a:r>
+            <a:endParaRPr lang="pt-BR" dirty="0" smtClean="0"/>
+          </a:p>
+          <a:p>
+            <a:endParaRPr lang="pt-BR" dirty="0"/>
+          </a:p>
+          <a:p>
+            <a:r>
+              <a:rPr lang="pt-BR" dirty="0">
+                <a:hlinkClick r:id="rId6"/>
+              </a:rPr>
+              <a:t>https://</a:t>
+            </a:r>
+            <a:r>
+              <a:rPr lang="pt-BR" dirty="0" smtClean="0">
+                <a:hlinkClick r:id="rId6"/>
+              </a:rPr>
+              <a:t>www.youtube.com/watch?v=55oIJuMUnDc</a:t>
+            </a:r>
+            <a:endParaRPr lang="pt-BR" dirty="0" smtClean="0"/>
+          </a:p>
+          <a:p>
+            <a:endParaRPr lang="pt-BR" dirty="0" smtClean="0"/>
+          </a:p>
+          <a:p>
+            <a:endParaRPr lang="pt-BR" dirty="0"/>
+          </a:p>
+        </p:txBody>
+      </p:sp>
+    </p:spTree>
+    <p:extLst>
+      <p:ext uri="{BB962C8B-B14F-4D97-AF65-F5344CB8AC3E}">
+        <p14:creationId xmlns:p14="http://schemas.microsoft.com/office/powerpoint/2010/main" val="807800927"/>
+      </p:ext>
+    </p:extLst>
+  </p:cSld>
+  <p:clrMapOvr>
+    <a:masterClrMapping/>
+  </p:clrMapOvr>
+  <p:timing>
+    <p:tnLst>
+      <p:par>
+        <p:cTn id="1" dur="indefinite" restart="never" nodeType="tmRoot"/>
+      </p:par>
+    </p:tnLst>
+  </p:timing>
+</p:sld>
+</file>
+
+<file path=ppt/slides/slide19.xml><?xml version="1.0" encoding="utf-8"?>
+<p:sld xmlns:a="http://schemas.openxmlformats.org/drawingml/2006/main" xmlns:r="http://schemas.openxmlformats.org/officeDocument/2006/relationships" xmlns:p="http://schemas.openxmlformats.org/presentationml/2006/main">
+  <p:cSld>
+    <p:spTree>
+      <p:nvGrpSpPr>
+        <p:cNvPr id="1" name=""/>
+        <p:cNvGrpSpPr/>
+        <p:nvPr/>
+      </p:nvGrpSpPr>
+      <p:grpSpPr>
+        <a:xfrm>
+          <a:off x="0" y="0"/>
+          <a:ext cx="0" cy="0"/>
+          <a:chOff x="0" y="0"/>
+          <a:chExt cx="0" cy="0"/>
+        </a:xfrm>
+      </p:grpSpPr>
+      <p:sp>
+        <p:nvSpPr>
+          <p:cNvPr id="2" name="Título 1"/>
+          <p:cNvSpPr>
+            <a:spLocks noGrp="1"/>
+          </p:cNvSpPr>
+          <p:nvPr>
+            <p:ph type="title"/>
+          </p:nvPr>
+        </p:nvSpPr>
+        <p:spPr>
+          <a:xfrm>
+            <a:off x="2207568" y="2924944"/>
+            <a:ext cx="8229600" cy="990600"/>
+          </a:xfrm>
+        </p:spPr>
+        <p:txBody>
+          <a:bodyPr>
+            <a:normAutofit/>
+          </a:bodyPr>
+          <a:lstStyle/>
+          <a:p>
+            <a:pPr algn="ctr"/>
+            <a:r>
+              <a:rPr lang="pt-BR" dirty="0" smtClean="0"/>
+              <a:t>Aplicação Multicamadas</a:t>
+            </a:r>
+            <a:endParaRPr lang="pt-BR" dirty="0"/>
+          </a:p>
+        </p:txBody>
+      </p:sp>
+    </p:spTree>
+    <p:extLst>
+      <p:ext uri="{BB962C8B-B14F-4D97-AF65-F5344CB8AC3E}">
+        <p14:creationId xmlns:p14="http://schemas.microsoft.com/office/powerpoint/2010/main" val="3085596334"/>
+      </p:ext>
+    </p:extLst>
+  </p:cSld>
+  <p:clrMapOvr>
+    <a:masterClrMapping/>
+  </p:clrMapOvr>
+  <p:timing>
+    <p:tnLst>
+      <p:par>
+        <p:cTn id="1" dur="indefinite" restart="never" nodeType="tmRoot"/>
+      </p:par>
+    </p:tnLst>
+  </p:timing>
+</p:sld>
+</file>
+
+<file path=ppt/slides/slide2.xml><?xml version="1.0" encoding="utf-8"?>
+<p:sld xmlns:a="http://schemas.openxmlformats.org/drawingml/2006/main" xmlns:r="http://schemas.openxmlformats.org/officeDocument/2006/relationships" xmlns:p="http://schemas.openxmlformats.org/presentationml/2006/main">
+  <p:cSld>
+    <p:spTree>
+      <p:nvGrpSpPr>
+        <p:cNvPr id="1" name=""/>
+        <p:cNvGrpSpPr/>
+        <p:nvPr/>
+      </p:nvGrpSpPr>
+      <p:grpSpPr>
+        <a:xfrm>
+          <a:off x="0" y="0"/>
+          <a:ext cx="0" cy="0"/>
+          <a:chOff x="0" y="0"/>
+          <a:chExt cx="0" cy="0"/>
+        </a:xfrm>
+      </p:grpSpPr>
+      <p:sp>
+        <p:nvSpPr>
+          <p:cNvPr id="2" name="Título 1"/>
+          <p:cNvSpPr>
+            <a:spLocks noGrp="1"/>
+          </p:cNvSpPr>
+          <p:nvPr>
+            <p:ph type="title"/>
+          </p:nvPr>
+        </p:nvSpPr>
+        <p:spPr>
+          <a:xfrm>
+            <a:off x="1209675" y="2609850"/>
+            <a:ext cx="10048875" cy="1629544"/>
+          </a:xfrm>
+        </p:spPr>
+        <p:txBody>
+          <a:bodyPr>
+            <a:normAutofit/>
+          </a:bodyPr>
+          <a:lstStyle/>
+          <a:p>
+            <a:pPr algn="ctr"/>
+            <a:r>
+              <a:rPr lang="pt-BR" dirty="0" smtClean="0"/>
+              <a:t>Seção 02:</a:t>
+            </a:r>
+            <a:br>
+              <a:rPr lang="pt-BR" dirty="0" smtClean="0"/>
+            </a:br>
+            <a:r>
+              <a:rPr lang="pt-BR" dirty="0" smtClean="0"/>
+              <a:t>Fundamentos </a:t>
+            </a:r>
+            <a:r>
+              <a:rPr lang="pt-BR" dirty="0"/>
+              <a:t>Teóricos Do REST</a:t>
+            </a:r>
+            <a:endParaRPr lang="pt-BR" dirty="0"/>
+          </a:p>
+        </p:txBody>
+      </p:sp>
+    </p:spTree>
+    <p:extLst>
+      <p:ext uri="{BB962C8B-B14F-4D97-AF65-F5344CB8AC3E}">
+        <p14:creationId xmlns:p14="http://schemas.microsoft.com/office/powerpoint/2010/main" val="2111950729"/>
+      </p:ext>
+    </p:extLst>
+  </p:cSld>
+  <p:clrMapOvr>
+    <a:masterClrMapping/>
+  </p:clrMapOvr>
+  <p:timing>
+    <p:tnLst>
+      <p:par>
+        <p:cTn id="1" dur="indefinite" restart="never" nodeType="tmRoot"/>
+      </p:par>
+    </p:tnLst>
+  </p:timing>
+</p:sld>
+</file>
+
+<file path=ppt/slides/slide20.xml><?xml version="1.0" encoding="utf-8"?>
+<p:sld xmlns:a="http://schemas.openxmlformats.org/drawingml/2006/main" xmlns:r="http://schemas.openxmlformats.org/officeDocument/2006/relationships" xmlns:p="http://schemas.openxmlformats.org/presentationml/2006/main">
+  <p:cSld>
+    <p:spTree>
+      <p:nvGrpSpPr>
+        <p:cNvPr id="1" name=""/>
+        <p:cNvGrpSpPr/>
+        <p:nvPr/>
+      </p:nvGrpSpPr>
+      <p:grpSpPr>
+        <a:xfrm>
+          <a:off x="0" y="0"/>
+          <a:ext cx="0" cy="0"/>
+          <a:chOff x="0" y="0"/>
+          <a:chExt cx="0" cy="0"/>
+        </a:xfrm>
+      </p:grpSpPr>
+      <p:pic>
+        <p:nvPicPr>
+          <p:cNvPr id="1028" name="Picture 4" descr="D:\ProjetoAulas\RestWithASP-NETUdemy\Documents\Architecture.png"/>
+          <p:cNvPicPr>
+            <a:picLocks noChangeAspect="1" noChangeArrowheads="1"/>
+          </p:cNvPicPr>
+          <p:nvPr/>
+        </p:nvPicPr>
+        <p:blipFill>
+          <a:blip r:embed="rId2">
+            <a:extLst>
+              <a:ext uri="{28A0092B-C50C-407E-A947-70E740481C1C}">
+                <a14:useLocalDpi xmlns:a14="http://schemas.microsoft.com/office/drawing/2010/main" val="0"/>
+              </a:ext>
+            </a:extLst>
+          </a:blip>
+          <a:srcRect/>
+          <a:stretch>
+            <a:fillRect/>
+          </a:stretch>
+        </p:blipFill>
+        <p:spPr bwMode="auto">
+          <a:xfrm>
+            <a:off x="-115747" y="-1419691"/>
+            <a:ext cx="12664867" cy="8409268"/>
+          </a:xfrm>
+          <a:prstGeom prst="rect">
+            <a:avLst/>
+          </a:prstGeom>
+          <a:noFill/>
+          <a:extLst>
+            <a:ext uri="{909E8E84-426E-40DD-AFC4-6F175D3DCCD1}">
+              <a14:hiddenFill xmlns:a14="http://schemas.microsoft.com/office/drawing/2010/main">
+                <a:solidFill>
+                  <a:srgbClr val="FFFFFF"/>
+                </a:solidFill>
+              </a14:hiddenFill>
+            </a:ext>
+          </a:extLst>
+        </p:spPr>
+      </p:pic>
+    </p:spTree>
+    <p:extLst>
+      <p:ext uri="{BB962C8B-B14F-4D97-AF65-F5344CB8AC3E}">
+        <p14:creationId xmlns:p14="http://schemas.microsoft.com/office/powerpoint/2010/main" val="144656954"/>
+      </p:ext>
+    </p:extLst>
+  </p:cSld>
+  <p:clrMapOvr>
+    <a:masterClrMapping/>
+  </p:clrMapOvr>
+  <p:timing>
+    <p:tnLst>
+      <p:par>
+        <p:cTn id="1" dur="indefinite" restart="never" nodeType="tmRoot"/>
+      </p:par>
+    </p:tnLst>
+  </p:timing>
+</p:sld>
+</file>
+
+<file path=ppt/slides/slide21.xml><?xml version="1.0" encoding="utf-8"?>
+<p:sld xmlns:a="http://schemas.openxmlformats.org/drawingml/2006/main" xmlns:r="http://schemas.openxmlformats.org/officeDocument/2006/relationships" xmlns:p="http://schemas.openxmlformats.org/presentationml/2006/main">
+  <p:cSld>
+    <p:spTree>
+      <p:nvGrpSpPr>
+        <p:cNvPr id="1" name=""/>
+        <p:cNvGrpSpPr/>
+        <p:nvPr/>
+      </p:nvGrpSpPr>
+      <p:grpSpPr>
+        <a:xfrm>
+          <a:off x="0" y="0"/>
+          <a:ext cx="0" cy="0"/>
+          <a:chOff x="0" y="0"/>
+          <a:chExt cx="0" cy="0"/>
+        </a:xfrm>
+      </p:grpSpPr>
+      <p:sp>
+        <p:nvSpPr>
+          <p:cNvPr id="2" name="Título 1"/>
+          <p:cNvSpPr>
+            <a:spLocks noGrp="1"/>
+          </p:cNvSpPr>
+          <p:nvPr>
+            <p:ph type="title"/>
+          </p:nvPr>
+        </p:nvSpPr>
+        <p:spPr/>
+        <p:txBody>
+          <a:bodyPr/>
+          <a:lstStyle/>
+          <a:p>
+            <a:r>
+              <a:rPr lang="pt-BR" dirty="0" smtClean="0"/>
+              <a:t>Referências</a:t>
+            </a:r>
+            <a:endParaRPr lang="pt-BR" dirty="0"/>
+          </a:p>
+        </p:txBody>
+      </p:sp>
+      <p:sp>
+        <p:nvSpPr>
+          <p:cNvPr id="3" name="Espaço Reservado para Conteúdo 2"/>
+          <p:cNvSpPr>
+            <a:spLocks noGrp="1"/>
+          </p:cNvSpPr>
+          <p:nvPr>
+            <p:ph idx="1"/>
+          </p:nvPr>
+        </p:nvSpPr>
+        <p:spPr/>
+        <p:txBody>
+          <a:bodyPr>
+            <a:normAutofit/>
+          </a:bodyPr>
+          <a:lstStyle/>
+          <a:p>
+            <a:r>
+              <a:rPr lang="pt-BR" dirty="0">
+                <a:hlinkClick r:id="rId2"/>
+              </a:rPr>
+              <a:t>https://</a:t>
+            </a:r>
+            <a:r>
+              <a:rPr lang="pt-BR" dirty="0" smtClean="0">
+                <a:hlinkClick r:id="rId2"/>
+              </a:rPr>
+              <a:t>martinfowler.com/bliki/PresentationDomainDataLayering.html</a:t>
+            </a:r>
+            <a:endParaRPr lang="pt-BR" dirty="0" smtClean="0"/>
+          </a:p>
+          <a:p>
+            <a:endParaRPr lang="pt-BR" dirty="0"/>
+          </a:p>
+          <a:p>
+            <a:r>
+              <a:rPr lang="pt-BR" dirty="0">
+                <a:hlinkClick r:id="rId3"/>
+              </a:rPr>
+              <a:t>https://</a:t>
+            </a:r>
+            <a:r>
+              <a:rPr lang="pt-BR" dirty="0" smtClean="0">
+                <a:hlinkClick r:id="rId3"/>
+              </a:rPr>
+              <a:t>msdn.microsoft.com/en-us/library/ee658109.aspx</a:t>
+            </a:r>
+            <a:endParaRPr lang="pt-BR" dirty="0" smtClean="0"/>
+          </a:p>
+          <a:p>
+            <a:endParaRPr lang="pt-BR" dirty="0"/>
+          </a:p>
+          <a:p>
+            <a:r>
+              <a:rPr lang="pt-BR" dirty="0">
+                <a:hlinkClick r:id="rId4"/>
+              </a:rPr>
+              <a:t>https://</a:t>
+            </a:r>
+            <a:r>
+              <a:rPr lang="pt-BR" dirty="0" smtClean="0">
+                <a:hlinkClick r:id="rId4"/>
+              </a:rPr>
+              <a:t>msdn.microsoft.com/en-us/library/ff648105.aspx</a:t>
+            </a:r>
+            <a:endParaRPr lang="pt-BR" dirty="0" smtClean="0"/>
+          </a:p>
+          <a:p>
+            <a:endParaRPr lang="pt-BR" dirty="0"/>
+          </a:p>
+          <a:p>
+            <a:r>
+              <a:rPr lang="pt-BR" dirty="0">
+                <a:hlinkClick r:id="rId5"/>
+              </a:rPr>
+              <a:t>https://</a:t>
+            </a:r>
+            <a:r>
+              <a:rPr lang="pt-BR" dirty="0" smtClean="0">
+                <a:hlinkClick r:id="rId5"/>
+              </a:rPr>
+              <a:t>en.wikipedia.org/wiki/Multitier_architecture</a:t>
+            </a:r>
+            <a:endParaRPr lang="pt-BR" dirty="0" smtClean="0"/>
+          </a:p>
+          <a:p>
+            <a:endParaRPr lang="pt-BR" dirty="0"/>
+          </a:p>
+          <a:p>
+            <a:r>
+              <a:rPr lang="pt-BR" dirty="0">
+                <a:hlinkClick r:id="rId6"/>
+              </a:rPr>
+              <a:t>https://</a:t>
+            </a:r>
+            <a:r>
+              <a:rPr lang="pt-BR" dirty="0" smtClean="0">
+                <a:hlinkClick r:id="rId6"/>
+              </a:rPr>
+              <a:t>www.linkedin.com/learning/practical-application-architecture-with-entity-framework-core/multi-layer-applications</a:t>
+            </a:r>
+            <a:endParaRPr lang="pt-BR" dirty="0" smtClean="0"/>
+          </a:p>
+          <a:p>
+            <a:endParaRPr lang="pt-BR" dirty="0" smtClean="0"/>
+          </a:p>
+          <a:p>
+            <a:endParaRPr lang="pt-BR" dirty="0"/>
+          </a:p>
+        </p:txBody>
+      </p:sp>
+    </p:spTree>
+    <p:extLst>
+      <p:ext uri="{BB962C8B-B14F-4D97-AF65-F5344CB8AC3E}">
+        <p14:creationId xmlns:p14="http://schemas.microsoft.com/office/powerpoint/2010/main" val="1498052144"/>
+      </p:ext>
+    </p:extLst>
+  </p:cSld>
+  <p:clrMapOvr>
+    <a:masterClrMapping/>
+  </p:clrMapOvr>
+  <p:timing>
+    <p:tnLst>
+      <p:par>
+        <p:cTn id="1" dur="indefinite" restart="never" nodeType="tmRoot"/>
+      </p:par>
+    </p:tnLst>
+  </p:timing>
+</p:sld>
+</file>
+
+<file path=ppt/slides/slide22.xml><?xml version="1.0" encoding="utf-8"?>
+<p:sld xmlns:a="http://schemas.openxmlformats.org/drawingml/2006/main" xmlns:r="http://schemas.openxmlformats.org/officeDocument/2006/relationships" xmlns:p="http://schemas.openxmlformats.org/presentationml/2006/main">
+  <p:cSld>
+    <p:spTree>
+      <p:nvGrpSpPr>
+        <p:cNvPr id="1" name=""/>
+        <p:cNvGrpSpPr/>
+        <p:nvPr/>
+      </p:nvGrpSpPr>
+      <p:grpSpPr>
+        <a:xfrm>
+          <a:off x="0" y="0"/>
+          <a:ext cx="0" cy="0"/>
+          <a:chOff x="0" y="0"/>
+          <a:chExt cx="0" cy="0"/>
+        </a:xfrm>
+      </p:grpSpPr>
+      <p:sp>
+        <p:nvSpPr>
+          <p:cNvPr id="2" name="Título 1"/>
+          <p:cNvSpPr>
+            <a:spLocks noGrp="1"/>
+          </p:cNvSpPr>
+          <p:nvPr>
+            <p:ph type="title"/>
+          </p:nvPr>
+        </p:nvSpPr>
+        <p:spPr>
+          <a:xfrm>
+            <a:off x="2207568" y="2924944"/>
+            <a:ext cx="8229600" cy="990600"/>
+          </a:xfrm>
+        </p:spPr>
+        <p:txBody>
+          <a:bodyPr>
+            <a:normAutofit/>
+          </a:bodyPr>
+          <a:lstStyle/>
+          <a:p>
+            <a:pPr algn="ctr"/>
+            <a:r>
+              <a:rPr lang="pt-BR" dirty="0" smtClean="0"/>
+              <a:t>O Padrão de Projetos </a:t>
+            </a:r>
+            <a:r>
+              <a:rPr lang="pt-BR" dirty="0" err="1" smtClean="0"/>
+              <a:t>Repository</a:t>
+            </a:r>
+            <a:endParaRPr lang="pt-BR" dirty="0"/>
+          </a:p>
+        </p:txBody>
+      </p:sp>
+    </p:spTree>
+    <p:extLst>
+      <p:ext uri="{BB962C8B-B14F-4D97-AF65-F5344CB8AC3E}">
+        <p14:creationId xmlns:p14="http://schemas.microsoft.com/office/powerpoint/2010/main" val="2100092951"/>
+      </p:ext>
+    </p:extLst>
+  </p:cSld>
+  <p:clrMapOvr>
+    <a:masterClrMapping/>
+  </p:clrMapOvr>
+  <p:timing>
+    <p:tnLst>
+      <p:par>
+        <p:cTn id="1" dur="indefinite" restart="never" nodeType="tmRoot"/>
+      </p:par>
+    </p:tnLst>
+  </p:timing>
+</p:sld>
+</file>
+
+<file path=ppt/slides/slide23.xml><?xml version="1.0" encoding="utf-8"?>
+<p:sld xmlns:a="http://schemas.openxmlformats.org/drawingml/2006/main" xmlns:r="http://schemas.openxmlformats.org/officeDocument/2006/relationships" xmlns:p="http://schemas.openxmlformats.org/presentationml/2006/main">
+  <p:cSld>
+    <p:spTree>
+      <p:nvGrpSpPr>
+        <p:cNvPr id="1" name=""/>
+        <p:cNvGrpSpPr/>
+        <p:nvPr/>
+      </p:nvGrpSpPr>
+      <p:grpSpPr>
+        <a:xfrm>
+          <a:off x="0" y="0"/>
+          <a:ext cx="0" cy="0"/>
+          <a:chOff x="0" y="0"/>
+          <a:chExt cx="0" cy="0"/>
+        </a:xfrm>
+      </p:grpSpPr>
+      <p:pic>
+        <p:nvPicPr>
+          <p:cNvPr id="1026" name="Picture 2" descr="Repository Pattern"/>
+          <p:cNvPicPr>
+            <a:picLocks noChangeAspect="1" noChangeArrowheads="1"/>
+          </p:cNvPicPr>
+          <p:nvPr/>
+        </p:nvPicPr>
+        <p:blipFill>
+          <a:blip r:embed="rId2">
+            <a:extLst>
+              <a:ext uri="{28A0092B-C50C-407E-A947-70E740481C1C}">
+                <a14:useLocalDpi xmlns:a14="http://schemas.microsoft.com/office/drawing/2010/main" val="0"/>
+              </a:ext>
+            </a:extLst>
+          </a:blip>
+          <a:srcRect/>
+          <a:stretch>
+            <a:fillRect/>
+          </a:stretch>
+        </p:blipFill>
+        <p:spPr bwMode="auto">
+          <a:xfrm>
+            <a:off x="1646863" y="859862"/>
+            <a:ext cx="7466344" cy="5102003"/>
+          </a:xfrm>
+          <a:prstGeom prst="rect">
+            <a:avLst/>
+          </a:prstGeom>
+          <a:noFill/>
+          <a:extLst>
+            <a:ext uri="{909E8E84-426E-40DD-AFC4-6F175D3DCCD1}">
+              <a14:hiddenFill xmlns:a14="http://schemas.microsoft.com/office/drawing/2010/main">
+                <a:solidFill>
+                  <a:srgbClr val="FFFFFF"/>
+                </a:solidFill>
+              </a14:hiddenFill>
+            </a:ext>
+          </a:extLst>
+        </p:spPr>
+      </p:pic>
+    </p:spTree>
+    <p:extLst>
+      <p:ext uri="{BB962C8B-B14F-4D97-AF65-F5344CB8AC3E}">
+        <p14:creationId xmlns:p14="http://schemas.microsoft.com/office/powerpoint/2010/main" val="3861130617"/>
+      </p:ext>
+    </p:extLst>
+  </p:cSld>
+  <p:clrMapOvr>
+    <a:masterClrMapping/>
+  </p:clrMapOvr>
+  <p:timing>
+    <p:tnLst>
+      <p:par>
+        <p:cTn id="1" dur="indefinite" restart="never" nodeType="tmRoot"/>
+      </p:par>
+    </p:tnLst>
+  </p:timing>
+</p:sld>
+</file>
+
+<file path=ppt/slides/slide24.xml><?xml version="1.0" encoding="utf-8"?>
+<p:sld xmlns:a="http://schemas.openxmlformats.org/drawingml/2006/main" xmlns:r="http://schemas.openxmlformats.org/officeDocument/2006/relationships" xmlns:p="http://schemas.openxmlformats.org/presentationml/2006/main">
+  <p:cSld>
+    <p:spTree>
+      <p:nvGrpSpPr>
+        <p:cNvPr id="1" name=""/>
+        <p:cNvGrpSpPr/>
+        <p:nvPr/>
+      </p:nvGrpSpPr>
+      <p:grpSpPr>
+        <a:xfrm>
+          <a:off x="0" y="0"/>
+          <a:ext cx="0" cy="0"/>
+          <a:chOff x="0" y="0"/>
+          <a:chExt cx="0" cy="0"/>
+        </a:xfrm>
+      </p:grpSpPr>
+      <p:sp>
+        <p:nvSpPr>
+          <p:cNvPr id="2" name="Título 1"/>
+          <p:cNvSpPr>
+            <a:spLocks noGrp="1"/>
+          </p:cNvSpPr>
+          <p:nvPr>
+            <p:ph type="title"/>
+          </p:nvPr>
+        </p:nvSpPr>
+        <p:spPr>
+          <a:xfrm>
             <a:off x="2207568" y="2924944"/>
             <a:ext cx="8229600" cy="990600"/>
           </a:xfrm>
@@ -5925,7 +7975,7 @@
 </p:sld>
 </file>
 
-<file path=ppt/slides/slide11.xml><?xml version="1.0" encoding="utf-8"?>
+<file path=ppt/slides/slide25.xml><?xml version="1.0" encoding="utf-8"?>
 <p:sld xmlns:a="http://schemas.openxmlformats.org/drawingml/2006/main" xmlns:r="http://schemas.openxmlformats.org/officeDocument/2006/relationships" xmlns:p="http://schemas.openxmlformats.org/presentationml/2006/main">
   <p:cSld>
     <p:spTree>
@@ -6003,7 +8053,7 @@
 </p:sld>
 </file>
 
-<file path=ppt/slides/slide12.xml><?xml version="1.0" encoding="utf-8"?>
+<file path=ppt/slides/slide26.xml><?xml version="1.0" encoding="utf-8"?>
 <p:sld xmlns:a="http://schemas.openxmlformats.org/drawingml/2006/main" xmlns:r="http://schemas.openxmlformats.org/officeDocument/2006/relationships" xmlns:p="http://schemas.openxmlformats.org/presentationml/2006/main">
   <p:cSld>
     <p:spTree>
@@ -6088,7 +8138,7 @@
 </p:sld>
 </file>
 
-<file path=ppt/slides/slide13.xml><?xml version="1.0" encoding="utf-8"?>
+<file path=ppt/slides/slide27.xml><?xml version="1.0" encoding="utf-8"?>
 <p:sld xmlns:a="http://schemas.openxmlformats.org/drawingml/2006/main" xmlns:r="http://schemas.openxmlformats.org/officeDocument/2006/relationships" xmlns:p="http://schemas.openxmlformats.org/presentationml/2006/main">
   <p:cSld>
     <p:spTree>
@@ -6259,7 +8309,7 @@
 </p:sld>
 </file>
 
-<file path=ppt/slides/slide14.xml><?xml version="1.0" encoding="utf-8"?>
+<file path=ppt/slides/slide28.xml><?xml version="1.0" encoding="utf-8"?>
 <p:sld xmlns:a="http://schemas.openxmlformats.org/drawingml/2006/main" xmlns:r="http://schemas.openxmlformats.org/officeDocument/2006/relationships" xmlns:p="http://schemas.openxmlformats.org/presentationml/2006/main">
   <p:cSld>
     <p:spTree>
@@ -6339,7 +8389,7 @@
 </p:sld>
 </file>
 
-<file path=ppt/slides/slide15.xml><?xml version="1.0" encoding="utf-8"?>
+<file path=ppt/slides/slide29.xml><?xml version="1.0" encoding="utf-8"?>
 <p:sld xmlns:a="http://schemas.openxmlformats.org/drawingml/2006/main" xmlns:r="http://schemas.openxmlformats.org/officeDocument/2006/relationships" xmlns:p="http://schemas.openxmlformats.org/presentationml/2006/main">
   <p:cSld>
     <p:spTree>
@@ -6417,321 +8467,8 @@
 </p:sld>
 </file>
 
-<file path=ppt/slides/slide16.xml><?xml version="1.0" encoding="utf-8"?>
-<p:sld xmlns:a="http://schemas.openxmlformats.org/drawingml/2006/main" xmlns:r="http://schemas.openxmlformats.org/officeDocument/2006/relationships" xmlns:p="http://schemas.openxmlformats.org/presentationml/2006/main">
-  <p:cSld>
-    <p:spTree>
-      <p:nvGrpSpPr>
-        <p:cNvPr id="1" name=""/>
-        <p:cNvGrpSpPr/>
-        <p:nvPr/>
-      </p:nvGrpSpPr>
-      <p:grpSpPr>
-        <a:xfrm>
-          <a:off x="0" y="0"/>
-          <a:ext cx="0" cy="0"/>
-          <a:chOff x="0" y="0"/>
-          <a:chExt cx="0" cy="0"/>
-        </a:xfrm>
-      </p:grpSpPr>
-      <p:sp>
-        <p:nvSpPr>
-          <p:cNvPr id="2" name="Título 1"/>
-          <p:cNvSpPr>
-            <a:spLocks noGrp="1"/>
-          </p:cNvSpPr>
-          <p:nvPr>
-            <p:ph type="title"/>
-          </p:nvPr>
-        </p:nvSpPr>
-        <p:spPr/>
-        <p:txBody>
-          <a:bodyPr/>
-          <a:lstStyle/>
-          <a:p>
-            <a:r>
-              <a:rPr lang="pt-BR" dirty="0" smtClean="0"/>
-              <a:t>Referências</a:t>
-            </a:r>
-            <a:endParaRPr lang="pt-BR" dirty="0"/>
-          </a:p>
-        </p:txBody>
-      </p:sp>
-      <p:sp>
-        <p:nvSpPr>
-          <p:cNvPr id="3" name="Espaço Reservado para Conteúdo 2"/>
-          <p:cNvSpPr>
-            <a:spLocks noGrp="1"/>
-          </p:cNvSpPr>
-          <p:nvPr>
-            <p:ph idx="1"/>
-          </p:nvPr>
-        </p:nvSpPr>
-        <p:spPr/>
-        <p:txBody>
-          <a:bodyPr>
-            <a:normAutofit fontScale="70000" lnSpcReduction="20000"/>
-          </a:bodyPr>
-          <a:lstStyle/>
-          <a:p>
-            <a:r>
-              <a:rPr lang="pt-BR" dirty="0">
-                <a:hlinkClick r:id="rId2"/>
-              </a:rPr>
-              <a:t>https://martinfowler.com/bliki/ValueObject.html</a:t>
-            </a:r>
-            <a:endParaRPr lang="pt-BR" dirty="0" smtClean="0">
-              <a:hlinkClick r:id="rId2"/>
-            </a:endParaRPr>
-          </a:p>
-          <a:p>
-            <a:endParaRPr lang="pt-BR" dirty="0">
-              <a:hlinkClick r:id="rId2"/>
-            </a:endParaRPr>
-          </a:p>
-          <a:p>
-            <a:r>
-              <a:rPr lang="pt-BR" dirty="0" smtClean="0">
-                <a:hlinkClick r:id="rId2"/>
-              </a:rPr>
-              <a:t>https</a:t>
-            </a:r>
-            <a:r>
-              <a:rPr lang="pt-BR" dirty="0">
-                <a:hlinkClick r:id="rId2"/>
-              </a:rPr>
-              <a:t>://</a:t>
-            </a:r>
-            <a:r>
-              <a:rPr lang="pt-BR" dirty="0" smtClean="0">
-                <a:hlinkClick r:id="rId2"/>
-              </a:rPr>
-              <a:t>www.codeadventure.com/blog/why-you-should-use-value-objects</a:t>
-            </a:r>
-            <a:endParaRPr lang="pt-BR" dirty="0" smtClean="0"/>
-          </a:p>
-          <a:p>
-            <a:endParaRPr lang="pt-BR" dirty="0"/>
-          </a:p>
-          <a:p>
-            <a:r>
-              <a:rPr lang="pt-BR" dirty="0">
-                <a:hlinkClick r:id="rId3"/>
-              </a:rPr>
-              <a:t>https://</a:t>
-            </a:r>
-            <a:r>
-              <a:rPr lang="pt-BR" dirty="0" smtClean="0">
-                <a:hlinkClick r:id="rId3"/>
-              </a:rPr>
-              <a:t>www.devmedia.com.br/diferenca-entre-os-patterns-po-pojo-bo-dto-e-vo/28162</a:t>
-            </a:r>
-            <a:endParaRPr lang="pt-BR" dirty="0" smtClean="0"/>
-          </a:p>
-          <a:p>
-            <a:endParaRPr lang="pt-BR" dirty="0"/>
-          </a:p>
-          <a:p>
-            <a:r>
-              <a:rPr lang="pt-BR" dirty="0">
-                <a:hlinkClick r:id="rId4"/>
-              </a:rPr>
-              <a:t>https://</a:t>
-            </a:r>
-            <a:r>
-              <a:rPr lang="pt-BR" dirty="0" smtClean="0">
-                <a:hlinkClick r:id="rId4"/>
-              </a:rPr>
-              <a:t>imasters.com.br/artigo/7293/linguagens/padroes-de-projeto-value-object?trace=1519021197</a:t>
-            </a:r>
-            <a:endParaRPr lang="pt-BR" dirty="0" smtClean="0"/>
-          </a:p>
-          <a:p>
-            <a:endParaRPr lang="pt-BR" dirty="0" smtClean="0"/>
-          </a:p>
-          <a:p>
-            <a:r>
-              <a:rPr lang="en-US" dirty="0"/>
-              <a:t>[Generic Repository and Unit of Work Pattern, Entity Framework, Unit Testing, </a:t>
-            </a:r>
-            <a:r>
-              <a:rPr lang="en-US" dirty="0" err="1"/>
-              <a:t>Autofac</a:t>
-            </a:r>
-            <a:r>
-              <a:rPr lang="en-US" dirty="0"/>
-              <a:t> </a:t>
-            </a:r>
-            <a:r>
-              <a:rPr lang="en-US" dirty="0" err="1"/>
-              <a:t>IoC</a:t>
-            </a:r>
-            <a:r>
-              <a:rPr lang="en-US" dirty="0"/>
-              <a:t> Container and ASP.NET MVC](</a:t>
-            </a:r>
-            <a:r>
-              <a:rPr lang="en-US" dirty="0">
-                <a:hlinkClick r:id="rId5"/>
-              </a:rPr>
-              <a:t>https://techbrij.com/generic-repository-unit-of-work-entity-framework-unit-testing-asp-net-mvc</a:t>
-            </a:r>
-            <a:r>
-              <a:rPr lang="en-US" dirty="0" smtClean="0"/>
-              <a:t>)</a:t>
-            </a:r>
-          </a:p>
-          <a:p>
-            <a:r>
-              <a:rPr lang="en-US" dirty="0" smtClean="0"/>
-              <a:t>[</a:t>
-            </a:r>
-            <a:r>
-              <a:rPr lang="en-US" dirty="0"/>
-              <a:t>HATEOAS](</a:t>
-            </a:r>
-            <a:r>
-              <a:rPr lang="en-US" dirty="0">
-                <a:hlinkClick r:id="rId6"/>
-              </a:rPr>
-              <a:t>https://</a:t>
-            </a:r>
-            <a:r>
-              <a:rPr lang="en-US">
-                <a:hlinkClick r:id="rId6"/>
-              </a:rPr>
-              <a:t>shatzisblog.wordpress.com/2017/09/01/generating-hypermedia-links-for-an-asp-net-core-web-api</a:t>
-            </a:r>
-            <a:r>
-              <a:rPr lang="en-US" smtClean="0">
-                <a:hlinkClick r:id="rId6"/>
-              </a:rPr>
-              <a:t>/</a:t>
-            </a:r>
-            <a:r>
-              <a:rPr lang="en-US" smtClean="0"/>
-              <a:t>)</a:t>
-            </a:r>
-            <a:endParaRPr lang="en-US" dirty="0"/>
-          </a:p>
-          <a:p>
-            <a:r>
-              <a:rPr lang="en-US" dirty="0"/>
-              <a:t>[Pragmatic REST: APIs without hypermedia and HATEOAS](</a:t>
-            </a:r>
-            <a:r>
-              <a:rPr lang="en-US" dirty="0">
-                <a:hlinkClick r:id="rId7"/>
-              </a:rPr>
-              <a:t>http://www.ben-morris.com/pragmatic-rest-apis-without-hypermedia-and-hateoas</a:t>
-            </a:r>
-            <a:r>
-              <a:rPr lang="en-US" dirty="0" smtClean="0">
-                <a:hlinkClick r:id="rId7"/>
-              </a:rPr>
-              <a:t>/</a:t>
-            </a:r>
-            <a:r>
-              <a:rPr lang="en-US" dirty="0" smtClean="0"/>
-              <a:t>)</a:t>
-            </a:r>
-          </a:p>
-        </p:txBody>
-      </p:sp>
-    </p:spTree>
-    <p:extLst>
-      <p:ext uri="{BB962C8B-B14F-4D97-AF65-F5344CB8AC3E}">
-        <p14:creationId xmlns:p14="http://schemas.microsoft.com/office/powerpoint/2010/main" val="57151941"/>
-      </p:ext>
-    </p:extLst>
-  </p:cSld>
-  <p:clrMapOvr>
-    <a:masterClrMapping/>
-  </p:clrMapOvr>
-  <p:timing>
-    <p:tnLst>
-      <p:par>
-        <p:cTn id="1" dur="indefinite" restart="never" nodeType="tmRoot"/>
-      </p:par>
-    </p:tnLst>
-  </p:timing>
-</p:sld>
-</file>
-
-<file path=ppt/slides/slide2.xml><?xml version="1.0" encoding="utf-8"?>
-<p:sld xmlns:a="http://schemas.openxmlformats.org/drawingml/2006/main" xmlns:r="http://schemas.openxmlformats.org/officeDocument/2006/relationships" xmlns:p="http://schemas.openxmlformats.org/presentationml/2006/main">
-  <p:cSld>
-    <p:spTree>
-      <p:nvGrpSpPr>
-        <p:cNvPr id="1" name=""/>
-        <p:cNvGrpSpPr/>
-        <p:nvPr/>
-      </p:nvGrpSpPr>
-      <p:grpSpPr>
-        <a:xfrm>
-          <a:off x="0" y="0"/>
-          <a:ext cx="0" cy="0"/>
-          <a:chOff x="0" y="0"/>
-          <a:chExt cx="0" cy="0"/>
-        </a:xfrm>
-      </p:grpSpPr>
-      <p:sp>
-        <p:nvSpPr>
-          <p:cNvPr id="2" name="Título 1"/>
-          <p:cNvSpPr>
-            <a:spLocks noGrp="1"/>
-          </p:cNvSpPr>
-          <p:nvPr>
-            <p:ph type="title"/>
-          </p:nvPr>
-        </p:nvSpPr>
-        <p:spPr>
-          <a:xfrm>
-            <a:off x="2207568" y="2924944"/>
-            <a:ext cx="8229600" cy="990600"/>
-          </a:xfrm>
-        </p:spPr>
-        <p:txBody>
-          <a:bodyPr>
-            <a:normAutofit/>
-          </a:bodyPr>
-          <a:lstStyle/>
-          <a:p>
-            <a:pPr algn="ctr"/>
-            <a:r>
-              <a:rPr lang="pt-BR" dirty="0"/>
-              <a:t>Versionamento de </a:t>
-            </a:r>
-            <a:r>
-              <a:rPr lang="pt-BR" dirty="0" err="1"/>
-              <a:t>API’s</a:t>
-            </a:r>
-            <a:endParaRPr lang="pt-BR" dirty="0"/>
-          </a:p>
-        </p:txBody>
-      </p:sp>
-    </p:spTree>
-    <p:extLst>
-      <p:ext uri="{BB962C8B-B14F-4D97-AF65-F5344CB8AC3E}">
-        <p14:creationId xmlns:p14="http://schemas.microsoft.com/office/powerpoint/2010/main" val="2111950729"/>
-      </p:ext>
-    </p:extLst>
-  </p:cSld>
-  <p:clrMapOvr>
-    <a:masterClrMapping/>
-  </p:clrMapOvr>
-  <p:timing>
-    <p:tnLst>
-      <p:par>
-        <p:cTn id="1" dur="indefinite" restart="never" nodeType="tmRoot"/>
-      </p:par>
-    </p:tnLst>
-  </p:timing>
-</p:sld>
-</file>
-
 <file path=ppt/slides/slide3.xml><?xml version="1.0" encoding="utf-8"?>
-<p:sld xmlns:a="http://schemas.openxmlformats.org/drawingml/2006/main" xmlns:r="http://schemas.openxmlformats.org/officeDocument/2006/relationships" xmlns:p="http://schemas.openxmlformats.org/presentationml/2006/main">
+<p:sld xmlns:a="http://schemas.openxmlformats.org/drawingml/2006/main" xmlns:r="http://schemas.openxmlformats.org/officeDocument/2006/relationships" xmlns:p="http://schemas.openxmlformats.org/presentationml/2006/main" showMasterSp="0">
   <p:cSld>
     <p:spTree>
       <p:nvGrpSpPr>
@@ -6749,14 +8486,113 @@
       </p:grpSpPr>
       <p:pic>
         <p:nvPicPr>
-          <p:cNvPr id="2050" name="Picture 2" descr="Resultado de imagem para api versioning strategy"/>
+          <p:cNvPr id="1026" name="Picture 2" descr="Resultado de imagem para webservices"/>
+          <p:cNvPicPr>
+            <a:picLocks noChangeAspect="1" noChangeArrowheads="1"/>
+          </p:cNvPicPr>
+          <p:nvPr/>
+        </p:nvPicPr>
+        <p:blipFill rotWithShape="1">
+          <a:blip r:embed="rId2">
+            <a:extLst>
+              <a:ext uri="{28A0092B-C50C-407E-A947-70E740481C1C}">
+                <a14:useLocalDpi xmlns:a14="http://schemas.microsoft.com/office/drawing/2010/main" val="0"/>
+              </a:ext>
+            </a:extLst>
+          </a:blip>
+          <a:srcRect r="41297"/>
+          <a:stretch/>
+        </p:blipFill>
+        <p:spPr bwMode="auto">
+          <a:xfrm>
+            <a:off x="4248149" y="595329"/>
+            <a:ext cx="4251326" cy="4073629"/>
+          </a:xfrm>
+          <a:prstGeom prst="rect">
+            <a:avLst/>
+          </a:prstGeom>
+          <a:noFill/>
+          <a:extLst>
+            <a:ext uri="{909E8E84-426E-40DD-AFC4-6F175D3DCCD1}">
+              <a14:hiddenFill xmlns:a14="http://schemas.microsoft.com/office/drawing/2010/main">
+                <a:solidFill>
+                  <a:srgbClr val="FFFFFF"/>
+                </a:solidFill>
+              </a14:hiddenFill>
+            </a:ext>
+          </a:extLst>
+        </p:spPr>
+      </p:pic>
+      <p:pic>
+        <p:nvPicPr>
+          <p:cNvPr id="2" name="Imagem 1"/>
+          <p:cNvPicPr>
+            <a:picLocks noChangeAspect="1"/>
+          </p:cNvPicPr>
+          <p:nvPr/>
+        </p:nvPicPr>
+        <p:blipFill>
+          <a:blip r:embed="rId3">
+            <a:extLst>
+              <a:ext uri="{28A0092B-C50C-407E-A947-70E740481C1C}">
+                <a14:useLocalDpi xmlns:a14="http://schemas.microsoft.com/office/drawing/2010/main" val="0"/>
+              </a:ext>
+            </a:extLst>
+          </a:blip>
+          <a:stretch>
+            <a:fillRect/>
+          </a:stretch>
+        </p:blipFill>
+        <p:spPr>
+          <a:xfrm>
+            <a:off x="10646073" y="5323553"/>
+            <a:ext cx="1247840" cy="1247840"/>
+          </a:xfrm>
+          <a:prstGeom prst="rect">
+            <a:avLst/>
+          </a:prstGeom>
+        </p:spPr>
+      </p:pic>
+      <p:pic>
+        <p:nvPicPr>
+          <p:cNvPr id="6" name="Imagem 5"/>
+          <p:cNvPicPr>
+            <a:picLocks noChangeAspect="1"/>
+          </p:cNvPicPr>
+          <p:nvPr/>
+        </p:nvPicPr>
+        <p:blipFill>
+          <a:blip r:embed="rId4">
+            <a:extLst>
+              <a:ext uri="{28A0092B-C50C-407E-A947-70E740481C1C}">
+                <a14:useLocalDpi xmlns:a14="http://schemas.microsoft.com/office/drawing/2010/main" val="0"/>
+              </a:ext>
+            </a:extLst>
+          </a:blip>
+          <a:stretch>
+            <a:fillRect/>
+          </a:stretch>
+        </p:blipFill>
+        <p:spPr>
+          <a:xfrm>
+            <a:off x="115700" y="5007167"/>
+            <a:ext cx="2367977" cy="1850833"/>
+          </a:xfrm>
+          <a:prstGeom prst="rect">
+            <a:avLst/>
+          </a:prstGeom>
+        </p:spPr>
+      </p:pic>
+      <p:pic>
+        <p:nvPicPr>
+          <p:cNvPr id="1028" name="Picture 4" descr="Resultado de imagem para HATEOAS"/>
           <p:cNvPicPr>
             <a:picLocks noChangeAspect="1" noChangeArrowheads="1"/>
           </p:cNvPicPr>
           <p:nvPr/>
         </p:nvPicPr>
         <p:blipFill>
-          <a:blip r:embed="rId2">
+          <a:blip r:embed="rId5">
             <a:extLst>
               <a:ext uri="{28A0092B-C50C-407E-A947-70E740481C1C}">
                 <a14:useLocalDpi xmlns:a14="http://schemas.microsoft.com/office/drawing/2010/main" val="0"/>
@@ -6770,8 +8606,8 @@
         </p:blipFill>
         <p:spPr bwMode="auto">
           <a:xfrm>
-            <a:off x="271322" y="1277033"/>
-            <a:ext cx="4876800" cy="4333875"/>
+            <a:off x="2482850" y="5564156"/>
+            <a:ext cx="3070225" cy="736854"/>
           </a:xfrm>
           <a:prstGeom prst="rect">
             <a:avLst/>
@@ -6790,29 +8626,27 @@
       </p:pic>
       <p:pic>
         <p:nvPicPr>
-          <p:cNvPr id="2052" name="Picture 4" descr="Resultado de imagem para api versioning strategy"/>
+          <p:cNvPr id="1032" name="Picture 8" descr="Resultado de imagem para padlock"/>
           <p:cNvPicPr>
             <a:picLocks noChangeAspect="1" noChangeArrowheads="1"/>
           </p:cNvPicPr>
           <p:nvPr/>
         </p:nvPicPr>
-        <p:blipFill>
-          <a:blip r:embed="rId3">
+        <p:blipFill rotWithShape="1">
+          <a:blip r:embed="rId6">
             <a:extLst>
               <a:ext uri="{28A0092B-C50C-407E-A947-70E740481C1C}">
                 <a14:useLocalDpi xmlns:a14="http://schemas.microsoft.com/office/drawing/2010/main" val="0"/>
               </a:ext>
             </a:extLst>
           </a:blip>
-          <a:srcRect/>
-          <a:stretch>
-            <a:fillRect/>
-          </a:stretch>
+          <a:srcRect l="26704" r="26598"/>
+          <a:stretch/>
         </p:blipFill>
         <p:spPr bwMode="auto">
           <a:xfrm>
-            <a:off x="5148122" y="2036561"/>
-            <a:ext cx="5561393" cy="2651186"/>
+            <a:off x="7408161" y="5239199"/>
+            <a:ext cx="863460" cy="1386767"/>
           </a:xfrm>
           <a:prstGeom prst="rect">
             <a:avLst/>
@@ -6829,10 +8663,350 @@
           </a:extLst>
         </p:spPr>
       </p:pic>
+      <p:pic>
+        <p:nvPicPr>
+          <p:cNvPr id="7" name="Imagem 6"/>
+          <p:cNvPicPr>
+            <a:picLocks noChangeAspect="1"/>
+          </p:cNvPicPr>
+          <p:nvPr/>
+        </p:nvPicPr>
+        <p:blipFill>
+          <a:blip r:embed="rId7">
+            <a:extLst>
+              <a:ext uri="{28A0092B-C50C-407E-A947-70E740481C1C}">
+                <a14:useLocalDpi xmlns:a14="http://schemas.microsoft.com/office/drawing/2010/main" val="0"/>
+              </a:ext>
+            </a:extLst>
+          </a:blip>
+          <a:stretch>
+            <a:fillRect/>
+          </a:stretch>
+        </p:blipFill>
+        <p:spPr>
+          <a:xfrm>
+            <a:off x="5816408" y="5293773"/>
+            <a:ext cx="1277620" cy="1277620"/>
+          </a:xfrm>
+          <a:prstGeom prst="rect">
+            <a:avLst/>
+          </a:prstGeom>
+        </p:spPr>
+      </p:pic>
+      <p:pic>
+        <p:nvPicPr>
+          <p:cNvPr id="14" name="Picture 2" descr="https://tecnoblog.net/wp-content/uploads/2018/04/Classifica%C3%A7%C3%A3o-Indicativa.png"/>
+          <p:cNvPicPr>
+            <a:picLocks noChangeAspect="1" noChangeArrowheads="1"/>
+          </p:cNvPicPr>
+          <p:nvPr/>
+        </p:nvPicPr>
+        <p:blipFill rotWithShape="1">
+          <a:blip r:embed="rId8">
+            <a:extLst>
+              <a:ext uri="{28A0092B-C50C-407E-A947-70E740481C1C}">
+                <a14:useLocalDpi xmlns:a14="http://schemas.microsoft.com/office/drawing/2010/main" val="0"/>
+              </a:ext>
+            </a:extLst>
+          </a:blip>
+          <a:srcRect r="68650" b="57752"/>
+          <a:stretch/>
+        </p:blipFill>
+        <p:spPr bwMode="auto">
+          <a:xfrm>
+            <a:off x="8522887" y="5479120"/>
+            <a:ext cx="1899666" cy="1092273"/>
+          </a:xfrm>
+          <a:prstGeom prst="rect">
+            <a:avLst/>
+          </a:prstGeom>
+          <a:noFill/>
+          <a:extLst>
+            <a:ext uri="{909E8E84-426E-40DD-AFC4-6F175D3DCCD1}">
+              <a14:hiddenFill xmlns:a14="http://schemas.microsoft.com/office/drawing/2010/main">
+                <a:solidFill>
+                  <a:srgbClr val="FFFFFF"/>
+                </a:solidFill>
+              </a14:hiddenFill>
+            </a:ext>
+          </a:extLst>
+        </p:spPr>
+      </p:pic>
+      <p:pic>
+        <p:nvPicPr>
+          <p:cNvPr id="15" name="Imagem 14"/>
+          <p:cNvPicPr>
+            <a:picLocks noChangeAspect="1"/>
+          </p:cNvPicPr>
+          <p:nvPr/>
+        </p:nvPicPr>
+        <p:blipFill>
+          <a:blip r:embed="rId9">
+            <a:extLst>
+              <a:ext uri="{28A0092B-C50C-407E-A947-70E740481C1C}">
+                <a14:useLocalDpi xmlns:a14="http://schemas.microsoft.com/office/drawing/2010/main" val="0"/>
+              </a:ext>
+            </a:extLst>
+          </a:blip>
+          <a:stretch>
+            <a:fillRect/>
+          </a:stretch>
+        </p:blipFill>
+        <p:spPr>
+          <a:xfrm>
+            <a:off x="140020" y="3587153"/>
+            <a:ext cx="2319336" cy="1812814"/>
+          </a:xfrm>
+          <a:prstGeom prst="rect">
+            <a:avLst/>
+          </a:prstGeom>
+        </p:spPr>
+      </p:pic>
     </p:spTree>
     <p:extLst>
       <p:ext uri="{BB962C8B-B14F-4D97-AF65-F5344CB8AC3E}">
         <p14:creationId xmlns:p14="http://schemas.microsoft.com/office/powerpoint/2010/main" val="294600521"/>
+      </p:ext>
+    </p:extLst>
+  </p:cSld>
+  <p:clrMapOvr>
+    <a:masterClrMapping/>
+  </p:clrMapOvr>
+  <p:timing>
+    <p:tnLst>
+      <p:par>
+        <p:cTn id="1" dur="indefinite" restart="never" nodeType="tmRoot"/>
+      </p:par>
+    </p:tnLst>
+  </p:timing>
+</p:sld>
+</file>
+
+<file path=ppt/slides/slide30.xml><?xml version="1.0" encoding="utf-8"?>
+<p:sld xmlns:a="http://schemas.openxmlformats.org/drawingml/2006/main" xmlns:r="http://schemas.openxmlformats.org/officeDocument/2006/relationships" xmlns:p="http://schemas.openxmlformats.org/presentationml/2006/main">
+  <p:cSld>
+    <p:spTree>
+      <p:nvGrpSpPr>
+        <p:cNvPr id="1" name=""/>
+        <p:cNvGrpSpPr/>
+        <p:nvPr/>
+      </p:nvGrpSpPr>
+      <p:grpSpPr>
+        <a:xfrm>
+          <a:off x="0" y="0"/>
+          <a:ext cx="0" cy="0"/>
+          <a:chOff x="0" y="0"/>
+          <a:chExt cx="0" cy="0"/>
+        </a:xfrm>
+      </p:grpSpPr>
+      <p:sp>
+        <p:nvSpPr>
+          <p:cNvPr id="2" name="Título 1"/>
+          <p:cNvSpPr>
+            <a:spLocks noGrp="1"/>
+          </p:cNvSpPr>
+          <p:nvPr>
+            <p:ph type="title"/>
+          </p:nvPr>
+        </p:nvSpPr>
+        <p:spPr/>
+        <p:txBody>
+          <a:bodyPr/>
+          <a:lstStyle/>
+          <a:p>
+            <a:r>
+              <a:rPr lang="pt-BR" dirty="0" smtClean="0"/>
+              <a:t>Referências</a:t>
+            </a:r>
+            <a:endParaRPr lang="pt-BR" dirty="0"/>
+          </a:p>
+        </p:txBody>
+      </p:sp>
+      <p:sp>
+        <p:nvSpPr>
+          <p:cNvPr id="3" name="Espaço Reservado para Conteúdo 2"/>
+          <p:cNvSpPr>
+            <a:spLocks noGrp="1"/>
+          </p:cNvSpPr>
+          <p:nvPr>
+            <p:ph idx="1"/>
+          </p:nvPr>
+        </p:nvSpPr>
+        <p:spPr/>
+        <p:txBody>
+          <a:bodyPr>
+            <a:normAutofit fontScale="70000" lnSpcReduction="20000"/>
+          </a:bodyPr>
+          <a:lstStyle/>
+          <a:p>
+            <a:r>
+              <a:rPr lang="pt-BR" dirty="0">
+                <a:hlinkClick r:id="rId2"/>
+              </a:rPr>
+              <a:t>https://martinfowler.com/bliki/ValueObject.html</a:t>
+            </a:r>
+            <a:endParaRPr lang="pt-BR" dirty="0" smtClean="0">
+              <a:hlinkClick r:id="rId2"/>
+            </a:endParaRPr>
+          </a:p>
+          <a:p>
+            <a:endParaRPr lang="pt-BR" dirty="0">
+              <a:hlinkClick r:id="rId2"/>
+            </a:endParaRPr>
+          </a:p>
+          <a:p>
+            <a:r>
+              <a:rPr lang="pt-BR" dirty="0" smtClean="0">
+                <a:hlinkClick r:id="rId2"/>
+              </a:rPr>
+              <a:t>https</a:t>
+            </a:r>
+            <a:r>
+              <a:rPr lang="pt-BR" dirty="0">
+                <a:hlinkClick r:id="rId2"/>
+              </a:rPr>
+              <a:t>://</a:t>
+            </a:r>
+            <a:r>
+              <a:rPr lang="pt-BR" dirty="0" smtClean="0">
+                <a:hlinkClick r:id="rId2"/>
+              </a:rPr>
+              <a:t>www.codeadventure.com/blog/why-you-should-use-value-objects</a:t>
+            </a:r>
+            <a:endParaRPr lang="pt-BR" dirty="0" smtClean="0"/>
+          </a:p>
+          <a:p>
+            <a:endParaRPr lang="pt-BR" dirty="0"/>
+          </a:p>
+          <a:p>
+            <a:r>
+              <a:rPr lang="pt-BR" dirty="0">
+                <a:hlinkClick r:id="rId3"/>
+              </a:rPr>
+              <a:t>https://</a:t>
+            </a:r>
+            <a:r>
+              <a:rPr lang="pt-BR" dirty="0" smtClean="0">
+                <a:hlinkClick r:id="rId3"/>
+              </a:rPr>
+              <a:t>www.devmedia.com.br/diferenca-entre-os-patterns-po-pojo-bo-dto-e-vo/28162</a:t>
+            </a:r>
+            <a:endParaRPr lang="pt-BR" dirty="0" smtClean="0"/>
+          </a:p>
+          <a:p>
+            <a:endParaRPr lang="pt-BR" dirty="0"/>
+          </a:p>
+          <a:p>
+            <a:r>
+              <a:rPr lang="pt-BR" dirty="0">
+                <a:hlinkClick r:id="rId4"/>
+              </a:rPr>
+              <a:t>https://</a:t>
+            </a:r>
+            <a:r>
+              <a:rPr lang="pt-BR" dirty="0" smtClean="0">
+                <a:hlinkClick r:id="rId4"/>
+              </a:rPr>
+              <a:t>imasters.com.br/artigo/7293/linguagens/padroes-de-projeto-value-object?trace=1519021197</a:t>
+            </a:r>
+            <a:endParaRPr lang="pt-BR" dirty="0" smtClean="0"/>
+          </a:p>
+          <a:p>
+            <a:endParaRPr lang="pt-BR" dirty="0" smtClean="0"/>
+          </a:p>
+          <a:p>
+            <a:r>
+              <a:rPr lang="en-US" dirty="0"/>
+              <a:t>[Generic Repository and Unit of Work Pattern, Entity Framework, Unit Testing, </a:t>
+            </a:r>
+            <a:r>
+              <a:rPr lang="en-US" dirty="0" err="1"/>
+              <a:t>Autofac</a:t>
+            </a:r>
+            <a:r>
+              <a:rPr lang="en-US" dirty="0"/>
+              <a:t> </a:t>
+            </a:r>
+            <a:r>
+              <a:rPr lang="en-US" dirty="0" err="1"/>
+              <a:t>IoC</a:t>
+            </a:r>
+            <a:r>
+              <a:rPr lang="en-US" dirty="0"/>
+              <a:t> Container and ASP.NET MVC](</a:t>
+            </a:r>
+            <a:r>
+              <a:rPr lang="en-US" dirty="0">
+                <a:hlinkClick r:id="rId5"/>
+              </a:rPr>
+              <a:t>https://techbrij.com/generic-repository-unit-of-work-entity-framework-unit-testing-asp-net-mvc</a:t>
+            </a:r>
+            <a:r>
+              <a:rPr lang="en-US" dirty="0" smtClean="0"/>
+              <a:t>)</a:t>
+            </a:r>
+          </a:p>
+          <a:p>
+            <a:r>
+              <a:rPr lang="en-US" dirty="0" smtClean="0"/>
+              <a:t>[</a:t>
+            </a:r>
+            <a:r>
+              <a:rPr lang="en-US" dirty="0"/>
+              <a:t>HATEOAS](</a:t>
+            </a:r>
+            <a:r>
+              <a:rPr lang="en-US" dirty="0">
+                <a:hlinkClick r:id="rId6"/>
+              </a:rPr>
+              <a:t>https://</a:t>
+            </a:r>
+            <a:r>
+              <a:rPr lang="en-US">
+                <a:hlinkClick r:id="rId6"/>
+              </a:rPr>
+              <a:t>shatzisblog.wordpress.com/2017/09/01/generating-hypermedia-links-for-an-asp-net-core-web-api</a:t>
+            </a:r>
+            <a:r>
+              <a:rPr lang="en-US" smtClean="0">
+                <a:hlinkClick r:id="rId6"/>
+              </a:rPr>
+              <a:t>/</a:t>
+            </a:r>
+            <a:r>
+              <a:rPr lang="en-US" smtClean="0"/>
+              <a:t>)</a:t>
+            </a:r>
+            <a:endParaRPr lang="en-US" dirty="0"/>
+          </a:p>
+          <a:p>
+            <a:r>
+              <a:rPr lang="en-US" dirty="0"/>
+              <a:t>[Pragmatic REST: APIs without hypermedia and HATEOAS](</a:t>
+            </a:r>
+            <a:r>
+              <a:rPr lang="en-US" dirty="0">
+                <a:hlinkClick r:id="rId7"/>
+              </a:rPr>
+              <a:t>http://www.ben-morris.com/pragmatic-rest-apis-without-hypermedia-and-hateoas</a:t>
+            </a:r>
+            <a:r>
+              <a:rPr lang="en-US" dirty="0" smtClean="0">
+                <a:hlinkClick r:id="rId7"/>
+              </a:rPr>
+              <a:t>/</a:t>
+            </a:r>
+            <a:r>
+              <a:rPr lang="en-US" dirty="0" smtClean="0"/>
+              <a:t>)</a:t>
+            </a:r>
+          </a:p>
+        </p:txBody>
+      </p:sp>
+    </p:spTree>
+    <p:extLst>
+      <p:ext uri="{BB962C8B-B14F-4D97-AF65-F5344CB8AC3E}">
+        <p14:creationId xmlns:p14="http://schemas.microsoft.com/office/powerpoint/2010/main" val="57151941"/>
       </p:ext>
     </p:extLst>
   </p:cSld>
@@ -6876,126 +9050,34 @@
             <p:ph type="title"/>
           </p:nvPr>
         </p:nvSpPr>
-        <p:spPr/>
-        <p:txBody>
-          <a:bodyPr/>
-          <a:lstStyle/>
-          <a:p>
-            <a:r>
-              <a:rPr lang="pt-BR" dirty="0" smtClean="0"/>
-              <a:t>Referências</a:t>
-            </a:r>
-            <a:endParaRPr lang="pt-BR" dirty="0"/>
-          </a:p>
-        </p:txBody>
-      </p:sp>
-      <p:sp>
-        <p:nvSpPr>
-          <p:cNvPr id="3" name="Espaço Reservado para Conteúdo 2"/>
-          <p:cNvSpPr>
-            <a:spLocks noGrp="1"/>
-          </p:cNvSpPr>
-          <p:nvPr>
-            <p:ph idx="1"/>
-          </p:nvPr>
-        </p:nvSpPr>
-        <p:spPr/>
+        <p:spPr>
+          <a:xfrm>
+            <a:off x="1209675" y="2609850"/>
+            <a:ext cx="10048875" cy="1629544"/>
+          </a:xfrm>
+        </p:spPr>
         <p:txBody>
           <a:bodyPr>
             <a:normAutofit/>
           </a:bodyPr>
           <a:lstStyle/>
           <a:p>
-            <a:r>
-              <a:rPr lang="pt-BR" dirty="0">
-                <a:hlinkClick r:id="rId2"/>
-              </a:rPr>
-              <a:t>https://</a:t>
-            </a:r>
-            <a:r>
-              <a:rPr lang="pt-BR" dirty="0" smtClean="0">
-                <a:hlinkClick r:id="rId2"/>
-              </a:rPr>
-              <a:t>msdn.microsoft.com/en-us/library/ff384251.aspx</a:t>
-            </a:r>
-            <a:endParaRPr lang="pt-BR" dirty="0" smtClean="0"/>
-          </a:p>
-          <a:p>
-            <a:endParaRPr lang="pt-BR" dirty="0"/>
-          </a:p>
-          <a:p>
-            <a:r>
-              <a:rPr lang="pt-BR" dirty="0">
-                <a:hlinkClick r:id="rId3"/>
-              </a:rPr>
-              <a:t>https://nordicapis.com/introduction-to-api-versioning-best-practices</a:t>
-            </a:r>
-            <a:r>
-              <a:rPr lang="pt-BR" dirty="0" smtClean="0">
-                <a:hlinkClick r:id="rId3"/>
-              </a:rPr>
-              <a:t>/</a:t>
-            </a:r>
-            <a:endParaRPr lang="pt-BR" dirty="0" smtClean="0"/>
-          </a:p>
-          <a:p>
-            <a:endParaRPr lang="pt-BR" dirty="0" smtClean="0"/>
-          </a:p>
-          <a:p>
-            <a:r>
-              <a:rPr lang="pt-BR" dirty="0">
-                <a:hlinkClick r:id="rId4"/>
-              </a:rPr>
-              <a:t>http://</a:t>
-            </a:r>
-            <a:r>
-              <a:rPr lang="pt-BR" dirty="0" smtClean="0">
-                <a:hlinkClick r:id="rId4"/>
-              </a:rPr>
-              <a:t>www.patrickniezen.com/2016/2/11/api-versioning-with-mvc-6</a:t>
-            </a:r>
-            <a:endParaRPr lang="pt-BR" dirty="0" smtClean="0"/>
-          </a:p>
-          <a:p>
-            <a:endParaRPr lang="pt-BR" dirty="0"/>
-          </a:p>
-          <a:p>
-            <a:r>
-              <a:rPr lang="pt-BR" dirty="0">
-                <a:hlinkClick r:id="rId5"/>
-              </a:rPr>
-              <a:t>https://www.troyhunt.com/your-api-versioning-is-wrong-which-is</a:t>
-            </a:r>
-            <a:r>
-              <a:rPr lang="pt-BR" dirty="0" smtClean="0">
-                <a:hlinkClick r:id="rId5"/>
-              </a:rPr>
-              <a:t>/</a:t>
-            </a:r>
-            <a:endParaRPr lang="pt-BR" dirty="0" smtClean="0"/>
-          </a:p>
-          <a:p>
-            <a:endParaRPr lang="pt-BR" dirty="0"/>
-          </a:p>
-          <a:p>
-            <a:r>
-              <a:rPr lang="pt-BR" dirty="0">
-                <a:hlinkClick r:id="rId6"/>
-              </a:rPr>
-              <a:t>https://</a:t>
-            </a:r>
-            <a:r>
-              <a:rPr lang="pt-BR" dirty="0" smtClean="0">
-                <a:hlinkClick r:id="rId6"/>
-              </a:rPr>
-              <a:t>www.youtube.com/watch?v=55oIJuMUnDc</a:t>
-            </a:r>
-            <a:endParaRPr lang="pt-BR" dirty="0" smtClean="0"/>
-          </a:p>
-          <a:p>
-            <a:endParaRPr lang="pt-BR" dirty="0" smtClean="0"/>
-          </a:p>
-          <a:p>
+            <a:pPr algn="ctr"/>
+            <a:r>
+              <a:rPr lang="pt-BR" dirty="0" smtClean="0"/>
+              <a:t>Seção 03:</a:t>
+            </a:r>
+            <a:r>
+              <a:rPr lang="pt-BR" dirty="0"/>
+              <a:t/>
+            </a:r>
+            <a:br>
+              <a:rPr lang="pt-BR" dirty="0"/>
+            </a:br>
+            <a:r>
+              <a:rPr lang="pt-BR" dirty="0"/>
+              <a:t>Configuração Do Ambiente No Windows</a:t>
+            </a:r>
             <a:endParaRPr lang="pt-BR" dirty="0"/>
           </a:p>
         </p:txBody>
@@ -7003,7 +9085,7 @@
     </p:spTree>
     <p:extLst>
       <p:ext uri="{BB962C8B-B14F-4D97-AF65-F5344CB8AC3E}">
-        <p14:creationId xmlns:p14="http://schemas.microsoft.com/office/powerpoint/2010/main" val="807800927"/>
+        <p14:creationId xmlns:p14="http://schemas.microsoft.com/office/powerpoint/2010/main" val="2015346417"/>
       </p:ext>
     </p:extLst>
   </p:cSld>
@@ -7021,7 +9103,7 @@
 </file>
 
 <file path=ppt/slides/slide5.xml><?xml version="1.0" encoding="utf-8"?>
-<p:sld xmlns:a="http://schemas.openxmlformats.org/drawingml/2006/main" xmlns:r="http://schemas.openxmlformats.org/officeDocument/2006/relationships" xmlns:p="http://schemas.openxmlformats.org/presentationml/2006/main">
+<p:sld xmlns:a="http://schemas.openxmlformats.org/drawingml/2006/main" xmlns:r="http://schemas.openxmlformats.org/officeDocument/2006/relationships" xmlns:p="http://schemas.openxmlformats.org/presentationml/2006/main" showMasterSp="0">
   <p:cSld>
     <p:spTree>
       <p:nvGrpSpPr>
@@ -7037,41 +9119,297 @@
           <a:chExt cx="0" cy="0"/>
         </a:xfrm>
       </p:grpSpPr>
-      <p:sp>
-        <p:nvSpPr>
-          <p:cNvPr id="2" name="Título 1"/>
-          <p:cNvSpPr>
-            <a:spLocks noGrp="1"/>
-          </p:cNvSpPr>
-          <p:nvPr>
-            <p:ph type="title"/>
-          </p:nvPr>
-        </p:nvSpPr>
-        <p:spPr>
-          <a:xfrm>
-            <a:off x="2207568" y="2924944"/>
-            <a:ext cx="8229600" cy="990600"/>
-          </a:xfrm>
-        </p:spPr>
-        <p:txBody>
-          <a:bodyPr>
-            <a:normAutofit/>
-          </a:bodyPr>
-          <a:lstStyle/>
-          <a:p>
-            <a:pPr algn="ctr"/>
-            <a:r>
-              <a:rPr lang="pt-BR" dirty="0" smtClean="0"/>
-              <a:t>Aplicação Multicamadas</a:t>
-            </a:r>
-            <a:endParaRPr lang="pt-BR" dirty="0"/>
-          </a:p>
-        </p:txBody>
-      </p:sp>
+      <p:pic>
+        <p:nvPicPr>
+          <p:cNvPr id="2050" name="Picture 2" descr="Resultado de imagem para visual studio"/>
+          <p:cNvPicPr>
+            <a:picLocks noChangeAspect="1" noChangeArrowheads="1"/>
+          </p:cNvPicPr>
+          <p:nvPr/>
+        </p:nvPicPr>
+        <p:blipFill>
+          <a:blip r:embed="rId2">
+            <a:extLst>
+              <a:ext uri="{28A0092B-C50C-407E-A947-70E740481C1C}">
+                <a14:useLocalDpi xmlns:a14="http://schemas.microsoft.com/office/drawing/2010/main" val="0"/>
+              </a:ext>
+            </a:extLst>
+          </a:blip>
+          <a:srcRect/>
+          <a:stretch>
+            <a:fillRect/>
+          </a:stretch>
+        </p:blipFill>
+        <p:spPr bwMode="auto">
+          <a:xfrm>
+            <a:off x="196215" y="4805680"/>
+            <a:ext cx="1422399" cy="1422399"/>
+          </a:xfrm>
+          <a:prstGeom prst="rect">
+            <a:avLst/>
+          </a:prstGeom>
+          <a:noFill/>
+          <a:extLst>
+            <a:ext uri="{909E8E84-426E-40DD-AFC4-6F175D3DCCD1}">
+              <a14:hiddenFill xmlns:a14="http://schemas.microsoft.com/office/drawing/2010/main">
+                <a:solidFill>
+                  <a:srgbClr val="FFFFFF"/>
+                </a:solidFill>
+              </a14:hiddenFill>
+            </a:ext>
+          </a:extLst>
+        </p:spPr>
+      </p:pic>
+      <p:pic>
+        <p:nvPicPr>
+          <p:cNvPr id="2052" name="Picture 4" descr="Resultado de imagem para git bash"/>
+          <p:cNvPicPr>
+            <a:picLocks noChangeAspect="1" noChangeArrowheads="1"/>
+          </p:cNvPicPr>
+          <p:nvPr/>
+        </p:nvPicPr>
+        <p:blipFill>
+          <a:blip r:embed="rId3">
+            <a:extLst>
+              <a:ext uri="{28A0092B-C50C-407E-A947-70E740481C1C}">
+                <a14:useLocalDpi xmlns:a14="http://schemas.microsoft.com/office/drawing/2010/main" val="0"/>
+              </a:ext>
+            </a:extLst>
+          </a:blip>
+          <a:srcRect/>
+          <a:stretch>
+            <a:fillRect/>
+          </a:stretch>
+        </p:blipFill>
+        <p:spPr bwMode="auto">
+          <a:xfrm>
+            <a:off x="1894840" y="4805680"/>
+            <a:ext cx="1417319" cy="1417319"/>
+          </a:xfrm>
+          <a:prstGeom prst="rect">
+            <a:avLst/>
+          </a:prstGeom>
+          <a:noFill/>
+          <a:extLst>
+            <a:ext uri="{909E8E84-426E-40DD-AFC4-6F175D3DCCD1}">
+              <a14:hiddenFill xmlns:a14="http://schemas.microsoft.com/office/drawing/2010/main">
+                <a:solidFill>
+                  <a:srgbClr val="FFFFFF"/>
+                </a:solidFill>
+              </a14:hiddenFill>
+            </a:ext>
+          </a:extLst>
+        </p:spPr>
+      </p:pic>
+      <p:pic>
+        <p:nvPicPr>
+          <p:cNvPr id="2054" name="Picture 6" descr="Resultado de imagem para mysql"/>
+          <p:cNvPicPr>
+            <a:picLocks noChangeAspect="1" noChangeArrowheads="1"/>
+          </p:cNvPicPr>
+          <p:nvPr/>
+        </p:nvPicPr>
+        <p:blipFill>
+          <a:blip r:embed="rId4">
+            <a:extLst>
+              <a:ext uri="{28A0092B-C50C-407E-A947-70E740481C1C}">
+                <a14:useLocalDpi xmlns:a14="http://schemas.microsoft.com/office/drawing/2010/main" val="0"/>
+              </a:ext>
+            </a:extLst>
+          </a:blip>
+          <a:srcRect/>
+          <a:stretch>
+            <a:fillRect/>
+          </a:stretch>
+        </p:blipFill>
+        <p:spPr bwMode="auto">
+          <a:xfrm>
+            <a:off x="3588385" y="4805680"/>
+            <a:ext cx="2857500" cy="1476375"/>
+          </a:xfrm>
+          <a:prstGeom prst="rect">
+            <a:avLst/>
+          </a:prstGeom>
+          <a:noFill/>
+          <a:extLst>
+            <a:ext uri="{909E8E84-426E-40DD-AFC4-6F175D3DCCD1}">
+              <a14:hiddenFill xmlns:a14="http://schemas.microsoft.com/office/drawing/2010/main">
+                <a:solidFill>
+                  <a:srgbClr val="FFFFFF"/>
+                </a:solidFill>
+              </a14:hiddenFill>
+            </a:ext>
+          </a:extLst>
+        </p:spPr>
+      </p:pic>
+      <p:pic>
+        <p:nvPicPr>
+          <p:cNvPr id="2056" name="Picture 8" descr="Resultado de imagem para heidi SQL"/>
+          <p:cNvPicPr>
+            <a:picLocks noChangeAspect="1" noChangeArrowheads="1"/>
+          </p:cNvPicPr>
+          <p:nvPr/>
+        </p:nvPicPr>
+        <p:blipFill>
+          <a:blip r:embed="rId5">
+            <a:extLst>
+              <a:ext uri="{28A0092B-C50C-407E-A947-70E740481C1C}">
+                <a14:useLocalDpi xmlns:a14="http://schemas.microsoft.com/office/drawing/2010/main" val="0"/>
+              </a:ext>
+            </a:extLst>
+          </a:blip>
+          <a:srcRect/>
+          <a:stretch>
+            <a:fillRect/>
+          </a:stretch>
+        </p:blipFill>
+        <p:spPr bwMode="auto">
+          <a:xfrm>
+            <a:off x="6953251" y="4783136"/>
+            <a:ext cx="1462405" cy="1462405"/>
+          </a:xfrm>
+          <a:prstGeom prst="rect">
+            <a:avLst/>
+          </a:prstGeom>
+          <a:noFill/>
+          <a:extLst>
+            <a:ext uri="{909E8E84-426E-40DD-AFC4-6F175D3DCCD1}">
+              <a14:hiddenFill xmlns:a14="http://schemas.microsoft.com/office/drawing/2010/main">
+                <a:solidFill>
+                  <a:srgbClr val="FFFFFF"/>
+                </a:solidFill>
+              </a14:hiddenFill>
+            </a:ext>
+          </a:extLst>
+        </p:spPr>
+      </p:pic>
+      <p:pic>
+        <p:nvPicPr>
+          <p:cNvPr id="2058" name="Picture 10" descr="Resultado de imagem para postman"/>
+          <p:cNvPicPr>
+            <a:picLocks noChangeAspect="1" noChangeArrowheads="1"/>
+          </p:cNvPicPr>
+          <p:nvPr/>
+        </p:nvPicPr>
+        <p:blipFill>
+          <a:blip r:embed="rId6">
+            <a:extLst>
+              <a:ext uri="{28A0092B-C50C-407E-A947-70E740481C1C}">
+                <a14:useLocalDpi xmlns:a14="http://schemas.microsoft.com/office/drawing/2010/main" val="0"/>
+              </a:ext>
+            </a:extLst>
+          </a:blip>
+          <a:srcRect/>
+          <a:stretch>
+            <a:fillRect/>
+          </a:stretch>
+        </p:blipFill>
+        <p:spPr bwMode="auto">
+          <a:xfrm>
+            <a:off x="8560121" y="4676138"/>
+            <a:ext cx="1676400" cy="1676400"/>
+          </a:xfrm>
+          <a:prstGeom prst="rect">
+            <a:avLst/>
+          </a:prstGeom>
+          <a:noFill/>
+          <a:extLst>
+            <a:ext uri="{909E8E84-426E-40DD-AFC4-6F175D3DCCD1}">
+              <a14:hiddenFill xmlns:a14="http://schemas.microsoft.com/office/drawing/2010/main">
+                <a:solidFill>
+                  <a:srgbClr val="FFFFFF"/>
+                </a:solidFill>
+              </a14:hiddenFill>
+            </a:ext>
+          </a:extLst>
+        </p:spPr>
+      </p:pic>
+      <p:pic>
+        <p:nvPicPr>
+          <p:cNvPr id="2060" name="Picture 12" descr="Resultado de imagem para docker"/>
+          <p:cNvPicPr>
+            <a:picLocks noChangeAspect="1" noChangeArrowheads="1"/>
+          </p:cNvPicPr>
+          <p:nvPr/>
+        </p:nvPicPr>
+        <p:blipFill>
+          <a:blip r:embed="rId7">
+            <a:extLst>
+              <a:ext uri="{28A0092B-C50C-407E-A947-70E740481C1C}">
+                <a14:useLocalDpi xmlns:a14="http://schemas.microsoft.com/office/drawing/2010/main" val="0"/>
+              </a:ext>
+            </a:extLst>
+          </a:blip>
+          <a:srcRect/>
+          <a:stretch>
+            <a:fillRect/>
+          </a:stretch>
+        </p:blipFill>
+        <p:spPr bwMode="auto">
+          <a:xfrm>
+            <a:off x="9504045" y="4714871"/>
+            <a:ext cx="3487856" cy="1637667"/>
+          </a:xfrm>
+          <a:prstGeom prst="rect">
+            <a:avLst/>
+          </a:prstGeom>
+          <a:noFill/>
+          <a:extLst>
+            <a:ext uri="{909E8E84-426E-40DD-AFC4-6F175D3DCCD1}">
+              <a14:hiddenFill xmlns:a14="http://schemas.microsoft.com/office/drawing/2010/main">
+                <a:solidFill>
+                  <a:srgbClr val="FFFFFF"/>
+                </a:solidFill>
+              </a14:hiddenFill>
+            </a:ext>
+          </a:extLst>
+        </p:spPr>
+      </p:pic>
+      <p:pic>
+        <p:nvPicPr>
+          <p:cNvPr id="2062" name="Picture 14" descr="Resultado de imagem para windows"/>
+          <p:cNvPicPr>
+            <a:picLocks noChangeAspect="1" noChangeArrowheads="1"/>
+          </p:cNvPicPr>
+          <p:nvPr/>
+        </p:nvPicPr>
+        <p:blipFill>
+          <a:blip r:embed="rId8">
+            <a:extLst>
+              <a:ext uri="{28A0092B-C50C-407E-A947-70E740481C1C}">
+                <a14:useLocalDpi xmlns:a14="http://schemas.microsoft.com/office/drawing/2010/main" val="0"/>
+              </a:ext>
+            </a:extLst>
+          </a:blip>
+          <a:srcRect/>
+          <a:stretch>
+            <a:fillRect/>
+          </a:stretch>
+        </p:blipFill>
+        <p:spPr bwMode="auto">
+          <a:xfrm>
+            <a:off x="1777999" y="1838000"/>
+            <a:ext cx="8709837" cy="1611320"/>
+          </a:xfrm>
+          <a:prstGeom prst="rect">
+            <a:avLst/>
+          </a:prstGeom>
+          <a:noFill/>
+          <a:extLst>
+            <a:ext uri="{909E8E84-426E-40DD-AFC4-6F175D3DCCD1}">
+              <a14:hiddenFill xmlns:a14="http://schemas.microsoft.com/office/drawing/2010/main">
+                <a:solidFill>
+                  <a:srgbClr val="FFFFFF"/>
+                </a:solidFill>
+              </a14:hiddenFill>
+            </a:ext>
+          </a:extLst>
+        </p:spPr>
+      </p:pic>
     </p:spTree>
     <p:extLst>
       <p:ext uri="{BB962C8B-B14F-4D97-AF65-F5344CB8AC3E}">
-        <p14:creationId xmlns:p14="http://schemas.microsoft.com/office/powerpoint/2010/main" val="3085596334"/>
+        <p14:creationId xmlns:p14="http://schemas.microsoft.com/office/powerpoint/2010/main" val="258779262"/>
       </p:ext>
     </p:extLst>
   </p:cSld>
@@ -7105,9 +9443,92 @@
           <a:chExt cx="0" cy="0"/>
         </a:xfrm>
       </p:grpSpPr>
+      <p:sp>
+        <p:nvSpPr>
+          <p:cNvPr id="2" name="Título 1"/>
+          <p:cNvSpPr>
+            <a:spLocks noGrp="1"/>
+          </p:cNvSpPr>
+          <p:nvPr>
+            <p:ph type="title"/>
+          </p:nvPr>
+        </p:nvSpPr>
+        <p:spPr>
+          <a:xfrm>
+            <a:off x="1209675" y="2609850"/>
+            <a:ext cx="10048875" cy="1629544"/>
+          </a:xfrm>
+        </p:spPr>
+        <p:txBody>
+          <a:bodyPr>
+            <a:normAutofit/>
+          </a:bodyPr>
+          <a:lstStyle/>
+          <a:p>
+            <a:pPr algn="ctr"/>
+            <a:r>
+              <a:rPr lang="pt-BR" dirty="0" smtClean="0"/>
+              <a:t>Seção 04:</a:t>
+            </a:r>
+            <a:r>
+              <a:rPr lang="pt-BR" dirty="0"/>
+              <a:t/>
+            </a:r>
+            <a:br>
+              <a:rPr lang="pt-BR" dirty="0"/>
+            </a:br>
+            <a:r>
+              <a:rPr lang="pt-BR" dirty="0"/>
+              <a:t>Configuração Do Ambiente No </a:t>
+            </a:r>
+            <a:r>
+              <a:rPr lang="pt-BR" dirty="0" smtClean="0"/>
+              <a:t>Linux</a:t>
+            </a:r>
+            <a:endParaRPr lang="pt-BR" dirty="0"/>
+          </a:p>
+        </p:txBody>
+      </p:sp>
+    </p:spTree>
+    <p:extLst>
+      <p:ext uri="{BB962C8B-B14F-4D97-AF65-F5344CB8AC3E}">
+        <p14:creationId xmlns:p14="http://schemas.microsoft.com/office/powerpoint/2010/main" val="1560720371"/>
+      </p:ext>
+    </p:extLst>
+  </p:cSld>
+  <p:clrMapOvr>
+    <a:masterClrMapping/>
+  </p:clrMapOvr>
+  <p:timing>
+    <p:tnLst>
+      <p:par>
+        <p:cTn id="1" dur="indefinite" restart="never" nodeType="tmRoot"/>
+      </p:par>
+    </p:tnLst>
+  </p:timing>
+</p:sld>
+</file>
+
+<file path=ppt/slides/slide7.xml><?xml version="1.0" encoding="utf-8"?>
+<p:sld xmlns:a="http://schemas.openxmlformats.org/drawingml/2006/main" xmlns:r="http://schemas.openxmlformats.org/officeDocument/2006/relationships" xmlns:p="http://schemas.openxmlformats.org/presentationml/2006/main" showMasterSp="0">
+  <p:cSld>
+    <p:spTree>
+      <p:nvGrpSpPr>
+        <p:cNvPr id="1" name=""/>
+        <p:cNvGrpSpPr/>
+        <p:nvPr/>
+      </p:nvGrpSpPr>
+      <p:grpSpPr>
+        <a:xfrm>
+          <a:off x="0" y="0"/>
+          <a:ext cx="0" cy="0"/>
+          <a:chOff x="0" y="0"/>
+          <a:chExt cx="0" cy="0"/>
+        </a:xfrm>
+      </p:grpSpPr>
       <p:pic>
         <p:nvPicPr>
-          <p:cNvPr id="1028" name="Picture 4" descr="D:\ProjetoAulas\RestWithASP-NETUdemy\Documents\Architecture.png"/>
+          <p:cNvPr id="2054" name="Picture 6" descr="Resultado de imagem para mysql"/>
           <p:cNvPicPr>
             <a:picLocks noChangeAspect="1" noChangeArrowheads="1"/>
           </p:cNvPicPr>
@@ -7128,8 +9549,8 @@
         </p:blipFill>
         <p:spPr bwMode="auto">
           <a:xfrm>
-            <a:off x="-115747" y="-1419691"/>
-            <a:ext cx="12664867" cy="8409268"/>
+            <a:off x="3521135" y="4876163"/>
+            <a:ext cx="2857500" cy="1476375"/>
           </a:xfrm>
           <a:prstGeom prst="rect">
             <a:avLst/>
@@ -7146,181 +9567,256 @@
           </a:extLst>
         </p:spPr>
       </p:pic>
+      <p:pic>
+        <p:nvPicPr>
+          <p:cNvPr id="2058" name="Picture 10" descr="Resultado de imagem para postman"/>
+          <p:cNvPicPr>
+            <a:picLocks noChangeAspect="1" noChangeArrowheads="1"/>
+          </p:cNvPicPr>
+          <p:nvPr/>
+        </p:nvPicPr>
+        <p:blipFill>
+          <a:blip r:embed="rId3">
+            <a:extLst>
+              <a:ext uri="{28A0092B-C50C-407E-A947-70E740481C1C}">
+                <a14:useLocalDpi xmlns:a14="http://schemas.microsoft.com/office/drawing/2010/main" val="0"/>
+              </a:ext>
+            </a:extLst>
+          </a:blip>
+          <a:srcRect/>
+          <a:stretch>
+            <a:fillRect/>
+          </a:stretch>
+        </p:blipFill>
+        <p:spPr bwMode="auto">
+          <a:xfrm>
+            <a:off x="8722681" y="4747258"/>
+            <a:ext cx="1676400" cy="1676400"/>
+          </a:xfrm>
+          <a:prstGeom prst="rect">
+            <a:avLst/>
+          </a:prstGeom>
+          <a:noFill/>
+          <a:extLst>
+            <a:ext uri="{909E8E84-426E-40DD-AFC4-6F175D3DCCD1}">
+              <a14:hiddenFill xmlns:a14="http://schemas.microsoft.com/office/drawing/2010/main">
+                <a:solidFill>
+                  <a:srgbClr val="FFFFFF"/>
+                </a:solidFill>
+              </a14:hiddenFill>
+            </a:ext>
+          </a:extLst>
+        </p:spPr>
+      </p:pic>
+      <p:pic>
+        <p:nvPicPr>
+          <p:cNvPr id="2060" name="Picture 12" descr="Resultado de imagem para docker"/>
+          <p:cNvPicPr>
+            <a:picLocks noChangeAspect="1" noChangeArrowheads="1"/>
+          </p:cNvPicPr>
+          <p:nvPr/>
+        </p:nvPicPr>
+        <p:blipFill>
+          <a:blip r:embed="rId4">
+            <a:extLst>
+              <a:ext uri="{28A0092B-C50C-407E-A947-70E740481C1C}">
+                <a14:useLocalDpi xmlns:a14="http://schemas.microsoft.com/office/drawing/2010/main" val="0"/>
+              </a:ext>
+            </a:extLst>
+          </a:blip>
+          <a:srcRect/>
+          <a:stretch>
+            <a:fillRect/>
+          </a:stretch>
+        </p:blipFill>
+        <p:spPr bwMode="auto">
+          <a:xfrm>
+            <a:off x="9504045" y="4714871"/>
+            <a:ext cx="3487856" cy="1637667"/>
+          </a:xfrm>
+          <a:prstGeom prst="rect">
+            <a:avLst/>
+          </a:prstGeom>
+          <a:noFill/>
+          <a:extLst>
+            <a:ext uri="{909E8E84-426E-40DD-AFC4-6F175D3DCCD1}">
+              <a14:hiddenFill xmlns:a14="http://schemas.microsoft.com/office/drawing/2010/main">
+                <a:solidFill>
+                  <a:srgbClr val="FFFFFF"/>
+                </a:solidFill>
+              </a14:hiddenFill>
+            </a:ext>
+          </a:extLst>
+        </p:spPr>
+      </p:pic>
+      <p:pic>
+        <p:nvPicPr>
+          <p:cNvPr id="3074" name="Picture 2" descr="Imagem relacionada"/>
+          <p:cNvPicPr>
+            <a:picLocks noChangeAspect="1" noChangeArrowheads="1"/>
+          </p:cNvPicPr>
+          <p:nvPr/>
+        </p:nvPicPr>
+        <p:blipFill>
+          <a:blip r:embed="rId5">
+            <a:extLst>
+              <a:ext uri="{28A0092B-C50C-407E-A947-70E740481C1C}">
+                <a14:useLocalDpi xmlns:a14="http://schemas.microsoft.com/office/drawing/2010/main" val="0"/>
+              </a:ext>
+            </a:extLst>
+          </a:blip>
+          <a:srcRect/>
+          <a:stretch>
+            <a:fillRect/>
+          </a:stretch>
+        </p:blipFill>
+        <p:spPr bwMode="auto">
+          <a:xfrm>
+            <a:off x="3749996" y="1579880"/>
+            <a:ext cx="4810125" cy="2381250"/>
+          </a:xfrm>
+          <a:prstGeom prst="rect">
+            <a:avLst/>
+          </a:prstGeom>
+          <a:noFill/>
+          <a:extLst>
+            <a:ext uri="{909E8E84-426E-40DD-AFC4-6F175D3DCCD1}">
+              <a14:hiddenFill xmlns:a14="http://schemas.microsoft.com/office/drawing/2010/main">
+                <a:solidFill>
+                  <a:srgbClr val="FFFFFF"/>
+                </a:solidFill>
+              </a14:hiddenFill>
+            </a:ext>
+          </a:extLst>
+        </p:spPr>
+      </p:pic>
+      <p:pic>
+        <p:nvPicPr>
+          <p:cNvPr id="3076" name="Picture 4" descr="Resultado de imagem para visual studio code"/>
+          <p:cNvPicPr>
+            <a:picLocks noChangeAspect="1" noChangeArrowheads="1"/>
+          </p:cNvPicPr>
+          <p:nvPr/>
+        </p:nvPicPr>
+        <p:blipFill>
+          <a:blip r:embed="rId6">
+            <a:extLst>
+              <a:ext uri="{28A0092B-C50C-407E-A947-70E740481C1C}">
+                <a14:useLocalDpi xmlns:a14="http://schemas.microsoft.com/office/drawing/2010/main" val="0"/>
+              </a:ext>
+            </a:extLst>
+          </a:blip>
+          <a:srcRect/>
+          <a:stretch>
+            <a:fillRect/>
+          </a:stretch>
+        </p:blipFill>
+        <p:spPr bwMode="auto">
+          <a:xfrm>
+            <a:off x="-507801" y="4927600"/>
+            <a:ext cx="3271520" cy="1635760"/>
+          </a:xfrm>
+          <a:prstGeom prst="rect">
+            <a:avLst/>
+          </a:prstGeom>
+          <a:noFill/>
+          <a:extLst>
+            <a:ext uri="{909E8E84-426E-40DD-AFC4-6F175D3DCCD1}">
+              <a14:hiddenFill xmlns:a14="http://schemas.microsoft.com/office/drawing/2010/main">
+                <a:solidFill>
+                  <a:srgbClr val="FFFFFF"/>
+                </a:solidFill>
+              </a14:hiddenFill>
+            </a:ext>
+          </a:extLst>
+        </p:spPr>
+      </p:pic>
+      <p:pic>
+        <p:nvPicPr>
+          <p:cNvPr id="3078" name="Picture 6" descr="Resultado de imagem para git"/>
+          <p:cNvPicPr>
+            <a:picLocks noChangeAspect="1" noChangeArrowheads="1"/>
+          </p:cNvPicPr>
+          <p:nvPr/>
+        </p:nvPicPr>
+        <p:blipFill>
+          <a:blip r:embed="rId7">
+            <a:extLst>
+              <a:ext uri="{28A0092B-C50C-407E-A947-70E740481C1C}">
+                <a14:useLocalDpi xmlns:a14="http://schemas.microsoft.com/office/drawing/2010/main" val="0"/>
+              </a:ext>
+            </a:extLst>
+          </a:blip>
+          <a:srcRect/>
+          <a:stretch>
+            <a:fillRect/>
+          </a:stretch>
+        </p:blipFill>
+        <p:spPr bwMode="auto">
+          <a:xfrm>
+            <a:off x="2194191" y="5077657"/>
+            <a:ext cx="1291331" cy="1291331"/>
+          </a:xfrm>
+          <a:prstGeom prst="rect">
+            <a:avLst/>
+          </a:prstGeom>
+          <a:noFill/>
+          <a:extLst>
+            <a:ext uri="{909E8E84-426E-40DD-AFC4-6F175D3DCCD1}">
+              <a14:hiddenFill xmlns:a14="http://schemas.microsoft.com/office/drawing/2010/main">
+                <a:solidFill>
+                  <a:srgbClr val="FFFFFF"/>
+                </a:solidFill>
+              </a14:hiddenFill>
+            </a:ext>
+          </a:extLst>
+        </p:spPr>
+      </p:pic>
+      <p:pic>
+        <p:nvPicPr>
+          <p:cNvPr id="3080" name="Picture 8" descr="Resultado de imagem para mysql workbench logo"/>
+          <p:cNvPicPr>
+            <a:picLocks noChangeAspect="1" noChangeArrowheads="1"/>
+          </p:cNvPicPr>
+          <p:nvPr/>
+        </p:nvPicPr>
+        <p:blipFill>
+          <a:blip r:embed="rId8">
+            <a:extLst>
+              <a:ext uri="{28A0092B-C50C-407E-A947-70E740481C1C}">
+                <a14:useLocalDpi xmlns:a14="http://schemas.microsoft.com/office/drawing/2010/main" val="0"/>
+              </a:ext>
+            </a:extLst>
+          </a:blip>
+          <a:srcRect/>
+          <a:stretch>
+            <a:fillRect/>
+          </a:stretch>
+        </p:blipFill>
+        <p:spPr bwMode="auto">
+          <a:xfrm>
+            <a:off x="6299028" y="5077657"/>
+            <a:ext cx="2571750" cy="1228726"/>
+          </a:xfrm>
+          <a:prstGeom prst="rect">
+            <a:avLst/>
+          </a:prstGeom>
+          <a:noFill/>
+          <a:extLst>
+            <a:ext uri="{909E8E84-426E-40DD-AFC4-6F175D3DCCD1}">
+              <a14:hiddenFill xmlns:a14="http://schemas.microsoft.com/office/drawing/2010/main">
+                <a:solidFill>
+                  <a:srgbClr val="FFFFFF"/>
+                </a:solidFill>
+              </a14:hiddenFill>
+            </a:ext>
+          </a:extLst>
+        </p:spPr>
+      </p:pic>
     </p:spTree>
     <p:extLst>
       <p:ext uri="{BB962C8B-B14F-4D97-AF65-F5344CB8AC3E}">
-        <p14:creationId xmlns:p14="http://schemas.microsoft.com/office/powerpoint/2010/main" val="144656954"/>
-      </p:ext>
-    </p:extLst>
-  </p:cSld>
-  <p:clrMapOvr>
-    <a:masterClrMapping/>
-  </p:clrMapOvr>
-  <p:timing>
-    <p:tnLst>
-      <p:par>
-        <p:cTn id="1" dur="indefinite" restart="never" nodeType="tmRoot"/>
-      </p:par>
-    </p:tnLst>
-  </p:timing>
-</p:sld>
-</file>
-
-<file path=ppt/slides/slide7.xml><?xml version="1.0" encoding="utf-8"?>
-<p:sld xmlns:a="http://schemas.openxmlformats.org/drawingml/2006/main" xmlns:r="http://schemas.openxmlformats.org/officeDocument/2006/relationships" xmlns:p="http://schemas.openxmlformats.org/presentationml/2006/main">
-  <p:cSld>
-    <p:spTree>
-      <p:nvGrpSpPr>
-        <p:cNvPr id="1" name=""/>
-        <p:cNvGrpSpPr/>
-        <p:nvPr/>
-      </p:nvGrpSpPr>
-      <p:grpSpPr>
-        <a:xfrm>
-          <a:off x="0" y="0"/>
-          <a:ext cx="0" cy="0"/>
-          <a:chOff x="0" y="0"/>
-          <a:chExt cx="0" cy="0"/>
-        </a:xfrm>
-      </p:grpSpPr>
-      <p:sp>
-        <p:nvSpPr>
-          <p:cNvPr id="2" name="Título 1"/>
-          <p:cNvSpPr>
-            <a:spLocks noGrp="1"/>
-          </p:cNvSpPr>
-          <p:nvPr>
-            <p:ph type="title"/>
-          </p:nvPr>
-        </p:nvSpPr>
-        <p:spPr/>
-        <p:txBody>
-          <a:bodyPr/>
-          <a:lstStyle/>
-          <a:p>
-            <a:r>
-              <a:rPr lang="pt-BR" dirty="0" smtClean="0"/>
-              <a:t>Referências</a:t>
-            </a:r>
-            <a:endParaRPr lang="pt-BR" dirty="0"/>
-          </a:p>
-        </p:txBody>
-      </p:sp>
-      <p:sp>
-        <p:nvSpPr>
-          <p:cNvPr id="3" name="Espaço Reservado para Conteúdo 2"/>
-          <p:cNvSpPr>
-            <a:spLocks noGrp="1"/>
-          </p:cNvSpPr>
-          <p:nvPr>
-            <p:ph idx="1"/>
-          </p:nvPr>
-        </p:nvSpPr>
-        <p:spPr/>
-        <p:txBody>
-          <a:bodyPr>
-            <a:normAutofit/>
-          </a:bodyPr>
-          <a:lstStyle/>
-          <a:p>
-            <a:r>
-              <a:rPr lang="pt-BR" dirty="0">
-                <a:hlinkClick r:id="rId2"/>
-              </a:rPr>
-              <a:t>https://</a:t>
-            </a:r>
-            <a:r>
-              <a:rPr lang="pt-BR" dirty="0" smtClean="0">
-                <a:hlinkClick r:id="rId2"/>
-              </a:rPr>
-              <a:t>martinfowler.com/bliki/PresentationDomainDataLayering.html</a:t>
-            </a:r>
-            <a:endParaRPr lang="pt-BR" dirty="0" smtClean="0"/>
-          </a:p>
-          <a:p>
-            <a:endParaRPr lang="pt-BR" dirty="0"/>
-          </a:p>
-          <a:p>
-            <a:r>
-              <a:rPr lang="pt-BR" dirty="0">
-                <a:hlinkClick r:id="rId3"/>
-              </a:rPr>
-              <a:t>https://</a:t>
-            </a:r>
-            <a:r>
-              <a:rPr lang="pt-BR" dirty="0" smtClean="0">
-                <a:hlinkClick r:id="rId3"/>
-              </a:rPr>
-              <a:t>msdn.microsoft.com/en-us/library/ee658109.aspx</a:t>
-            </a:r>
-            <a:endParaRPr lang="pt-BR" dirty="0" smtClean="0"/>
-          </a:p>
-          <a:p>
-            <a:endParaRPr lang="pt-BR" dirty="0"/>
-          </a:p>
-          <a:p>
-            <a:r>
-              <a:rPr lang="pt-BR" dirty="0">
-                <a:hlinkClick r:id="rId4"/>
-              </a:rPr>
-              <a:t>https://</a:t>
-            </a:r>
-            <a:r>
-              <a:rPr lang="pt-BR" dirty="0" smtClean="0">
-                <a:hlinkClick r:id="rId4"/>
-              </a:rPr>
-              <a:t>msdn.microsoft.com/en-us/library/ff648105.aspx</a:t>
-            </a:r>
-            <a:endParaRPr lang="pt-BR" dirty="0" smtClean="0"/>
-          </a:p>
-          <a:p>
-            <a:endParaRPr lang="pt-BR" dirty="0"/>
-          </a:p>
-          <a:p>
-            <a:r>
-              <a:rPr lang="pt-BR" dirty="0">
-                <a:hlinkClick r:id="rId5"/>
-              </a:rPr>
-              <a:t>https://</a:t>
-            </a:r>
-            <a:r>
-              <a:rPr lang="pt-BR" dirty="0" smtClean="0">
-                <a:hlinkClick r:id="rId5"/>
-              </a:rPr>
-              <a:t>en.wikipedia.org/wiki/Multitier_architecture</a:t>
-            </a:r>
-            <a:endParaRPr lang="pt-BR" dirty="0" smtClean="0"/>
-          </a:p>
-          <a:p>
-            <a:endParaRPr lang="pt-BR" dirty="0"/>
-          </a:p>
-          <a:p>
-            <a:r>
-              <a:rPr lang="pt-BR" dirty="0">
-                <a:hlinkClick r:id="rId6"/>
-              </a:rPr>
-              <a:t>https://</a:t>
-            </a:r>
-            <a:r>
-              <a:rPr lang="pt-BR" dirty="0" smtClean="0">
-                <a:hlinkClick r:id="rId6"/>
-              </a:rPr>
-              <a:t>www.linkedin.com/learning/practical-application-architecture-with-entity-framework-core/multi-layer-applications</a:t>
-            </a:r>
-            <a:endParaRPr lang="pt-BR" dirty="0" smtClean="0"/>
-          </a:p>
-          <a:p>
-            <a:endParaRPr lang="pt-BR" dirty="0" smtClean="0"/>
-          </a:p>
-          <a:p>
-            <a:endParaRPr lang="pt-BR" dirty="0"/>
-          </a:p>
-        </p:txBody>
-      </p:sp>
-    </p:spTree>
-    <p:extLst>
-      <p:ext uri="{BB962C8B-B14F-4D97-AF65-F5344CB8AC3E}">
-        <p14:creationId xmlns:p14="http://schemas.microsoft.com/office/powerpoint/2010/main" val="1498052144"/>
+        <p14:creationId xmlns:p14="http://schemas.microsoft.com/office/powerpoint/2010/main" val="3862845422"/>
       </p:ext>
     </p:extLst>
   </p:cSld>
@@ -7366,8 +9862,8 @@
         </p:nvSpPr>
         <p:spPr>
           <a:xfrm>
-            <a:off x="2207568" y="2924944"/>
-            <a:ext cx="8229600" cy="990600"/>
+            <a:off x="1209675" y="2609850"/>
+            <a:ext cx="10048875" cy="1629544"/>
           </a:xfrm>
         </p:spPr>
         <p:txBody>
@@ -7379,11 +9875,18 @@
             <a:pPr algn="ctr"/>
             <a:r>
               <a:rPr lang="pt-BR" dirty="0" smtClean="0"/>
-              <a:t>O Padrão de Projetos </a:t>
-            </a:r>
-            <a:r>
-              <a:rPr lang="pt-BR" dirty="0" err="1" smtClean="0"/>
-              <a:t>Repository</a:t>
+              <a:t>Seção 05:</a:t>
+            </a:r>
+            <a:r>
+              <a:rPr lang="pt-BR" dirty="0"/>
+              <a:t/>
+            </a:r>
+            <a:br>
+              <a:rPr lang="pt-BR" dirty="0"/>
+            </a:br>
+            <a:r>
+              <a:rPr lang="pt-BR" dirty="0"/>
+              <a:t>Primeiros Passos</a:t>
             </a:r>
             <a:endParaRPr lang="pt-BR" dirty="0"/>
           </a:p>
@@ -7392,7 +9895,7 @@
     </p:spTree>
     <p:extLst>
       <p:ext uri="{BB962C8B-B14F-4D97-AF65-F5344CB8AC3E}">
-        <p14:creationId xmlns:p14="http://schemas.microsoft.com/office/powerpoint/2010/main" val="2100092951"/>
+        <p14:creationId xmlns:p14="http://schemas.microsoft.com/office/powerpoint/2010/main" val="2751202462"/>
       </p:ext>
     </p:extLst>
   </p:cSld>
@@ -7410,7 +9913,7 @@
 </file>
 
 <file path=ppt/slides/slide9.xml><?xml version="1.0" encoding="utf-8"?>
-<p:sld xmlns:a="http://schemas.openxmlformats.org/drawingml/2006/main" xmlns:r="http://schemas.openxmlformats.org/officeDocument/2006/relationships" xmlns:p="http://schemas.openxmlformats.org/presentationml/2006/main">
+<p:sld xmlns:a="http://schemas.openxmlformats.org/drawingml/2006/main" xmlns:r="http://schemas.openxmlformats.org/officeDocument/2006/relationships" xmlns:p="http://schemas.openxmlformats.org/presentationml/2006/main" showMasterSp="0">
   <p:cSld>
     <p:spTree>
       <p:nvGrpSpPr>
@@ -7428,7 +9931,7 @@
       </p:grpSpPr>
       <p:pic>
         <p:nvPicPr>
-          <p:cNvPr id="1026" name="Picture 2" descr="Repository Pattern"/>
+          <p:cNvPr id="3078" name="Picture 6" descr="Resultado de imagem para git"/>
           <p:cNvPicPr>
             <a:picLocks noChangeAspect="1" noChangeArrowheads="1"/>
           </p:cNvPicPr>
@@ -7449,8 +9952,8 @@
         </p:blipFill>
         <p:spPr bwMode="auto">
           <a:xfrm>
-            <a:off x="1646863" y="859862"/>
-            <a:ext cx="7466344" cy="5102003"/>
+            <a:off x="6445645" y="5252534"/>
+            <a:ext cx="1291331" cy="1291331"/>
           </a:xfrm>
           <a:prstGeom prst="rect">
             <a:avLst/>
@@ -7467,10 +9970,174 @@
           </a:extLst>
         </p:spPr>
       </p:pic>
+      <p:pic>
+        <p:nvPicPr>
+          <p:cNvPr id="4098" name="Picture 2" descr="Resultado de imagem para github"/>
+          <p:cNvPicPr>
+            <a:picLocks noChangeAspect="1" noChangeArrowheads="1"/>
+          </p:cNvPicPr>
+          <p:nvPr/>
+        </p:nvPicPr>
+        <p:blipFill>
+          <a:blip r:embed="rId3">
+            <a:extLst>
+              <a:ext uri="{28A0092B-C50C-407E-A947-70E740481C1C}">
+                <a14:useLocalDpi xmlns:a14="http://schemas.microsoft.com/office/drawing/2010/main" val="0"/>
+              </a:ext>
+            </a:extLst>
+          </a:blip>
+          <a:srcRect/>
+          <a:stretch>
+            <a:fillRect/>
+          </a:stretch>
+        </p:blipFill>
+        <p:spPr bwMode="auto">
+          <a:xfrm>
+            <a:off x="7731760" y="4947092"/>
+            <a:ext cx="4307840" cy="1596773"/>
+          </a:xfrm>
+          <a:prstGeom prst="rect">
+            <a:avLst/>
+          </a:prstGeom>
+          <a:noFill/>
+          <a:extLst>
+            <a:ext uri="{909E8E84-426E-40DD-AFC4-6F175D3DCCD1}">
+              <a14:hiddenFill xmlns:a14="http://schemas.microsoft.com/office/drawing/2010/main">
+                <a:solidFill>
+                  <a:srgbClr val="FFFFFF"/>
+                </a:solidFill>
+              </a14:hiddenFill>
+            </a:ext>
+          </a:extLst>
+        </p:spPr>
+      </p:pic>
+      <p:pic>
+        <p:nvPicPr>
+          <p:cNvPr id="10" name="Picture 2" descr="Resultado de imagem para visual studio"/>
+          <p:cNvPicPr>
+            <a:picLocks noChangeAspect="1" noChangeArrowheads="1"/>
+          </p:cNvPicPr>
+          <p:nvPr/>
+        </p:nvPicPr>
+        <p:blipFill>
+          <a:blip r:embed="rId4">
+            <a:extLst>
+              <a:ext uri="{28A0092B-C50C-407E-A947-70E740481C1C}">
+                <a14:useLocalDpi xmlns:a14="http://schemas.microsoft.com/office/drawing/2010/main" val="0"/>
+              </a:ext>
+            </a:extLst>
+          </a:blip>
+          <a:srcRect/>
+          <a:stretch>
+            <a:fillRect/>
+          </a:stretch>
+        </p:blipFill>
+        <p:spPr bwMode="auto">
+          <a:xfrm>
+            <a:off x="389255" y="5121466"/>
+            <a:ext cx="1422399" cy="1422399"/>
+          </a:xfrm>
+          <a:prstGeom prst="rect">
+            <a:avLst/>
+          </a:prstGeom>
+          <a:noFill/>
+          <a:extLst>
+            <a:ext uri="{909E8E84-426E-40DD-AFC4-6F175D3DCCD1}">
+              <a14:hiddenFill xmlns:a14="http://schemas.microsoft.com/office/drawing/2010/main">
+                <a:solidFill>
+                  <a:srgbClr val="FFFFFF"/>
+                </a:solidFill>
+              </a14:hiddenFill>
+            </a:ext>
+          </a:extLst>
+        </p:spPr>
+      </p:pic>
+      <p:pic>
+        <p:nvPicPr>
+          <p:cNvPr id="4100" name="Picture 4" descr="Resultado de imagem para asp.net core 2.0 logo"/>
+          <p:cNvPicPr>
+            <a:picLocks noChangeAspect="1" noChangeArrowheads="1"/>
+          </p:cNvPicPr>
+          <p:nvPr/>
+        </p:nvPicPr>
+        <p:blipFill>
+          <a:blip r:embed="rId5">
+            <a:extLst>
+              <a:ext uri="{28A0092B-C50C-407E-A947-70E740481C1C}">
+                <a14:useLocalDpi xmlns:a14="http://schemas.microsoft.com/office/drawing/2010/main" val="0"/>
+              </a:ext>
+            </a:extLst>
+          </a:blip>
+          <a:srcRect/>
+          <a:stretch>
+            <a:fillRect/>
+          </a:stretch>
+        </p:blipFill>
+        <p:spPr bwMode="auto">
+          <a:xfrm>
+            <a:off x="2069291" y="5217572"/>
+            <a:ext cx="4139036" cy="1097094"/>
+          </a:xfrm>
+          <a:prstGeom prst="rect">
+            <a:avLst/>
+          </a:prstGeom>
+          <a:noFill/>
+          <a:extLst>
+            <a:ext uri="{909E8E84-426E-40DD-AFC4-6F175D3DCCD1}">
+              <a14:hiddenFill xmlns:a14="http://schemas.microsoft.com/office/drawing/2010/main">
+                <a:solidFill>
+                  <a:srgbClr val="FFFFFF"/>
+                </a:solidFill>
+              </a14:hiddenFill>
+            </a:ext>
+          </a:extLst>
+        </p:spPr>
+      </p:pic>
+      <p:pic>
+        <p:nvPicPr>
+          <p:cNvPr id="4102" name="Picture 6" descr="Resultado de imagem para first steps"/>
+          <p:cNvPicPr>
+            <a:picLocks noChangeAspect="1" noChangeArrowheads="1"/>
+          </p:cNvPicPr>
+          <p:nvPr/>
+        </p:nvPicPr>
+        <p:blipFill>
+          <a:blip r:embed="rId6">
+            <a:extLst>
+              <a:ext uri="{28A0092B-C50C-407E-A947-70E740481C1C}">
+                <a14:useLocalDpi xmlns:a14="http://schemas.microsoft.com/office/drawing/2010/main" val="0"/>
+              </a:ext>
+            </a:extLst>
+          </a:blip>
+          <a:srcRect/>
+          <a:stretch>
+            <a:fillRect/>
+          </a:stretch>
+        </p:blipFill>
+        <p:spPr bwMode="auto">
+          <a:xfrm>
+            <a:off x="1811654" y="489070"/>
+            <a:ext cx="8534400" cy="4305301"/>
+          </a:xfrm>
+          <a:prstGeom prst="rect">
+            <a:avLst/>
+          </a:prstGeom>
+          <a:noFill/>
+          <a:extLst>
+            <a:ext uri="{909E8E84-426E-40DD-AFC4-6F175D3DCCD1}">
+              <a14:hiddenFill xmlns:a14="http://schemas.microsoft.com/office/drawing/2010/main">
+                <a:solidFill>
+                  <a:srgbClr val="FFFFFF"/>
+                </a:solidFill>
+              </a14:hiddenFill>
+            </a:ext>
+          </a:extLst>
+        </p:spPr>
+      </p:pic>
     </p:spTree>
     <p:extLst>
       <p:ext uri="{BB962C8B-B14F-4D97-AF65-F5344CB8AC3E}">
-        <p14:creationId xmlns:p14="http://schemas.microsoft.com/office/powerpoint/2010/main" val="3861130617"/>
+        <p14:creationId xmlns:p14="http://schemas.microsoft.com/office/powerpoint/2010/main" val="3446875423"/>
       </p:ext>
     </p:extLst>
   </p:cSld>

--- a/Documents/Building Modern RESTFul API's With ASP.NET Core - Architectural Overview.pptx
+++ b/Documents/Building Modern RESTFul API's With ASP.NET Core - Architectural Overview.pptx
@@ -74,7 +74,7 @@
     <p:sldId id="351" r:id="rId68"/>
     <p:sldId id="324" r:id="rId69"/>
     <p:sldId id="326" r:id="rId70"/>
-    <p:sldId id="349" r:id="rId71"/>
+    <p:sldId id="353" r:id="rId71"/>
     <p:sldId id="268" r:id="rId72"/>
     <p:sldId id="271" r:id="rId73"/>
     <p:sldId id="269" r:id="rId74"/>
@@ -20668,6 +20668,13 @@
   <p:clrMapOvr>
     <a:masterClrMapping/>
   </p:clrMapOvr>
+  <p:timing>
+    <p:tnLst>
+      <p:par>
+        <p:cTn id="1" dur="indefinite" restart="never" nodeType="tmRoot"/>
+      </p:par>
+    </p:tnLst>
+  </p:timing>
 </p:sld>
 </file>
 
@@ -22240,6 +22247,13 @@
   <p:clrMapOvr>
     <a:masterClrMapping/>
   </p:clrMapOvr>
+  <p:timing>
+    <p:tnLst>
+      <p:par>
+        <p:cTn id="1" dur="indefinite" restart="never" nodeType="tmRoot"/>
+      </p:par>
+    </p:tnLst>
+  </p:timing>
 </p:sld>
 </file>
 
@@ -24555,6 +24569,13 @@
   <p:clrMapOvr>
     <a:masterClrMapping/>
   </p:clrMapOvr>
+  <p:timing>
+    <p:tnLst>
+      <p:par>
+        <p:cTn id="1" dur="indefinite" restart="never" nodeType="tmRoot"/>
+      </p:par>
+    </p:tnLst>
+  </p:timing>
 </p:sld>
 </file>
 
@@ -26148,6 +26169,13 @@
   <p:clrMapOvr>
     <a:masterClrMapping/>
   </p:clrMapOvr>
+  <p:timing>
+    <p:tnLst>
+      <p:par>
+        <p:cTn id="1" dur="indefinite" restart="never" nodeType="tmRoot"/>
+      </p:par>
+    </p:tnLst>
+  </p:timing>
 </p:sld>
 </file>
 
@@ -27198,6 +27226,13 @@
   <p:clrMapOvr>
     <a:masterClrMapping/>
   </p:clrMapOvr>
+  <p:timing>
+    <p:tnLst>
+      <p:par>
+        <p:cTn id="1" dur="indefinite" restart="never" nodeType="tmRoot"/>
+      </p:par>
+    </p:tnLst>
+  </p:timing>
 </p:sld>
 </file>
 
@@ -30285,12 +30320,12 @@
         <p:spPr>
           <a:xfrm>
             <a:off x="694587" y="2212344"/>
-            <a:ext cx="8596668" cy="3880773"/>
+            <a:ext cx="4524394" cy="3880773"/>
           </a:xfrm>
         </p:spPr>
         <p:txBody>
           <a:bodyPr>
-            <a:normAutofit/>
+            <a:normAutofit fontScale="92500" lnSpcReduction="20000"/>
           </a:bodyPr>
           <a:lstStyle/>
           <a:p>
@@ -30301,8 +30336,109 @@
             </a:pPr>
             <a:r>
               <a:rPr lang="pt-BR" sz="2400" dirty="0" smtClean="0"/>
-              <a:t>C</a:t>
-            </a:r>
+              <a:t>Criando uma conta no </a:t>
+            </a:r>
+            <a:r>
+              <a:rPr lang="pt-BR" sz="2400" dirty="0" err="1" smtClean="0"/>
+              <a:t>DockerHub</a:t>
+            </a:r>
+            <a:endParaRPr lang="pt-BR" sz="2400" dirty="0" smtClean="0"/>
+          </a:p>
+          <a:p>
+            <a:pPr>
+              <a:buClr>
+                <a:schemeClr val="accent4"/>
+              </a:buClr>
+            </a:pPr>
+            <a:r>
+              <a:rPr lang="pt-BR" sz="2400" dirty="0"/>
+              <a:t>Criando uma conta </a:t>
+            </a:r>
+            <a:r>
+              <a:rPr lang="pt-BR" sz="2400" dirty="0" smtClean="0"/>
+              <a:t>no Microsoft </a:t>
+            </a:r>
+            <a:r>
+              <a:rPr lang="pt-BR" sz="2400" dirty="0" err="1" smtClean="0"/>
+              <a:t>Azure</a:t>
+            </a:r>
+            <a:endParaRPr lang="pt-BR" sz="2400" dirty="0" smtClean="0"/>
+          </a:p>
+          <a:p>
+            <a:pPr>
+              <a:buClr>
+                <a:schemeClr val="accent4"/>
+              </a:buClr>
+            </a:pPr>
+            <a:r>
+              <a:rPr lang="pt-BR" sz="2400" dirty="0" smtClean="0"/>
+              <a:t>Acessando o portal </a:t>
+            </a:r>
+            <a:r>
+              <a:rPr lang="pt-BR" sz="2400" dirty="0" err="1" smtClean="0"/>
+              <a:t>Azure</a:t>
+            </a:r>
+            <a:endParaRPr lang="pt-BR" sz="2400" dirty="0"/>
+          </a:p>
+          <a:p>
+            <a:pPr>
+              <a:buClr>
+                <a:schemeClr val="accent4"/>
+              </a:buClr>
+            </a:pPr>
+            <a:r>
+              <a:rPr lang="pt-BR" sz="2400" dirty="0" err="1"/>
+              <a:t>Logando</a:t>
+            </a:r>
+            <a:r>
+              <a:rPr lang="pt-BR" sz="2400" dirty="0"/>
+              <a:t> no </a:t>
+            </a:r>
+            <a:r>
+              <a:rPr lang="pt-BR" sz="2400" dirty="0" err="1"/>
+              <a:t>DockerHub</a:t>
+            </a:r>
+            <a:r>
+              <a:rPr lang="pt-BR" sz="2400" dirty="0"/>
+              <a:t> via </a:t>
+            </a:r>
+            <a:r>
+              <a:rPr lang="pt-BR" sz="2400" dirty="0" err="1"/>
+              <a:t>Powershell</a:t>
+            </a:r>
+            <a:endParaRPr lang="pt-BR" sz="2400" dirty="0"/>
+          </a:p>
+          <a:p>
+            <a:pPr>
+              <a:buClr>
+                <a:schemeClr val="accent4"/>
+              </a:buClr>
+            </a:pPr>
+            <a:r>
+              <a:rPr lang="pt-BR" sz="2400" dirty="0" smtClean="0"/>
+              <a:t>Enviando imagens para o </a:t>
+            </a:r>
+            <a:r>
+              <a:rPr lang="pt-BR" sz="2400" dirty="0" err="1" smtClean="0"/>
+              <a:t>DockerHub</a:t>
+            </a:r>
+            <a:endParaRPr lang="pt-BR" sz="2400" dirty="0" smtClean="0"/>
+          </a:p>
+          <a:p>
+            <a:pPr>
+              <a:buClr>
+                <a:schemeClr val="accent4"/>
+              </a:buClr>
+            </a:pPr>
+            <a:r>
+              <a:rPr lang="pt-BR" sz="2400" dirty="0" smtClean="0"/>
+              <a:t>Criando recursos no Microsoft </a:t>
+            </a:r>
+            <a:r>
+              <a:rPr lang="pt-BR" sz="2400" dirty="0" err="1" smtClean="0"/>
+              <a:t>Azure</a:t>
+            </a:r>
+            <a:endParaRPr lang="pt-BR" sz="2400" dirty="0" smtClean="0"/>
           </a:p>
         </p:txBody>
       </p:sp>
@@ -30345,16 +30481,361 @@
           </a:p>
         </p:txBody>
       </p:sp>
+      <p:sp>
+        <p:nvSpPr>
+          <p:cNvPr id="4" name="Espaço Reservado para Conteúdo 2"/>
+          <p:cNvSpPr txBox="1">
+            <a:spLocks/>
+          </p:cNvSpPr>
+          <p:nvPr/>
+        </p:nvSpPr>
+        <p:spPr>
+          <a:xfrm>
+            <a:off x="5539756" y="2212343"/>
+            <a:ext cx="3963677" cy="3880773"/>
+          </a:xfrm>
+          <a:prstGeom prst="rect">
+            <a:avLst/>
+          </a:prstGeom>
+        </p:spPr>
+        <p:txBody>
+          <a:bodyPr vert="horz" lIns="91440" tIns="45720" rIns="91440" bIns="45720" rtlCol="0">
+            <a:normAutofit fontScale="92500" lnSpcReduction="10000"/>
+          </a:bodyPr>
+          <a:lstStyle>
+            <a:lvl1pPr marL="342900" indent="-342900" algn="l" defTabSz="457200" rtl="0" eaLnBrk="1" latinLnBrk="0" hangingPunct="1">
+              <a:spcBef>
+                <a:spcPts val="1000"/>
+              </a:spcBef>
+              <a:spcAft>
+                <a:spcPts val="0"/>
+              </a:spcAft>
+              <a:buClr>
+                <a:schemeClr val="accent1"/>
+              </a:buClr>
+              <a:buSzPct val="80000"/>
+              <a:buFont typeface="Wingdings 3" charset="2"/>
+              <a:buChar char=""/>
+              <a:defRPr sz="1800" kern="1200">
+                <a:solidFill>
+                  <a:schemeClr val="tx1">
+                    <a:lumMod val="75000"/>
+                    <a:lumOff val="25000"/>
+                  </a:schemeClr>
+                </a:solidFill>
+                <a:latin typeface="+mn-lt"/>
+                <a:ea typeface="+mn-ea"/>
+                <a:cs typeface="+mn-cs"/>
+              </a:defRPr>
+            </a:lvl1pPr>
+            <a:lvl2pPr marL="742950" indent="-285750" algn="l" defTabSz="457200" rtl="0" eaLnBrk="1" latinLnBrk="0" hangingPunct="1">
+              <a:spcBef>
+                <a:spcPts val="1000"/>
+              </a:spcBef>
+              <a:spcAft>
+                <a:spcPts val="0"/>
+              </a:spcAft>
+              <a:buClr>
+                <a:schemeClr val="accent1"/>
+              </a:buClr>
+              <a:buSzPct val="80000"/>
+              <a:buFont typeface="Wingdings 3" charset="2"/>
+              <a:buChar char=""/>
+              <a:defRPr sz="1600" kern="1200">
+                <a:solidFill>
+                  <a:schemeClr val="tx1">
+                    <a:lumMod val="75000"/>
+                    <a:lumOff val="25000"/>
+                  </a:schemeClr>
+                </a:solidFill>
+                <a:latin typeface="+mn-lt"/>
+                <a:ea typeface="+mn-ea"/>
+                <a:cs typeface="+mn-cs"/>
+              </a:defRPr>
+            </a:lvl2pPr>
+            <a:lvl3pPr marL="1143000" indent="-228600" algn="l" defTabSz="457200" rtl="0" eaLnBrk="1" latinLnBrk="0" hangingPunct="1">
+              <a:spcBef>
+                <a:spcPts val="1000"/>
+              </a:spcBef>
+              <a:spcAft>
+                <a:spcPts val="0"/>
+              </a:spcAft>
+              <a:buClr>
+                <a:schemeClr val="accent1"/>
+              </a:buClr>
+              <a:buSzPct val="80000"/>
+              <a:buFont typeface="Wingdings 3" charset="2"/>
+              <a:buChar char=""/>
+              <a:defRPr sz="1400" kern="1200">
+                <a:solidFill>
+                  <a:schemeClr val="tx1">
+                    <a:lumMod val="75000"/>
+                    <a:lumOff val="25000"/>
+                  </a:schemeClr>
+                </a:solidFill>
+                <a:latin typeface="+mn-lt"/>
+                <a:ea typeface="+mn-ea"/>
+                <a:cs typeface="+mn-cs"/>
+              </a:defRPr>
+            </a:lvl3pPr>
+            <a:lvl4pPr marL="1600200" indent="-228600" algn="l" defTabSz="457200" rtl="0" eaLnBrk="1" latinLnBrk="0" hangingPunct="1">
+              <a:spcBef>
+                <a:spcPts val="1000"/>
+              </a:spcBef>
+              <a:spcAft>
+                <a:spcPts val="0"/>
+              </a:spcAft>
+              <a:buClr>
+                <a:schemeClr val="accent1"/>
+              </a:buClr>
+              <a:buSzPct val="80000"/>
+              <a:buFont typeface="Wingdings 3" charset="2"/>
+              <a:buChar char=""/>
+              <a:defRPr sz="1200" kern="1200">
+                <a:solidFill>
+                  <a:schemeClr val="tx1">
+                    <a:lumMod val="75000"/>
+                    <a:lumOff val="25000"/>
+                  </a:schemeClr>
+                </a:solidFill>
+                <a:latin typeface="+mn-lt"/>
+                <a:ea typeface="+mn-ea"/>
+                <a:cs typeface="+mn-cs"/>
+              </a:defRPr>
+            </a:lvl4pPr>
+            <a:lvl5pPr marL="2057400" indent="-228600" algn="l" defTabSz="457200" rtl="0" eaLnBrk="1" latinLnBrk="0" hangingPunct="1">
+              <a:spcBef>
+                <a:spcPts val="1000"/>
+              </a:spcBef>
+              <a:spcAft>
+                <a:spcPts val="0"/>
+              </a:spcAft>
+              <a:buClr>
+                <a:schemeClr val="accent1"/>
+              </a:buClr>
+              <a:buSzPct val="80000"/>
+              <a:buFont typeface="Wingdings 3" charset="2"/>
+              <a:buChar char=""/>
+              <a:defRPr sz="1200" kern="1200">
+                <a:solidFill>
+                  <a:schemeClr val="tx1">
+                    <a:lumMod val="75000"/>
+                    <a:lumOff val="25000"/>
+                  </a:schemeClr>
+                </a:solidFill>
+                <a:latin typeface="+mn-lt"/>
+                <a:ea typeface="+mn-ea"/>
+                <a:cs typeface="+mn-cs"/>
+              </a:defRPr>
+            </a:lvl5pPr>
+            <a:lvl6pPr marL="2514600" indent="-228600" algn="l" defTabSz="457200" rtl="0" eaLnBrk="1" latinLnBrk="0" hangingPunct="1">
+              <a:spcBef>
+                <a:spcPts val="1000"/>
+              </a:spcBef>
+              <a:spcAft>
+                <a:spcPts val="0"/>
+              </a:spcAft>
+              <a:buClr>
+                <a:schemeClr val="accent1"/>
+              </a:buClr>
+              <a:buSzPct val="80000"/>
+              <a:buFont typeface="Wingdings 3" charset="2"/>
+              <a:buChar char=""/>
+              <a:defRPr sz="1200" kern="1200">
+                <a:solidFill>
+                  <a:schemeClr val="tx1">
+                    <a:lumMod val="75000"/>
+                    <a:lumOff val="25000"/>
+                  </a:schemeClr>
+                </a:solidFill>
+                <a:latin typeface="+mn-lt"/>
+                <a:ea typeface="+mn-ea"/>
+                <a:cs typeface="+mn-cs"/>
+              </a:defRPr>
+            </a:lvl6pPr>
+            <a:lvl7pPr marL="2971800" indent="-228600" algn="l" defTabSz="457200" rtl="0" eaLnBrk="1" latinLnBrk="0" hangingPunct="1">
+              <a:spcBef>
+                <a:spcPts val="1000"/>
+              </a:spcBef>
+              <a:spcAft>
+                <a:spcPts val="0"/>
+              </a:spcAft>
+              <a:buClr>
+                <a:schemeClr val="accent1"/>
+              </a:buClr>
+              <a:buSzPct val="80000"/>
+              <a:buFont typeface="Wingdings 3" charset="2"/>
+              <a:buChar char=""/>
+              <a:defRPr sz="1200" kern="1200">
+                <a:solidFill>
+                  <a:schemeClr val="tx1">
+                    <a:lumMod val="75000"/>
+                    <a:lumOff val="25000"/>
+                  </a:schemeClr>
+                </a:solidFill>
+                <a:latin typeface="+mn-lt"/>
+                <a:ea typeface="+mn-ea"/>
+                <a:cs typeface="+mn-cs"/>
+              </a:defRPr>
+            </a:lvl7pPr>
+            <a:lvl8pPr marL="3429000" indent="-228600" algn="l" defTabSz="457200" rtl="0" eaLnBrk="1" latinLnBrk="0" hangingPunct="1">
+              <a:spcBef>
+                <a:spcPts val="1000"/>
+              </a:spcBef>
+              <a:spcAft>
+                <a:spcPts val="0"/>
+              </a:spcAft>
+              <a:buClr>
+                <a:schemeClr val="accent1"/>
+              </a:buClr>
+              <a:buSzPct val="80000"/>
+              <a:buFont typeface="Wingdings 3" charset="2"/>
+              <a:buChar char=""/>
+              <a:defRPr sz="1200" kern="1200">
+                <a:solidFill>
+                  <a:schemeClr val="tx1">
+                    <a:lumMod val="75000"/>
+                    <a:lumOff val="25000"/>
+                  </a:schemeClr>
+                </a:solidFill>
+                <a:latin typeface="+mn-lt"/>
+                <a:ea typeface="+mn-ea"/>
+                <a:cs typeface="+mn-cs"/>
+              </a:defRPr>
+            </a:lvl8pPr>
+            <a:lvl9pPr marL="3886200" indent="-228600" algn="l" defTabSz="457200" rtl="0" eaLnBrk="1" latinLnBrk="0" hangingPunct="1">
+              <a:spcBef>
+                <a:spcPts val="1000"/>
+              </a:spcBef>
+              <a:spcAft>
+                <a:spcPts val="0"/>
+              </a:spcAft>
+              <a:buClr>
+                <a:schemeClr val="accent1"/>
+              </a:buClr>
+              <a:buSzPct val="80000"/>
+              <a:buFont typeface="Wingdings 3" charset="2"/>
+              <a:buChar char=""/>
+              <a:defRPr sz="1200" kern="1200">
+                <a:solidFill>
+                  <a:schemeClr val="tx1">
+                    <a:lumMod val="75000"/>
+                    <a:lumOff val="25000"/>
+                  </a:schemeClr>
+                </a:solidFill>
+                <a:latin typeface="+mn-lt"/>
+                <a:ea typeface="+mn-ea"/>
+                <a:cs typeface="+mn-cs"/>
+              </a:defRPr>
+            </a:lvl9pPr>
+          </a:lstStyle>
+          <a:p>
+            <a:pPr>
+              <a:buClr>
+                <a:schemeClr val="accent4"/>
+              </a:buClr>
+            </a:pPr>
+            <a:r>
+              <a:rPr lang="pt-BR" sz="2400" dirty="0" smtClean="0"/>
+              <a:t>Implantação</a:t>
+            </a:r>
+            <a:r>
+              <a:rPr lang="pt-BR" sz="2400" dirty="0"/>
+              <a:t> no Microsoft </a:t>
+            </a:r>
+            <a:r>
+              <a:rPr lang="pt-BR" sz="2400" dirty="0" err="1" smtClean="0"/>
+              <a:t>Azure</a:t>
+            </a:r>
+            <a:endParaRPr lang="pt-BR" sz="2400" dirty="0" smtClean="0"/>
+          </a:p>
+          <a:p>
+            <a:pPr>
+              <a:buClr>
+                <a:schemeClr val="accent4"/>
+              </a:buClr>
+            </a:pPr>
+            <a:r>
+              <a:rPr lang="pt-BR" sz="2400" dirty="0" smtClean="0"/>
+              <a:t>Conexões com a base de dados</a:t>
+            </a:r>
+          </a:p>
+          <a:p>
+            <a:pPr>
+              <a:buClr>
+                <a:schemeClr val="accent4"/>
+              </a:buClr>
+            </a:pPr>
+            <a:r>
+              <a:rPr lang="pt-BR" sz="2400" dirty="0" smtClean="0"/>
+              <a:t>Ajustes na base de dados</a:t>
+            </a:r>
+          </a:p>
+          <a:p>
+            <a:pPr>
+              <a:buClr>
+                <a:schemeClr val="accent4"/>
+              </a:buClr>
+            </a:pPr>
+            <a:r>
+              <a:rPr lang="pt-BR" sz="2400" dirty="0" smtClean="0"/>
+              <a:t>Visualizando os logs do contêiner</a:t>
+            </a:r>
+          </a:p>
+          <a:p>
+            <a:pPr>
+              <a:buClr>
+                <a:schemeClr val="accent4"/>
+              </a:buClr>
+            </a:pPr>
+            <a:r>
+              <a:rPr lang="pt-BR" sz="2400" dirty="0" smtClean="0"/>
+              <a:t>Habilitando Integração Contínua – CI</a:t>
+            </a:r>
+          </a:p>
+          <a:p>
+            <a:pPr>
+              <a:buClr>
+                <a:schemeClr val="accent4"/>
+              </a:buClr>
+            </a:pPr>
+            <a:r>
+              <a:rPr lang="pt-BR" sz="2400" dirty="0" smtClean="0"/>
+              <a:t>Testando no </a:t>
+            </a:r>
+            <a:r>
+              <a:rPr lang="pt-BR" sz="2400" dirty="0" err="1" smtClean="0"/>
+              <a:t>Postman</a:t>
+            </a:r>
+            <a:endParaRPr lang="pt-BR" sz="2400" dirty="0" smtClean="0"/>
+          </a:p>
+          <a:p>
+            <a:pPr>
+              <a:buClr>
+                <a:schemeClr val="accent4"/>
+              </a:buClr>
+            </a:pPr>
+            <a:endParaRPr lang="pt-BR" sz="2400" dirty="0" smtClean="0"/>
+          </a:p>
+        </p:txBody>
+      </p:sp>
     </p:spTree>
     <p:extLst>
       <p:ext uri="{BB962C8B-B14F-4D97-AF65-F5344CB8AC3E}">
-        <p14:creationId xmlns:p14="http://schemas.microsoft.com/office/powerpoint/2010/main" val="410031090"/>
+        <p14:creationId xmlns:p14="http://schemas.microsoft.com/office/powerpoint/2010/main" val="3143699197"/>
       </p:ext>
     </p:extLst>
   </p:cSld>
   <p:clrMapOvr>
     <a:masterClrMapping/>
   </p:clrMapOvr>
+  <p:timing>
+    <p:tnLst>
+      <p:par>
+        <p:cTn id="1" dur="indefinite" restart="never" nodeType="tmRoot"/>
+      </p:par>
+    </p:tnLst>
+  </p:timing>
 </p:sld>
 </file>
 

--- a/Documents/Building Modern RESTFul API's With ASP.NET Core - Architectural Overview.pptx
+++ b/Documents/Building Modern RESTFul API's With ASP.NET Core - Architectural Overview.pptx
@@ -22001,7 +22001,7 @@
         </p:blipFill>
         <p:spPr bwMode="auto">
           <a:xfrm>
-            <a:off x="9049931" y="3446124"/>
+            <a:off x="8971230" y="3797436"/>
             <a:ext cx="1592346" cy="1592346"/>
           </a:xfrm>
           <a:prstGeom prst="rect">
@@ -22327,7 +22327,7 @@
         </p:blipFill>
         <p:spPr bwMode="auto">
           <a:xfrm>
-            <a:off x="2739461" y="2489255"/>
+            <a:off x="2543277" y="2496972"/>
             <a:ext cx="3313901" cy="1228353"/>
           </a:xfrm>
           <a:prstGeom prst="rect">
@@ -22532,7 +22532,7 @@
         </p:blipFill>
         <p:spPr bwMode="auto">
           <a:xfrm>
-            <a:off x="5878752" y="2772425"/>
+            <a:off x="5448563" y="2750177"/>
             <a:ext cx="2997830" cy="833422"/>
           </a:xfrm>
           <a:prstGeom prst="rect">
@@ -22845,6 +22845,36 @@
           <a:xfrm>
             <a:off x="10972530" y="4242297"/>
             <a:ext cx="967980" cy="1047063"/>
+          </a:xfrm>
+          <a:prstGeom prst="rect">
+            <a:avLst/>
+          </a:prstGeom>
+        </p:spPr>
+      </p:pic>
+      <p:pic>
+        <p:nvPicPr>
+          <p:cNvPr id="37" name="Imagem 36"/>
+          <p:cNvPicPr>
+            <a:picLocks noChangeAspect="1"/>
+          </p:cNvPicPr>
+          <p:nvPr/>
+        </p:nvPicPr>
+        <p:blipFill>
+          <a:blip r:embed="rId30">
+            <a:extLst>
+              <a:ext uri="{28A0092B-C50C-407E-A947-70E740481C1C}">
+                <a14:useLocalDpi xmlns:a14="http://schemas.microsoft.com/office/drawing/2010/main" val="0"/>
+              </a:ext>
+            </a:extLst>
+          </a:blip>
+          <a:stretch>
+            <a:fillRect/>
+          </a:stretch>
+        </p:blipFill>
+        <p:spPr>
+          <a:xfrm>
+            <a:off x="8350256" y="2836879"/>
+            <a:ext cx="2642275" cy="774576"/>
           </a:xfrm>
           <a:prstGeom prst="rect">
             <a:avLst/>

--- a/Documents/Building Modern RESTFul API's With ASP.NET Core - Architectural Overview.pptx
+++ b/Documents/Building Modern RESTFul API's With ASP.NET Core - Architectural Overview.pptx
@@ -8751,13 +8751,13 @@
         </p:nvSpPr>
         <p:spPr>
           <a:xfrm>
-            <a:off x="4961787" y="284481"/>
-            <a:ext cx="6915253" cy="3037840"/>
+            <a:off x="5238750" y="1914025"/>
+            <a:ext cx="6638290" cy="4305800"/>
           </a:xfrm>
         </p:spPr>
         <p:txBody>
           <a:bodyPr>
-            <a:normAutofit lnSpcReduction="10000"/>
+            <a:normAutofit/>
           </a:bodyPr>
           <a:lstStyle/>
           <a:p>
@@ -8868,8 +8868,8 @@
         </p:nvSpPr>
         <p:spPr>
           <a:xfrm>
-            <a:off x="56436" y="284481"/>
-            <a:ext cx="4551679" cy="1629544"/>
+            <a:off x="0" y="284481"/>
+            <a:ext cx="12192000" cy="1629544"/>
           </a:xfrm>
         </p:spPr>
         <p:txBody>
@@ -8974,8 +8974,8 @@
         </p:nvSpPr>
         <p:spPr>
           <a:xfrm>
-            <a:off x="4961787" y="284481"/>
-            <a:ext cx="6915253" cy="3037840"/>
+            <a:off x="5324475" y="2164080"/>
+            <a:ext cx="6543675" cy="3037840"/>
           </a:xfrm>
         </p:spPr>
         <p:txBody>
@@ -9054,7 +9054,7 @@
       </p:sp>
       <p:sp>
         <p:nvSpPr>
-          <p:cNvPr id="4" name="Título 1"/>
+          <p:cNvPr id="6" name="Título 1"/>
           <p:cNvSpPr>
             <a:spLocks noGrp="1"/>
           </p:cNvSpPr>
@@ -9064,8 +9064,8 @@
         </p:nvSpPr>
         <p:spPr>
           <a:xfrm>
-            <a:off x="56436" y="284481"/>
-            <a:ext cx="4551679" cy="1629544"/>
+            <a:off x="0" y="284481"/>
+            <a:ext cx="12192000" cy="1629544"/>
           </a:xfrm>
         </p:spPr>
         <p:txBody>
@@ -9170,8 +9170,8 @@
         </p:nvSpPr>
         <p:spPr>
           <a:xfrm>
-            <a:off x="4961787" y="284481"/>
-            <a:ext cx="6915253" cy="3037840"/>
+            <a:off x="5305425" y="1914025"/>
+            <a:ext cx="6362700" cy="3362825"/>
           </a:xfrm>
         </p:spPr>
         <p:txBody>
@@ -9256,7 +9256,7 @@
       </p:sp>
       <p:sp>
         <p:nvSpPr>
-          <p:cNvPr id="4" name="Título 1"/>
+          <p:cNvPr id="6" name="Título 1"/>
           <p:cNvSpPr>
             <a:spLocks noGrp="1"/>
           </p:cNvSpPr>
@@ -9266,8 +9266,8 @@
         </p:nvSpPr>
         <p:spPr>
           <a:xfrm>
-            <a:off x="56436" y="284481"/>
-            <a:ext cx="4551679" cy="1629544"/>
+            <a:off x="0" y="284481"/>
+            <a:ext cx="12192000" cy="1629544"/>
           </a:xfrm>
         </p:spPr>
         <p:txBody>
@@ -9433,8 +9433,8 @@
         </p:nvSpPr>
         <p:spPr>
           <a:xfrm>
-            <a:off x="4961787" y="284481"/>
-            <a:ext cx="6915253" cy="3037840"/>
+            <a:off x="5372100" y="1821315"/>
+            <a:ext cx="6323965" cy="3849869"/>
           </a:xfrm>
         </p:spPr>
         <p:txBody>
@@ -9530,7 +9530,7 @@
       </p:sp>
       <p:sp>
         <p:nvSpPr>
-          <p:cNvPr id="4" name="Título 1"/>
+          <p:cNvPr id="6" name="Título 1"/>
           <p:cNvSpPr>
             <a:spLocks noGrp="1"/>
           </p:cNvSpPr>
@@ -9540,8 +9540,8 @@
         </p:nvSpPr>
         <p:spPr>
           <a:xfrm>
-            <a:off x="56436" y="284481"/>
-            <a:ext cx="4551679" cy="1629544"/>
+            <a:off x="0" y="284481"/>
+            <a:ext cx="12192000" cy="1629544"/>
           </a:xfrm>
         </p:spPr>
         <p:txBody>
@@ -32548,7 +32548,7 @@
                   <a:schemeClr val="accent4"/>
                 </a:solidFill>
               </a:rPr>
-              <a:t>Referências</a:t>
+              <a:t>Cursos Grátis </a:t>
             </a:r>
             <a:endParaRPr lang="pt-BR" dirty="0">
               <a:solidFill>
